--- a/a_documents/TFI.pptx
+++ b/a_documents/TFI.pptx
@@ -11,9 +11,9 @@
     <p:sldId id="267" r:id="rId5"/>
     <p:sldId id="268" r:id="rId6"/>
     <p:sldId id="269" r:id="rId7"/>
-    <p:sldId id="256" r:id="rId8"/>
-    <p:sldId id="258" r:id="rId9"/>
-    <p:sldId id="266" r:id="rId10"/>
+    <p:sldId id="270" r:id="rId8"/>
+    <p:sldId id="256" r:id="rId9"/>
+    <p:sldId id="258" r:id="rId10"/>
     <p:sldId id="257" r:id="rId11"/>
   </p:sldIdLst>
   <p:sldSz cx="12192000" cy="6858000"/>
@@ -268,7 +268,7 @@
           <a:p>
             <a:fld id="{3E8EA724-0D8D-4ACB-812E-EA78360479C2}" type="datetimeFigureOut">
               <a:rPr lang="es-ES" smtClean="0"/>
-              <a:t>15/04/2023</a:t>
+              <a:t>26/04/2023</a:t>
             </a:fld>
             <a:endParaRPr lang="es-ES"/>
           </a:p>
@@ -466,7 +466,7 @@
           <a:p>
             <a:fld id="{3E8EA724-0D8D-4ACB-812E-EA78360479C2}" type="datetimeFigureOut">
               <a:rPr lang="es-ES" smtClean="0"/>
-              <a:t>15/04/2023</a:t>
+              <a:t>26/04/2023</a:t>
             </a:fld>
             <a:endParaRPr lang="es-ES"/>
           </a:p>
@@ -674,7 +674,7 @@
           <a:p>
             <a:fld id="{3E8EA724-0D8D-4ACB-812E-EA78360479C2}" type="datetimeFigureOut">
               <a:rPr lang="es-ES" smtClean="0"/>
-              <a:t>15/04/2023</a:t>
+              <a:t>26/04/2023</a:t>
             </a:fld>
             <a:endParaRPr lang="es-ES"/>
           </a:p>
@@ -872,7 +872,7 @@
           <a:p>
             <a:fld id="{3E8EA724-0D8D-4ACB-812E-EA78360479C2}" type="datetimeFigureOut">
               <a:rPr lang="es-ES" smtClean="0"/>
-              <a:t>15/04/2023</a:t>
+              <a:t>26/04/2023</a:t>
             </a:fld>
             <a:endParaRPr lang="es-ES"/>
           </a:p>
@@ -1147,7 +1147,7 @@
           <a:p>
             <a:fld id="{3E8EA724-0D8D-4ACB-812E-EA78360479C2}" type="datetimeFigureOut">
               <a:rPr lang="es-ES" smtClean="0"/>
-              <a:t>15/04/2023</a:t>
+              <a:t>26/04/2023</a:t>
             </a:fld>
             <a:endParaRPr lang="es-ES"/>
           </a:p>
@@ -1412,7 +1412,7 @@
           <a:p>
             <a:fld id="{3E8EA724-0D8D-4ACB-812E-EA78360479C2}" type="datetimeFigureOut">
               <a:rPr lang="es-ES" smtClean="0"/>
-              <a:t>15/04/2023</a:t>
+              <a:t>26/04/2023</a:t>
             </a:fld>
             <a:endParaRPr lang="es-ES"/>
           </a:p>
@@ -1824,7 +1824,7 @@
           <a:p>
             <a:fld id="{3E8EA724-0D8D-4ACB-812E-EA78360479C2}" type="datetimeFigureOut">
               <a:rPr lang="es-ES" smtClean="0"/>
-              <a:t>15/04/2023</a:t>
+              <a:t>26/04/2023</a:t>
             </a:fld>
             <a:endParaRPr lang="es-ES"/>
           </a:p>
@@ -1965,7 +1965,7 @@
           <a:p>
             <a:fld id="{3E8EA724-0D8D-4ACB-812E-EA78360479C2}" type="datetimeFigureOut">
               <a:rPr lang="es-ES" smtClean="0"/>
-              <a:t>15/04/2023</a:t>
+              <a:t>26/04/2023</a:t>
             </a:fld>
             <a:endParaRPr lang="es-ES"/>
           </a:p>
@@ -2078,7 +2078,7 @@
           <a:p>
             <a:fld id="{3E8EA724-0D8D-4ACB-812E-EA78360479C2}" type="datetimeFigureOut">
               <a:rPr lang="es-ES" smtClean="0"/>
-              <a:t>15/04/2023</a:t>
+              <a:t>26/04/2023</a:t>
             </a:fld>
             <a:endParaRPr lang="es-ES"/>
           </a:p>
@@ -2389,7 +2389,7 @@
           <a:p>
             <a:fld id="{3E8EA724-0D8D-4ACB-812E-EA78360479C2}" type="datetimeFigureOut">
               <a:rPr lang="es-ES" smtClean="0"/>
-              <a:t>15/04/2023</a:t>
+              <a:t>26/04/2023</a:t>
             </a:fld>
             <a:endParaRPr lang="es-ES"/>
           </a:p>
@@ -2677,7 +2677,7 @@
           <a:p>
             <a:fld id="{3E8EA724-0D8D-4ACB-812E-EA78360479C2}" type="datetimeFigureOut">
               <a:rPr lang="es-ES" smtClean="0"/>
-              <a:t>15/04/2023</a:t>
+              <a:t>26/04/2023</a:t>
             </a:fld>
             <a:endParaRPr lang="es-ES"/>
           </a:p>
@@ -2918,7 +2918,7 @@
           <a:p>
             <a:fld id="{3E8EA724-0D8D-4ACB-812E-EA78360479C2}" type="datetimeFigureOut">
               <a:rPr lang="es-ES" smtClean="0"/>
-              <a:t>15/04/2023</a:t>
+              <a:t>26/04/2023</a:t>
             </a:fld>
             <a:endParaRPr lang="es-ES"/>
           </a:p>
@@ -4418,6 +4418,36 @@
           <a:chExt cx="0" cy="0"/>
         </a:xfrm>
       </p:grpSpPr>
+      <p:pic>
+        <p:nvPicPr>
+          <p:cNvPr id="75" name="Imagen 74">
+            <a:extLst>
+              <a:ext uri="{FF2B5EF4-FFF2-40B4-BE49-F238E27FC236}">
+                <a16:creationId xmlns:a16="http://schemas.microsoft.com/office/drawing/2014/main" id="{09EBCF87-A2DA-45B9-BAA5-492D8A6C93BF}"/>
+              </a:ext>
+            </a:extLst>
+          </p:cNvPr>
+          <p:cNvPicPr>
+            <a:picLocks noChangeAspect="1"/>
+          </p:cNvPicPr>
+          <p:nvPr/>
+        </p:nvPicPr>
+        <p:blipFill>
+          <a:blip r:embed="rId2"/>
+          <a:stretch>
+            <a:fillRect/>
+          </a:stretch>
+        </p:blipFill>
+        <p:spPr>
+          <a:xfrm>
+            <a:off x="2049022" y="400364"/>
+            <a:ext cx="574747" cy="246579"/>
+          </a:xfrm>
+          <a:prstGeom prst="rect">
+            <a:avLst/>
+          </a:prstGeom>
+        </p:spPr>
+      </p:pic>
       <p:sp>
         <p:nvSpPr>
           <p:cNvPr id="3" name="Rectángulo 2">
@@ -4432,8 +4462,8 @@
         </p:nvSpPr>
         <p:spPr>
           <a:xfrm>
-            <a:off x="332509" y="234476"/>
-            <a:ext cx="6096000" cy="2400657"/>
+            <a:off x="5464158" y="429238"/>
+            <a:ext cx="6096000" cy="2616101"/>
           </a:xfrm>
           <a:prstGeom prst="rect">
             <a:avLst/>
@@ -4446,362 +4476,217 @@
           <a:lstStyle/>
           <a:p>
             <a:r>
-              <a:rPr lang="es-ES" sz="1000" dirty="0">
+              <a:rPr lang="es-ES" sz="2000" b="1" dirty="0">
                 <a:solidFill>
                   <a:srgbClr val="374151"/>
                 </a:solidFill>
-                <a:latin typeface="Söhne"/>
-              </a:rPr>
-              <a:t>3.6.2. Modalidad Pasiva</a:t>
-            </a:r>
-          </a:p>
-          <a:p>
-            <a:r>
-              <a:rPr lang="es-ES" sz="1000" dirty="0">
-                <a:solidFill>
-                  <a:srgbClr val="374151"/>
-                </a:solidFill>
-                <a:latin typeface="Söhne"/>
-              </a:rPr>
-              <a:t>Para la modalidad pasiva, primero se utilizan plantillas reales de P300 ERP obtenidas de un conjunto de datos públicos, las cuales se superponen en el flujo de EEG generado de 4 sujetos. Se adquiere un conjunto de plantillas de ERP de la Sujeto Número 8 del conjunto de datos públicos 008-2014 [69] publicado en el sitio web BNCI-</a:t>
-            </a:r>
-            <a:r>
-              <a:rPr lang="es-ES" sz="1000" dirty="0" err="1">
-                <a:solidFill>
-                  <a:srgbClr val="374151"/>
-                </a:solidFill>
-                <a:latin typeface="Söhne"/>
-              </a:rPr>
-              <a:t>Horizon</a:t>
-            </a:r>
-            <a:r>
-              <a:rPr lang="es-ES" sz="1000" dirty="0">
-                <a:solidFill>
-                  <a:srgbClr val="374151"/>
-                </a:solidFill>
-                <a:latin typeface="Söhne"/>
-              </a:rPr>
-              <a:t> [70] por IRCCS </a:t>
-            </a:r>
-            <a:r>
-              <a:rPr lang="es-ES" sz="1000" dirty="0" err="1">
-                <a:solidFill>
-                  <a:srgbClr val="374151"/>
-                </a:solidFill>
-                <a:latin typeface="Söhne"/>
-              </a:rPr>
-              <a:t>Fondazione</a:t>
-            </a:r>
-            <a:r>
-              <a:rPr lang="es-ES" sz="1000" dirty="0">
-                <a:solidFill>
-                  <a:srgbClr val="374151"/>
-                </a:solidFill>
-                <a:latin typeface="Söhne"/>
-              </a:rPr>
-              <a:t> Santa Lucia. El protocolo experimental implementado para producir este conjunto de datos es el mismo que se describe en la Sección 3.6.1. Por otro lado, las trazas de EEG donde se superponen estas plantillas, son obtenidas experimentalmente por sujetos que están observando el parpadeo de la matriz de estímulos durante un procedimiento de P300 </a:t>
-            </a:r>
-            <a:r>
-              <a:rPr lang="es-ES" sz="1000" dirty="0" err="1">
-                <a:solidFill>
-                  <a:srgbClr val="374151"/>
-                </a:solidFill>
-                <a:latin typeface="Söhne"/>
-              </a:rPr>
-              <a:t>Speller</a:t>
-            </a:r>
-            <a:r>
-              <a:rPr lang="es-ES" sz="1000" dirty="0">
-                <a:solidFill>
-                  <a:srgbClr val="374151"/>
-                </a:solidFill>
-                <a:latin typeface="Söhne"/>
-              </a:rPr>
-              <a:t> pero no se enfocan en ninguna letra en particular. Todo está allí, excepto el componente P300 ERP. Por lo tanto, a lo largo del flujo de EEG, se utiliza la información de marcadores para localizar los segmentos verdaderos donde se debería encontrar el P300, y esas ubicaciones de tiempo se utilizan para superponer la forma de onda de ERP extraída. Al implementar este enfoque </a:t>
-            </a:r>
-            <a:r>
-              <a:rPr lang="es-ES" sz="1000" dirty="0" err="1">
-                <a:solidFill>
-                  <a:srgbClr val="374151"/>
-                </a:solidFill>
-                <a:latin typeface="Söhne"/>
-              </a:rPr>
-              <a:t>pseudo-real</a:t>
-            </a:r>
-            <a:r>
-              <a:rPr lang="es-ES" sz="1000" dirty="0">
-                <a:solidFill>
-                  <a:srgbClr val="374151"/>
-                </a:solidFill>
-                <a:latin typeface="Söhne"/>
-              </a:rPr>
-              <a:t>, es posible controlar eficazmente las señales nulas y ajustar la forma del potencial evocado. Se puede ver una muestra de P300 ERP obtenida del número de prueba 2 del Sujeto 8 en la Figura 2. Estas plantillas se seleccionan debido a que sus formas se asemejan más al prototipo de forma de onda P300 [71,72]. Se producen extrayendo segmentos para este sujeto y promediándolos coherentemente punto a punto.</a:t>
-            </a:r>
-          </a:p>
-        </p:txBody>
-      </p:sp>
-      <p:sp>
-        <p:nvSpPr>
-          <p:cNvPr id="4" name="Rectángulo 3">
-            <a:extLst>
-              <a:ext uri="{FF2B5EF4-FFF2-40B4-BE49-F238E27FC236}">
-                <a16:creationId xmlns:a16="http://schemas.microsoft.com/office/drawing/2014/main" id="{77324A83-9E68-4C3F-8405-555857BCC992}"/>
-              </a:ext>
-            </a:extLst>
-          </p:cNvPr>
-          <p:cNvSpPr/>
-          <p:nvPr/>
-        </p:nvSpPr>
-        <p:spPr>
-          <a:xfrm>
-            <a:off x="5458691" y="2479372"/>
-            <a:ext cx="6096000" cy="5786199"/>
-          </a:xfrm>
-          <a:prstGeom prst="rect">
-            <a:avLst/>
-          </a:prstGeom>
-        </p:spPr>
-        <p:txBody>
-          <a:bodyPr>
-            <a:spAutoFit/>
-          </a:bodyPr>
-          <a:lstStyle/>
-          <a:p>
-            <a:r>
-              <a:rPr lang="es-ES" sz="1000" dirty="0">
-                <a:solidFill>
-                  <a:srgbClr val="374151"/>
-                </a:solidFill>
-                <a:latin typeface="Söhne"/>
-              </a:rPr>
-              <a:t>En este estudio se implementó una modalidad activa en la que se llevó a cabo un experimento de "BCI </a:t>
-            </a:r>
-            <a:r>
-              <a:rPr lang="es-ES" sz="1000" dirty="0" err="1">
-                <a:solidFill>
-                  <a:srgbClr val="374151"/>
-                </a:solidFill>
-                <a:latin typeface="Söhne"/>
-              </a:rPr>
-              <a:t>Speller</a:t>
-            </a:r>
-            <a:r>
-              <a:rPr lang="es-ES" sz="1000" dirty="0">
-                <a:solidFill>
-                  <a:srgbClr val="374151"/>
-                </a:solidFill>
-                <a:latin typeface="Söhne"/>
-              </a:rPr>
-              <a:t>" basado en P300 con cuatro sujetos. En este caso, los segmentos de señal se modificaron para garantizar la inclusión de un componente P300. Sin embargo, en este caso, las plantillas se extrajeron del mismo sujeto. Por lo tanto, la señal EEG se </a:t>
-            </a:r>
-            <a:r>
-              <a:rPr lang="es-ES" sz="1000" dirty="0" err="1">
-                <a:solidFill>
-                  <a:srgbClr val="374151"/>
-                </a:solidFill>
-                <a:latin typeface="Söhne"/>
-              </a:rPr>
-              <a:t>preprocesó</a:t>
-            </a:r>
-            <a:r>
-              <a:rPr lang="es-ES" sz="1000" dirty="0">
-                <a:solidFill>
-                  <a:srgbClr val="374151"/>
-                </a:solidFill>
-                <a:latin typeface="Söhne"/>
-              </a:rPr>
-              <a:t> y se extrajeron segmentos etiquetados. Los segmentos etiquetados como "True" se promediaron de manera coherente punto por punto, y se produjeron 70 plantillas a partir del conjunto completo de 35 ensayos. Una vez obtenidas las plantillas, se obtuvo un segmento aleatorio etiquetado como "False" para el mismo sujeto. Esto se utilizó como señal de línea base y se agregó a la plantilla, conformando un nuevo segmento que tenía una plantilla P300 superpuesta. Este procedimiento continuó hasta completar los 700 segmentos marcados como "True".</a:t>
-            </a:r>
-          </a:p>
-          <a:p>
-            <a:r>
-              <a:rPr lang="es-ES" sz="1000" dirty="0">
-                <a:solidFill>
-                  <a:srgbClr val="374151"/>
-                </a:solidFill>
-                <a:latin typeface="Söhne"/>
-              </a:rPr>
-              <a:t>La figura 3 muestra una muestra de 5 segundos de la señal EEG obtenida con la biblioteca MNE [73]. El canal S representa los doce diferentes marcadores de estímulo (columnas o filas), mientras que el canal L representa la etiqueta (Verdadero vs. Falso). Las etiquetas se representan mediante señales cuadradas. Los segmentos Falsos se marcan con señales cuadradas de amplitud única mientras que los segmentos Verdaderos se identifican mediante señales cuadradas de doble amplitud. La </a:t>
-            </a:r>
-            <a:r>
-              <a:rPr lang="es-ES" sz="1000" dirty="0" err="1">
-                <a:solidFill>
-                  <a:srgbClr val="374151"/>
-                </a:solidFill>
-                <a:latin typeface="Söhne"/>
-              </a:rPr>
-              <a:t>subfigura</a:t>
-            </a:r>
-            <a:r>
-              <a:rPr lang="es-ES" sz="1000" dirty="0">
-                <a:solidFill>
-                  <a:srgbClr val="374151"/>
-                </a:solidFill>
-                <a:latin typeface="Söhne"/>
-              </a:rPr>
-              <a:t> (a) muestra las señales antes de que se superponga la plantilla ERP, mientras que la </a:t>
-            </a:r>
-            <a:r>
-              <a:rPr lang="es-ES" sz="1000" dirty="0" err="1">
-                <a:solidFill>
-                  <a:srgbClr val="374151"/>
-                </a:solidFill>
-                <a:latin typeface="Söhne"/>
-              </a:rPr>
-              <a:t>subfigura</a:t>
-            </a:r>
-            <a:r>
-              <a:rPr lang="es-ES" sz="1000" dirty="0">
-                <a:solidFill>
-                  <a:srgbClr val="374151"/>
-                </a:solidFill>
-                <a:latin typeface="Söhne"/>
-              </a:rPr>
-              <a:t> (b) muestra las mismas señales con la plantilla ERP superpuesta. A primera vista, las diferencias son realmente difíciles de detectar visualmente. Las </a:t>
-            </a:r>
-            <a:r>
-              <a:rPr lang="es-ES" sz="1000" dirty="0" err="1">
-                <a:solidFill>
-                  <a:srgbClr val="374151"/>
-                </a:solidFill>
-                <a:latin typeface="Söhne"/>
-              </a:rPr>
-              <a:t>subfiguras</a:t>
-            </a:r>
-            <a:r>
-              <a:rPr lang="es-ES" sz="1000" dirty="0">
-                <a:solidFill>
-                  <a:srgbClr val="374151"/>
-                </a:solidFill>
-                <a:latin typeface="Söhne"/>
-              </a:rPr>
-              <a:t> (c) y (d) muestran solo un segundo de los canales </a:t>
-            </a:r>
-            <a:r>
-              <a:rPr lang="es-ES" sz="1000" dirty="0" err="1">
-                <a:solidFill>
-                  <a:srgbClr val="374151"/>
-                </a:solidFill>
-                <a:latin typeface="Söhne"/>
-              </a:rPr>
-              <a:t>Cz</a:t>
-            </a:r>
-            <a:r>
-              <a:rPr lang="es-ES" sz="1000" dirty="0">
-                <a:solidFill>
-                  <a:srgbClr val="374151"/>
-                </a:solidFill>
-                <a:latin typeface="Söhne"/>
-              </a:rPr>
-              <a:t> y L del mismo segmento. La ERP superpuesta puede ser vista encerrada por las barras verticales, alrededor de los 31.5 s, donde en (d) el pico es ligeramente mayor. La figura 4 muestra las </a:t>
-            </a:r>
-            <a:r>
-              <a:rPr lang="es-ES" sz="1000" dirty="0" err="1">
-                <a:solidFill>
-                  <a:srgbClr val="374151"/>
-                </a:solidFill>
-                <a:latin typeface="Söhne"/>
-              </a:rPr>
-              <a:t>ERPs</a:t>
-            </a:r>
-            <a:r>
-              <a:rPr lang="es-ES" sz="1000" dirty="0">
-                <a:solidFill>
-                  <a:srgbClr val="374151"/>
-                </a:solidFill>
-                <a:latin typeface="Söhne"/>
-              </a:rPr>
-              <a:t> promediadas punto por punto obtenidas como resultado de la superposición de la señal de plantilla en la secuencia EEG, sincronizada con el inicio del estímulo. Estos 12 segmentos promediados punto por punto corresponden al primer ensayo de la secuencia EEG.</a:t>
-            </a:r>
-            <a:endParaRPr lang="es-ES" sz="1000" dirty="0">
+              </a:rPr>
+              <a:t>Modalidad pasiva:</a:t>
+            </a:r>
+          </a:p>
+          <a:p>
+            <a:endParaRPr lang="es-ES" sz="1200" b="1" dirty="0">
               <a:solidFill>
                 <a:srgbClr val="374151"/>
               </a:solidFill>
             </a:endParaRPr>
           </a:p>
           <a:p>
-            <a:endParaRPr lang="es-AR" sz="1000" b="0" i="0" dirty="0">
-              <a:solidFill>
-                <a:srgbClr val="374151"/>
-              </a:solidFill>
-              <a:effectLst/>
-            </a:endParaRPr>
-          </a:p>
-          <a:p>
-            <a:r>
-              <a:rPr lang="es-ES" sz="1000" dirty="0"/>
-              <a:t>Figura 3. Se muestra la señal EEG de ocho canales para el Sujeto Número 1 del conjunto de datos </a:t>
-            </a:r>
-            <a:r>
-              <a:rPr lang="es-ES" sz="1000" dirty="0" err="1"/>
+            <a:pPr marL="171450" indent="-171450" defTabSz="179388">
+              <a:buFont typeface="Arial" panose="020B0604020202020204" pitchFamily="34" charset="0"/>
+              <a:buChar char="•"/>
+            </a:pPr>
+            <a:r>
+              <a:rPr lang="es-AR" sz="1200" dirty="0">
+                <a:solidFill>
+                  <a:srgbClr val="374151"/>
+                </a:solidFill>
+              </a:rPr>
+              <a:t>	</a:t>
+            </a:r>
+            <a:r>
+              <a:rPr lang="es-ES" sz="1200" dirty="0">
+                <a:solidFill>
+                  <a:srgbClr val="374151"/>
+                </a:solidFill>
+              </a:rPr>
+              <a:t>Plantilla ERP. Paciente 8. </a:t>
+            </a:r>
+            <a:r>
+              <a:rPr lang="es-ES" sz="1200" dirty="0" err="1">
+                <a:solidFill>
+                  <a:srgbClr val="374151"/>
+                </a:solidFill>
+              </a:rPr>
+              <a:t>Dataset</a:t>
+            </a:r>
+            <a:r>
+              <a:rPr lang="es-ES" sz="1200" dirty="0">
+                <a:solidFill>
+                  <a:srgbClr val="374151"/>
+                </a:solidFill>
+              </a:rPr>
+              <a:t> </a:t>
+            </a:r>
+            <a:r>
+              <a:rPr lang="es-ES" sz="1200" dirty="0" err="1">
+                <a:solidFill>
+                  <a:srgbClr val="374151"/>
+                </a:solidFill>
+              </a:rPr>
+              <a:t>BNCIHorizon</a:t>
+            </a:r>
+            <a:r>
+              <a:rPr lang="es-ES" sz="1200" dirty="0">
+                <a:solidFill>
+                  <a:srgbClr val="374151"/>
+                </a:solidFill>
+              </a:rPr>
+              <a:t>.</a:t>
+            </a:r>
+          </a:p>
+          <a:p>
+            <a:pPr marL="171450" indent="-171450" defTabSz="179388">
+              <a:buFont typeface="Arial" panose="020B0604020202020204" pitchFamily="34" charset="0"/>
+              <a:buChar char="•"/>
+            </a:pPr>
+            <a:r>
+              <a:rPr lang="es-ES" sz="1200" dirty="0">
+                <a:solidFill>
+                  <a:srgbClr val="374151"/>
+                </a:solidFill>
+              </a:rPr>
+              <a:t>El protocolo experimental implementado para producir este conjunto de datos es el mismo que se describe en la diapositiva anterior. </a:t>
+            </a:r>
+          </a:p>
+          <a:p>
+            <a:pPr marL="171450" indent="-171450" defTabSz="179388">
+              <a:buFont typeface="Arial" panose="020B0604020202020204" pitchFamily="34" charset="0"/>
+              <a:buChar char="•"/>
+            </a:pPr>
+            <a:r>
+              <a:rPr lang="es-ES" sz="1200" b="1" dirty="0">
+                <a:solidFill>
+                  <a:srgbClr val="374151"/>
+                </a:solidFill>
+              </a:rPr>
+              <a:t>Las trazas de EEG donde se superponen las </a:t>
+            </a:r>
+            <a:r>
+              <a:rPr lang="es-ES" sz="1200" b="1" dirty="0" err="1">
+                <a:solidFill>
+                  <a:srgbClr val="374151"/>
+                </a:solidFill>
+              </a:rPr>
+              <a:t>pantillas</a:t>
+            </a:r>
+            <a:r>
+              <a:rPr lang="es-ES" sz="1200" b="1" dirty="0">
+                <a:solidFill>
+                  <a:srgbClr val="374151"/>
+                </a:solidFill>
+              </a:rPr>
+              <a:t> ERP son de los pacientes que no se enfocan en ninguna letra en particular. Todo está allí, excepto el componente P300 ERP</a:t>
+            </a:r>
+            <a:r>
+              <a:rPr lang="es-ES" sz="1200" dirty="0">
+                <a:solidFill>
+                  <a:srgbClr val="374151"/>
+                </a:solidFill>
+              </a:rPr>
+              <a:t>. </a:t>
+            </a:r>
+          </a:p>
+          <a:p>
+            <a:pPr marL="171450" indent="-171450" defTabSz="179388">
+              <a:buFont typeface="Arial" panose="020B0604020202020204" pitchFamily="34" charset="0"/>
+              <a:buChar char="•"/>
+            </a:pPr>
+            <a:r>
+              <a:rPr lang="es-ES" sz="1200" dirty="0">
+                <a:solidFill>
+                  <a:srgbClr val="374151"/>
+                </a:solidFill>
+              </a:rPr>
+              <a:t>Es por esto que se utiliza la información de </a:t>
+            </a:r>
+            <a:r>
+              <a:rPr lang="es-ES" sz="1200" b="1" dirty="0">
+                <a:solidFill>
+                  <a:srgbClr val="374151"/>
+                </a:solidFill>
+              </a:rPr>
+              <a:t>marcadores para localizar los segmentos verdaderos</a:t>
+            </a:r>
+            <a:r>
+              <a:rPr lang="es-ES" sz="1200" dirty="0">
+                <a:solidFill>
+                  <a:srgbClr val="374151"/>
+                </a:solidFill>
+              </a:rPr>
+              <a:t> donde se debería encontrar el P300, y esas ubicaciones de tiempo se utilizan para superponer la forma de onda de ERP extraída. </a:t>
+            </a:r>
+          </a:p>
+          <a:p>
+            <a:pPr marL="171450" indent="-171450" defTabSz="179388">
+              <a:buFont typeface="Arial" panose="020B0604020202020204" pitchFamily="34" charset="0"/>
+              <a:buChar char="•"/>
+            </a:pPr>
+            <a:r>
+              <a:rPr lang="es-ES" sz="1200" dirty="0">
+                <a:solidFill>
+                  <a:srgbClr val="374151"/>
+                </a:solidFill>
+              </a:rPr>
+              <a:t>Enfoque “</a:t>
+            </a:r>
+            <a:r>
+              <a:rPr lang="es-ES" sz="1200" dirty="0" err="1">
+                <a:solidFill>
+                  <a:srgbClr val="374151"/>
+                </a:solidFill>
+              </a:rPr>
               <a:t>pseudo-real</a:t>
             </a:r>
             <a:r>
-              <a:rPr lang="es-ES" sz="1000" dirty="0"/>
-              <a:t> sin y con la superposición de la Plantilla ERP. Se muestra el canal L, la marca que identifica dónde se debe superponer la Plantilla P300 ERP, así como el canal S que identifica el estímulo que se presentó. En (</a:t>
-            </a:r>
-            <a:r>
-              <a:rPr lang="es-ES" sz="1000" dirty="0" err="1"/>
-              <a:t>c,d</a:t>
-            </a:r>
-            <a:r>
-              <a:rPr lang="es-ES" sz="1000" dirty="0"/>
-              <a:t>) se puede ver la pequeña variación que se introdujo mediante la superposición de la ERP, que está encerrada por las barras verticales, donde la pendiente de la curva en la </a:t>
-            </a:r>
-            <a:r>
-              <a:rPr lang="es-ES" sz="1000" dirty="0" err="1"/>
-              <a:t>subfigura</a:t>
-            </a:r>
-            <a:r>
-              <a:rPr lang="es-ES" sz="1000" dirty="0"/>
-              <a:t> (d) es ligeramente mayor.</a:t>
-            </a:r>
-          </a:p>
-          <a:p>
-            <a:r>
-              <a:rPr lang="es-ES" sz="1000" dirty="0"/>
-              <a:t>Figura 4. Se muestran las señales promediadas punto a punto. Estas se extraen del primer ensayo de identificación de letras del Sujeto 1 del conjunto de datos </a:t>
-            </a:r>
-            <a:r>
-              <a:rPr lang="es-ES" sz="1000" dirty="0" err="1"/>
-              <a:t>pseudo-real</a:t>
-            </a:r>
-            <a:r>
-              <a:rPr lang="es-ES" sz="1000" dirty="0"/>
-              <a:t>. La ERP se superpone en las clases 3 y 9. La clase 3 se obtiene al promediar los segmentos en los que se intensifica la fila de la matriz del </a:t>
-            </a:r>
-            <a:r>
-              <a:rPr lang="es-ES" sz="1000" dirty="0" err="1"/>
-              <a:t>speller</a:t>
-            </a:r>
-            <a:r>
-              <a:rPr lang="es-ES" sz="1000" dirty="0"/>
-              <a:t>, mientras que la clase 9 se calcula a partir de la intensificación de la columna correspondiente.</a:t>
-            </a:r>
-          </a:p>
-          <a:p>
-            <a:r>
-              <a:rPr lang="es-ES" sz="1000" dirty="0"/>
-              <a:t>En resumen, la Figura 3 muestra cómo la Plantilla P300 ERP se superpone a la señal EEG del sujeto para crear una señal compuesta que puede utilizarse para la identificación de letras en el experimento BCI. La Figura 4 muestra los resultados de este proceso de superposición, que incluye la extracción de señales promediadas punto a punto para diferentes clases de estímulos y el uso de estas señales para la identificación de letras. Estas figuras son útiles para ilustrar la metodología utilizada en el estudio y para mostrar los resultados obtenidos.</a:t>
-            </a:r>
-          </a:p>
-          <a:p>
-            <a:endParaRPr lang="es-ES" sz="1000" b="0" i="0" dirty="0">
-              <a:solidFill>
-                <a:srgbClr val="374151"/>
-              </a:solidFill>
-              <a:effectLst/>
-              <a:latin typeface="Söhne"/>
-            </a:endParaRPr>
-          </a:p>
-        </p:txBody>
-      </p:sp>
-      <p:sp>
-        <p:nvSpPr>
-          <p:cNvPr id="5" name="CuadroTexto 4">
-            <a:extLst>
-              <a:ext uri="{FF2B5EF4-FFF2-40B4-BE49-F238E27FC236}">
-                <a16:creationId xmlns:a16="http://schemas.microsoft.com/office/drawing/2014/main" id="{960173DA-96F4-4A8D-9067-83D7030FD080}"/>
+              <a:rPr lang="es-ES" sz="1200" dirty="0">
+                <a:solidFill>
+                  <a:srgbClr val="374151"/>
+                </a:solidFill>
+              </a:rPr>
+              <a:t>”:</a:t>
+            </a:r>
+          </a:p>
+          <a:p>
+            <a:pPr defTabSz="179388"/>
+            <a:r>
+              <a:rPr lang="es-ES" sz="1200" dirty="0">
+                <a:solidFill>
+                  <a:srgbClr val="374151"/>
+                </a:solidFill>
+              </a:rPr>
+              <a:t>		Control eficaz de señales nulas </a:t>
+            </a:r>
+          </a:p>
+          <a:p>
+            <a:pPr defTabSz="179388"/>
+            <a:r>
+              <a:rPr lang="es-ES" sz="1200" dirty="0">
+                <a:solidFill>
+                  <a:srgbClr val="374151"/>
+                </a:solidFill>
+              </a:rPr>
+              <a:t>		Ajustar la forma del potencial evocado. </a:t>
+            </a:r>
+          </a:p>
+        </p:txBody>
+      </p:sp>
+      <p:sp>
+        <p:nvSpPr>
+          <p:cNvPr id="6" name="CuadroTexto 5">
+            <a:extLst>
+              <a:ext uri="{FF2B5EF4-FFF2-40B4-BE49-F238E27FC236}">
+                <a16:creationId xmlns:a16="http://schemas.microsoft.com/office/drawing/2014/main" id="{FEE30BDE-BE89-4E85-8ADE-D5E2AA000EEB}"/>
               </a:ext>
             </a:extLst>
           </p:cNvPr>
@@ -4810,8 +4695,8 @@
         </p:nvSpPr>
         <p:spPr>
           <a:xfrm>
-            <a:off x="849745" y="3870036"/>
-            <a:ext cx="4239491" cy="369332"/>
+            <a:off x="691233" y="1884508"/>
+            <a:ext cx="1628372" cy="430887"/>
           </a:xfrm>
           <a:prstGeom prst="rect">
             <a:avLst/>
@@ -4824,21 +4709,1222 @@
           </a:bodyPr>
           <a:lstStyle/>
           <a:p>
+            <a:pPr algn="ctr"/>
+            <a:r>
+              <a:rPr lang="es-ES" sz="1100" b="1" dirty="0"/>
+              <a:t>DS – ERP</a:t>
+            </a:r>
+          </a:p>
+          <a:p>
+            <a:pPr algn="ctr"/>
+            <a:r>
+              <a:rPr lang="es-ES" sz="1100" b="1" dirty="0" err="1"/>
+              <a:t>Event-Related</a:t>
+            </a:r>
+            <a:r>
+              <a:rPr lang="es-ES" sz="1100" b="1" dirty="0"/>
+              <a:t> </a:t>
+            </a:r>
+            <a:r>
+              <a:rPr lang="es-ES" sz="1100" b="1" dirty="0" err="1"/>
+              <a:t>Potential</a:t>
+            </a:r>
+            <a:r>
+              <a:rPr lang="es-ES" sz="1100" b="1" dirty="0"/>
+              <a:t>:</a:t>
+            </a:r>
+            <a:endParaRPr lang="es-ES" sz="900" b="1" dirty="0"/>
+          </a:p>
+        </p:txBody>
+      </p:sp>
+      <p:sp>
+        <p:nvSpPr>
+          <p:cNvPr id="7" name="CuadroTexto 6">
+            <a:extLst>
+              <a:ext uri="{FF2B5EF4-FFF2-40B4-BE49-F238E27FC236}">
+                <a16:creationId xmlns:a16="http://schemas.microsoft.com/office/drawing/2014/main" id="{8E0BD91E-6AB3-4E14-B8AC-2B5F6A8E80D8}"/>
+              </a:ext>
+            </a:extLst>
+          </p:cNvPr>
+          <p:cNvSpPr txBox="1"/>
+          <p:nvPr/>
+        </p:nvSpPr>
+        <p:spPr>
+          <a:xfrm>
+            <a:off x="878501" y="684874"/>
+            <a:ext cx="1327724" cy="907941"/>
+          </a:xfrm>
+          <a:prstGeom prst="rect">
+            <a:avLst/>
+          </a:prstGeom>
+          <a:noFill/>
+        </p:spPr>
+        <p:txBody>
+          <a:bodyPr wrap="square" rtlCol="0">
+            <a:spAutoFit/>
+          </a:bodyPr>
+          <a:lstStyle/>
+          <a:p>
+            <a:pPr algn="r"/>
+            <a:endParaRPr lang="es-ES" sz="1100" b="1" dirty="0"/>
+          </a:p>
+          <a:p>
+            <a:pPr algn="r"/>
+            <a:endParaRPr lang="es-ES" sz="1100" b="1" dirty="0"/>
+          </a:p>
+          <a:p>
+            <a:pPr algn="r"/>
+            <a:endParaRPr lang="es-ES" sz="1100" b="1" dirty="0"/>
+          </a:p>
+          <a:p>
+            <a:r>
+              <a:rPr lang="es-ES" sz="1100" b="1" dirty="0"/>
+              <a:t>DS – BNCI </a:t>
+            </a:r>
+            <a:r>
+              <a:rPr lang="es-ES" sz="1100" b="1" dirty="0" err="1"/>
+              <a:t>Horizon</a:t>
+            </a:r>
+            <a:endParaRPr lang="es-AR" sz="900" dirty="0"/>
+          </a:p>
+          <a:p>
+            <a:pPr algn="ctr"/>
+            <a:endParaRPr lang="es-ES" sz="900" dirty="0"/>
+          </a:p>
+        </p:txBody>
+      </p:sp>
+      <p:pic>
+        <p:nvPicPr>
+          <p:cNvPr id="8" name="Imagen 7">
+            <a:extLst>
+              <a:ext uri="{FF2B5EF4-FFF2-40B4-BE49-F238E27FC236}">
+                <a16:creationId xmlns:a16="http://schemas.microsoft.com/office/drawing/2014/main" id="{254311E6-7FB3-44D9-B601-48A952A22693}"/>
+              </a:ext>
+            </a:extLst>
+          </p:cNvPr>
+          <p:cNvPicPr>
+            <a:picLocks noChangeAspect="1"/>
+          </p:cNvPicPr>
+          <p:nvPr/>
+        </p:nvPicPr>
+        <p:blipFill>
+          <a:blip r:embed="rId3"/>
+          <a:stretch>
+            <a:fillRect/>
+          </a:stretch>
+        </p:blipFill>
+        <p:spPr>
+          <a:xfrm>
+            <a:off x="1274237" y="636906"/>
+            <a:ext cx="541679" cy="535356"/>
+          </a:xfrm>
+          <a:prstGeom prst="rect">
+            <a:avLst/>
+          </a:prstGeom>
+        </p:spPr>
+      </p:pic>
+      <p:sp>
+        <p:nvSpPr>
+          <p:cNvPr id="9" name="CuadroTexto 8">
+            <a:extLst>
+              <a:ext uri="{FF2B5EF4-FFF2-40B4-BE49-F238E27FC236}">
+                <a16:creationId xmlns:a16="http://schemas.microsoft.com/office/drawing/2014/main" id="{4187E039-C0A8-4DE9-A36C-BA9A5303C38F}"/>
+              </a:ext>
+            </a:extLst>
+          </p:cNvPr>
+          <p:cNvSpPr txBox="1"/>
+          <p:nvPr/>
+        </p:nvSpPr>
+        <p:spPr>
+          <a:xfrm>
+            <a:off x="2922125" y="1131975"/>
+            <a:ext cx="1758462" cy="261610"/>
+          </a:xfrm>
+          <a:prstGeom prst="rect">
+            <a:avLst/>
+          </a:prstGeom>
+          <a:noFill/>
+        </p:spPr>
+        <p:txBody>
+          <a:bodyPr wrap="square" rtlCol="0">
+            <a:spAutoFit/>
+          </a:bodyPr>
+          <a:lstStyle/>
+          <a:p>
+            <a:r>
+              <a:rPr lang="es-ES" sz="1100" b="1" dirty="0"/>
+              <a:t>DS - P300-Dataset (</a:t>
+            </a:r>
+            <a:r>
+              <a:rPr lang="es-ES" sz="1100" b="1" dirty="0" err="1"/>
+              <a:t>Kaggle</a:t>
+            </a:r>
+            <a:r>
+              <a:rPr lang="es-ES" sz="1100" b="1" dirty="0"/>
+              <a:t>)</a:t>
+            </a:r>
+          </a:p>
+        </p:txBody>
+      </p:sp>
+      <p:pic>
+        <p:nvPicPr>
+          <p:cNvPr id="10" name="Imagen 9">
+            <a:extLst>
+              <a:ext uri="{FF2B5EF4-FFF2-40B4-BE49-F238E27FC236}">
+                <a16:creationId xmlns:a16="http://schemas.microsoft.com/office/drawing/2014/main" id="{CD7A35E2-6FE8-4757-8033-BF8FDC07245C}"/>
+              </a:ext>
+            </a:extLst>
+          </p:cNvPr>
+          <p:cNvPicPr>
+            <a:picLocks noChangeAspect="1"/>
+          </p:cNvPicPr>
+          <p:nvPr/>
+        </p:nvPicPr>
+        <p:blipFill>
+          <a:blip r:embed="rId4"/>
+          <a:stretch>
+            <a:fillRect/>
+          </a:stretch>
+        </p:blipFill>
+        <p:spPr>
+          <a:xfrm>
+            <a:off x="963395" y="2297460"/>
+            <a:ext cx="999690" cy="268882"/>
+          </a:xfrm>
+          <a:prstGeom prst="rect">
+            <a:avLst/>
+          </a:prstGeom>
+        </p:spPr>
+      </p:pic>
+      <p:pic>
+        <p:nvPicPr>
+          <p:cNvPr id="11" name="Imagen 10">
+            <a:extLst>
+              <a:ext uri="{FF2B5EF4-FFF2-40B4-BE49-F238E27FC236}">
+                <a16:creationId xmlns:a16="http://schemas.microsoft.com/office/drawing/2014/main" id="{67CF31CF-D5D3-41D0-B4B2-18D37016B708}"/>
+              </a:ext>
+            </a:extLst>
+          </p:cNvPr>
+          <p:cNvPicPr>
+            <a:picLocks noChangeAspect="1"/>
+          </p:cNvPicPr>
+          <p:nvPr/>
+        </p:nvPicPr>
+        <p:blipFill>
+          <a:blip r:embed="rId3"/>
+          <a:stretch>
+            <a:fillRect/>
+          </a:stretch>
+        </p:blipFill>
+        <p:spPr>
+          <a:xfrm>
+            <a:off x="3484519" y="623330"/>
+            <a:ext cx="541679" cy="535356"/>
+          </a:xfrm>
+          <a:prstGeom prst="rect">
+            <a:avLst/>
+          </a:prstGeom>
+        </p:spPr>
+      </p:pic>
+      <p:sp>
+        <p:nvSpPr>
+          <p:cNvPr id="12" name="Rectángulo: esquinas redondeadas 11">
+            <a:extLst>
+              <a:ext uri="{FF2B5EF4-FFF2-40B4-BE49-F238E27FC236}">
+                <a16:creationId xmlns:a16="http://schemas.microsoft.com/office/drawing/2014/main" id="{B78B3D5A-1116-4656-A359-5C23AD361DEE}"/>
+              </a:ext>
+            </a:extLst>
+          </p:cNvPr>
+          <p:cNvSpPr/>
+          <p:nvPr/>
+        </p:nvSpPr>
+        <p:spPr>
+          <a:xfrm>
+            <a:off x="912539" y="564647"/>
+            <a:ext cx="1174216" cy="924987"/>
+          </a:xfrm>
+          <a:prstGeom prst="roundRect">
+            <a:avLst/>
+          </a:prstGeom>
+          <a:noFill/>
+          <a:ln w="3175">
+            <a:solidFill>
+              <a:schemeClr val="bg1">
+                <a:lumMod val="75000"/>
+              </a:schemeClr>
+            </a:solidFill>
+          </a:ln>
+        </p:spPr>
+        <p:style>
+          <a:lnRef idx="2">
+            <a:schemeClr val="accent1">
+              <a:shade val="50000"/>
+            </a:schemeClr>
+          </a:lnRef>
+          <a:fillRef idx="1">
+            <a:schemeClr val="accent1"/>
+          </a:fillRef>
+          <a:effectRef idx="0">
+            <a:schemeClr val="accent1"/>
+          </a:effectRef>
+          <a:fontRef idx="minor">
+            <a:schemeClr val="lt1"/>
+          </a:fontRef>
+        </p:style>
+        <p:txBody>
+          <a:bodyPr rtlCol="0" anchor="ctr"/>
+          <a:lstStyle/>
+          <a:p>
+            <a:pPr algn="ctr"/>
+            <a:endParaRPr lang="es-ES"/>
+          </a:p>
+        </p:txBody>
+      </p:sp>
+      <p:sp>
+        <p:nvSpPr>
+          <p:cNvPr id="13" name="Rectángulo: esquinas redondeadas 12">
+            <a:extLst>
+              <a:ext uri="{FF2B5EF4-FFF2-40B4-BE49-F238E27FC236}">
+                <a16:creationId xmlns:a16="http://schemas.microsoft.com/office/drawing/2014/main" id="{0C95241C-B6BB-443D-B25E-B77C9CEDC347}"/>
+              </a:ext>
+            </a:extLst>
+          </p:cNvPr>
+          <p:cNvSpPr/>
+          <p:nvPr/>
+        </p:nvSpPr>
+        <p:spPr>
+          <a:xfrm>
+            <a:off x="2922124" y="564647"/>
+            <a:ext cx="1706665" cy="942829"/>
+          </a:xfrm>
+          <a:prstGeom prst="roundRect">
+            <a:avLst/>
+          </a:prstGeom>
+          <a:noFill/>
+          <a:ln w="3175">
+            <a:solidFill>
+              <a:schemeClr val="bg1">
+                <a:lumMod val="75000"/>
+              </a:schemeClr>
+            </a:solidFill>
+          </a:ln>
+        </p:spPr>
+        <p:style>
+          <a:lnRef idx="2">
+            <a:schemeClr val="accent1">
+              <a:shade val="50000"/>
+            </a:schemeClr>
+          </a:lnRef>
+          <a:fillRef idx="1">
+            <a:schemeClr val="accent1"/>
+          </a:fillRef>
+          <a:effectRef idx="0">
+            <a:schemeClr val="accent1"/>
+          </a:effectRef>
+          <a:fontRef idx="minor">
+            <a:schemeClr val="lt1"/>
+          </a:fontRef>
+        </p:style>
+        <p:txBody>
+          <a:bodyPr rtlCol="0" anchor="ctr"/>
+          <a:lstStyle/>
+          <a:p>
+            <a:pPr algn="ctr"/>
+            <a:endParaRPr lang="es-ES"/>
+          </a:p>
+        </p:txBody>
+      </p:sp>
+      <p:sp>
+        <p:nvSpPr>
+          <p:cNvPr id="14" name="Rectángulo: esquinas redondeadas 13">
+            <a:extLst>
+              <a:ext uri="{FF2B5EF4-FFF2-40B4-BE49-F238E27FC236}">
+                <a16:creationId xmlns:a16="http://schemas.microsoft.com/office/drawing/2014/main" id="{73C5C8D9-6D4A-496F-BA6B-DC4C363E8934}"/>
+              </a:ext>
+            </a:extLst>
+          </p:cNvPr>
+          <p:cNvSpPr/>
+          <p:nvPr/>
+        </p:nvSpPr>
+        <p:spPr>
+          <a:xfrm>
+            <a:off x="704767" y="1803903"/>
+            <a:ext cx="1593118" cy="924987"/>
+          </a:xfrm>
+          <a:prstGeom prst="roundRect">
+            <a:avLst/>
+          </a:prstGeom>
+          <a:noFill/>
+          <a:ln w="3175">
+            <a:solidFill>
+              <a:schemeClr val="bg1">
+                <a:lumMod val="75000"/>
+              </a:schemeClr>
+            </a:solidFill>
+          </a:ln>
+        </p:spPr>
+        <p:style>
+          <a:lnRef idx="2">
+            <a:schemeClr val="accent1">
+              <a:shade val="50000"/>
+            </a:schemeClr>
+          </a:lnRef>
+          <a:fillRef idx="1">
+            <a:schemeClr val="accent1"/>
+          </a:fillRef>
+          <a:effectRef idx="0">
+            <a:schemeClr val="accent1"/>
+          </a:effectRef>
+          <a:fontRef idx="minor">
+            <a:schemeClr val="lt1"/>
+          </a:fontRef>
+        </p:style>
+        <p:txBody>
+          <a:bodyPr rtlCol="0" anchor="ctr"/>
+          <a:lstStyle/>
+          <a:p>
+            <a:pPr algn="ctr"/>
+            <a:endParaRPr lang="es-ES"/>
+          </a:p>
+        </p:txBody>
+      </p:sp>
+      <p:cxnSp>
+        <p:nvCxnSpPr>
+          <p:cNvPr id="15" name="Conector recto de flecha 14">
+            <a:extLst>
+              <a:ext uri="{FF2B5EF4-FFF2-40B4-BE49-F238E27FC236}">
+                <a16:creationId xmlns:a16="http://schemas.microsoft.com/office/drawing/2014/main" id="{B6428898-94C7-48F0-94B2-BB473AB00A75}"/>
+              </a:ext>
+            </a:extLst>
+          </p:cNvPr>
+          <p:cNvCxnSpPr>
+            <a:cxnSpLocks/>
+          </p:cNvCxnSpPr>
+          <p:nvPr/>
+        </p:nvCxnSpPr>
+        <p:spPr>
+          <a:xfrm>
+            <a:off x="1449615" y="1459639"/>
+            <a:ext cx="0" cy="280098"/>
+          </a:xfrm>
+          <a:prstGeom prst="straightConnector1">
+            <a:avLst/>
+          </a:prstGeom>
+          <a:ln>
+            <a:tailEnd type="triangle"/>
+          </a:ln>
+        </p:spPr>
+        <p:style>
+          <a:lnRef idx="1">
+            <a:schemeClr val="accent1"/>
+          </a:lnRef>
+          <a:fillRef idx="0">
+            <a:schemeClr val="accent1"/>
+          </a:fillRef>
+          <a:effectRef idx="0">
+            <a:schemeClr val="accent1"/>
+          </a:effectRef>
+          <a:fontRef idx="minor">
+            <a:schemeClr val="tx1"/>
+          </a:fontRef>
+        </p:style>
+      </p:cxnSp>
+      <p:pic>
+        <p:nvPicPr>
+          <p:cNvPr id="17" name="Imagen 16">
+            <a:extLst>
+              <a:ext uri="{FF2B5EF4-FFF2-40B4-BE49-F238E27FC236}">
+                <a16:creationId xmlns:a16="http://schemas.microsoft.com/office/drawing/2014/main" id="{369411E5-5EEB-4D33-BB33-A8C6DE5B7F41}"/>
+              </a:ext>
+            </a:extLst>
+          </p:cNvPr>
+          <p:cNvPicPr>
+            <a:picLocks noChangeAspect="1"/>
+          </p:cNvPicPr>
+          <p:nvPr/>
+        </p:nvPicPr>
+        <p:blipFill>
+          <a:blip r:embed="rId5"/>
+          <a:stretch>
+            <a:fillRect/>
+          </a:stretch>
+        </p:blipFill>
+        <p:spPr>
+          <a:xfrm>
+            <a:off x="2803047" y="1841760"/>
+            <a:ext cx="1965290" cy="1205900"/>
+          </a:xfrm>
+          <a:prstGeom prst="rect">
+            <a:avLst/>
+          </a:prstGeom>
+        </p:spPr>
+      </p:pic>
+      <p:sp>
+        <p:nvSpPr>
+          <p:cNvPr id="18" name="CuadroTexto 17">
+            <a:extLst>
+              <a:ext uri="{FF2B5EF4-FFF2-40B4-BE49-F238E27FC236}">
+                <a16:creationId xmlns:a16="http://schemas.microsoft.com/office/drawing/2014/main" id="{C144819B-DCCB-4402-B84E-CFF8E20BA98A}"/>
+              </a:ext>
+            </a:extLst>
+          </p:cNvPr>
+          <p:cNvSpPr txBox="1"/>
+          <p:nvPr/>
+        </p:nvSpPr>
+        <p:spPr>
+          <a:xfrm>
+            <a:off x="2764963" y="1795033"/>
+            <a:ext cx="1628372" cy="430887"/>
+          </a:xfrm>
+          <a:prstGeom prst="rect">
+            <a:avLst/>
+          </a:prstGeom>
+          <a:noFill/>
+        </p:spPr>
+        <p:txBody>
+          <a:bodyPr wrap="square" rtlCol="0">
+            <a:spAutoFit/>
+          </a:bodyPr>
+          <a:lstStyle/>
+          <a:p>
+            <a:r>
+              <a:rPr lang="es-ES" sz="1100" b="1" dirty="0"/>
+              <a:t>Uno de los cuatro pacientes pasivos</a:t>
+            </a:r>
+            <a:endParaRPr lang="es-ES" sz="900" b="1" dirty="0"/>
+          </a:p>
+        </p:txBody>
+      </p:sp>
+      <p:sp>
+        <p:nvSpPr>
+          <p:cNvPr id="19" name="Rectángulo: esquinas redondeadas 18">
+            <a:extLst>
+              <a:ext uri="{FF2B5EF4-FFF2-40B4-BE49-F238E27FC236}">
+                <a16:creationId xmlns:a16="http://schemas.microsoft.com/office/drawing/2014/main" id="{8F7E6DA2-3561-4CB8-8ACB-5F09429891C6}"/>
+              </a:ext>
+            </a:extLst>
+          </p:cNvPr>
+          <p:cNvSpPr/>
+          <p:nvPr/>
+        </p:nvSpPr>
+        <p:spPr>
+          <a:xfrm>
+            <a:off x="2750581" y="1705584"/>
+            <a:ext cx="2101549" cy="1342072"/>
+          </a:xfrm>
+          <a:prstGeom prst="roundRect">
+            <a:avLst/>
+          </a:prstGeom>
+          <a:noFill/>
+          <a:ln w="3175">
+            <a:solidFill>
+              <a:schemeClr val="bg1">
+                <a:lumMod val="75000"/>
+              </a:schemeClr>
+            </a:solidFill>
+          </a:ln>
+        </p:spPr>
+        <p:style>
+          <a:lnRef idx="2">
+            <a:schemeClr val="accent1">
+              <a:shade val="50000"/>
+            </a:schemeClr>
+          </a:lnRef>
+          <a:fillRef idx="1">
+            <a:schemeClr val="accent1"/>
+          </a:fillRef>
+          <a:effectRef idx="0">
+            <a:schemeClr val="accent1"/>
+          </a:effectRef>
+          <a:fontRef idx="minor">
+            <a:schemeClr val="lt1"/>
+          </a:fontRef>
+        </p:style>
+        <p:txBody>
+          <a:bodyPr rtlCol="0" anchor="ctr"/>
+          <a:lstStyle/>
+          <a:p>
+            <a:pPr algn="ctr"/>
+            <a:endParaRPr lang="es-ES"/>
+          </a:p>
+        </p:txBody>
+      </p:sp>
+      <p:cxnSp>
+        <p:nvCxnSpPr>
+          <p:cNvPr id="20" name="Conector recto de flecha 19">
+            <a:extLst>
+              <a:ext uri="{FF2B5EF4-FFF2-40B4-BE49-F238E27FC236}">
+                <a16:creationId xmlns:a16="http://schemas.microsoft.com/office/drawing/2014/main" id="{3B41DDA3-EFB3-4394-880E-2008098B30F4}"/>
+              </a:ext>
+            </a:extLst>
+          </p:cNvPr>
+          <p:cNvCxnSpPr>
+            <a:cxnSpLocks/>
+            <a:stCxn id="9" idx="2"/>
+          </p:cNvCxnSpPr>
+          <p:nvPr/>
+        </p:nvCxnSpPr>
+        <p:spPr>
+          <a:xfrm>
+            <a:off x="3801356" y="1393585"/>
+            <a:ext cx="0" cy="247416"/>
+          </a:xfrm>
+          <a:prstGeom prst="straightConnector1">
+            <a:avLst/>
+          </a:prstGeom>
+          <a:ln>
+            <a:tailEnd type="triangle"/>
+          </a:ln>
+        </p:spPr>
+        <p:style>
+          <a:lnRef idx="1">
+            <a:schemeClr val="accent1"/>
+          </a:lnRef>
+          <a:fillRef idx="0">
+            <a:schemeClr val="accent1"/>
+          </a:fillRef>
+          <a:effectRef idx="0">
+            <a:schemeClr val="accent1"/>
+          </a:effectRef>
+          <a:fontRef idx="minor">
+            <a:schemeClr val="tx1"/>
+          </a:fontRef>
+        </p:style>
+      </p:cxnSp>
+      <p:cxnSp>
+        <p:nvCxnSpPr>
+          <p:cNvPr id="21" name="Conector recto de flecha 20">
+            <a:extLst>
+              <a:ext uri="{FF2B5EF4-FFF2-40B4-BE49-F238E27FC236}">
+                <a16:creationId xmlns:a16="http://schemas.microsoft.com/office/drawing/2014/main" id="{A9E9B5E1-6D5A-4142-A72A-D7A69D66E387}"/>
+              </a:ext>
+            </a:extLst>
+          </p:cNvPr>
+          <p:cNvCxnSpPr>
+            <a:cxnSpLocks/>
+          </p:cNvCxnSpPr>
+          <p:nvPr/>
+        </p:nvCxnSpPr>
+        <p:spPr>
+          <a:xfrm flipH="1">
+            <a:off x="1475760" y="2631401"/>
+            <a:ext cx="8573" cy="750542"/>
+          </a:xfrm>
+          <a:prstGeom prst="straightConnector1">
+            <a:avLst/>
+          </a:prstGeom>
+          <a:ln>
+            <a:tailEnd type="triangle"/>
+          </a:ln>
+        </p:spPr>
+        <p:style>
+          <a:lnRef idx="1">
+            <a:schemeClr val="accent1"/>
+          </a:lnRef>
+          <a:fillRef idx="0">
+            <a:schemeClr val="accent1"/>
+          </a:fillRef>
+          <a:effectRef idx="0">
+            <a:schemeClr val="accent1"/>
+          </a:effectRef>
+          <a:fontRef idx="minor">
+            <a:schemeClr val="tx1"/>
+          </a:fontRef>
+        </p:style>
+      </p:cxnSp>
+      <p:sp>
+        <p:nvSpPr>
+          <p:cNvPr id="22" name="Rectángulo 21">
+            <a:extLst>
+              <a:ext uri="{FF2B5EF4-FFF2-40B4-BE49-F238E27FC236}">
+                <a16:creationId xmlns:a16="http://schemas.microsoft.com/office/drawing/2014/main" id="{22B321A9-0843-4743-873F-B6C3706AD101}"/>
+              </a:ext>
+            </a:extLst>
+          </p:cNvPr>
+          <p:cNvSpPr/>
+          <p:nvPr/>
+        </p:nvSpPr>
+        <p:spPr>
+          <a:xfrm>
+            <a:off x="458128" y="3520279"/>
+            <a:ext cx="2371162" cy="246221"/>
+          </a:xfrm>
+          <a:prstGeom prst="rect">
+            <a:avLst/>
+          </a:prstGeom>
+          <a:solidFill>
+            <a:schemeClr val="tx1"/>
+          </a:solidFill>
+          <a:ln>
+            <a:solidFill>
+              <a:schemeClr val="tx1"/>
+            </a:solidFill>
+          </a:ln>
+          <a:effectLst>
+            <a:softEdge rad="0"/>
+          </a:effectLst>
+        </p:spPr>
+        <p:txBody>
+          <a:bodyPr wrap="none">
+            <a:spAutoFit/>
+          </a:bodyPr>
+          <a:lstStyle/>
+          <a:p>
+            <a:r>
+              <a:rPr lang="es-ES" sz="1000" dirty="0" err="1">
+                <a:solidFill>
+                  <a:srgbClr val="569CD6"/>
+                </a:solidFill>
+                <a:latin typeface="Consolas" panose="020B0609020204030204" pitchFamily="49" charset="0"/>
+              </a:rPr>
+              <a:t>def</a:t>
+            </a:r>
+            <a:r>
+              <a:rPr lang="es-ES" sz="1000" dirty="0">
+                <a:solidFill>
+                  <a:srgbClr val="D4D4D4"/>
+                </a:solidFill>
+                <a:latin typeface="Consolas" panose="020B0609020204030204" pitchFamily="49" charset="0"/>
+              </a:rPr>
+              <a:t> </a:t>
+            </a:r>
+            <a:r>
+              <a:rPr lang="es-ES" sz="1000" dirty="0" err="1">
+                <a:solidFill>
+                  <a:srgbClr val="DCDCAA"/>
+                </a:solidFill>
+                <a:latin typeface="Consolas" panose="020B0609020204030204" pitchFamily="49" charset="0"/>
+              </a:rPr>
+              <a:t>DrugSignal</a:t>
+            </a:r>
+            <a:r>
+              <a:rPr lang="es-ES" sz="1000" dirty="0">
+                <a:solidFill>
+                  <a:srgbClr val="D4D4D4"/>
+                </a:solidFill>
+                <a:latin typeface="Consolas" panose="020B0609020204030204" pitchFamily="49" charset="0"/>
+              </a:rPr>
+              <a:t>(</a:t>
+            </a:r>
+            <a:r>
+              <a:rPr lang="es-ES" sz="1000" dirty="0" err="1">
+                <a:solidFill>
+                  <a:srgbClr val="9CDCFE"/>
+                </a:solidFill>
+                <a:latin typeface="Consolas" panose="020B0609020204030204" pitchFamily="49" charset="0"/>
+              </a:rPr>
+              <a:t>signal</a:t>
+            </a:r>
+            <a:r>
+              <a:rPr lang="es-ES" sz="1000" dirty="0">
+                <a:solidFill>
+                  <a:srgbClr val="D4D4D4"/>
+                </a:solidFill>
+                <a:latin typeface="Consolas" panose="020B0609020204030204" pitchFamily="49" charset="0"/>
+              </a:rPr>
+              <a:t>, </a:t>
+            </a:r>
+            <a:r>
+              <a:rPr lang="es-ES" sz="1000" dirty="0" err="1">
+                <a:solidFill>
+                  <a:srgbClr val="9CDCFE"/>
+                </a:solidFill>
+                <a:latin typeface="Consolas" panose="020B0609020204030204" pitchFamily="49" charset="0"/>
+              </a:rPr>
+              <a:t>t_flash</a:t>
+            </a:r>
+            <a:r>
+              <a:rPr lang="es-ES" sz="1000" dirty="0">
+                <a:solidFill>
+                  <a:srgbClr val="D4D4D4"/>
+                </a:solidFill>
+                <a:latin typeface="Consolas" panose="020B0609020204030204" pitchFamily="49" charset="0"/>
+              </a:rPr>
+              <a:t>)</a:t>
+            </a:r>
+            <a:endParaRPr lang="es-ES" sz="1000" b="0" dirty="0">
+              <a:solidFill>
+                <a:srgbClr val="D4D4D4"/>
+              </a:solidFill>
+              <a:effectLst/>
+              <a:latin typeface="Consolas" panose="020B0609020204030204" pitchFamily="49" charset="0"/>
+            </a:endParaRPr>
+          </a:p>
+        </p:txBody>
+      </p:sp>
+      <p:cxnSp>
+        <p:nvCxnSpPr>
+          <p:cNvPr id="23" name="Conector: angular 22">
+            <a:extLst>
+              <a:ext uri="{FF2B5EF4-FFF2-40B4-BE49-F238E27FC236}">
+                <a16:creationId xmlns:a16="http://schemas.microsoft.com/office/drawing/2014/main" id="{ECA742D8-65A6-4F6E-B0C6-1CA8D671A289}"/>
+              </a:ext>
+            </a:extLst>
+          </p:cNvPr>
+          <p:cNvCxnSpPr>
+            <a:cxnSpLocks/>
+          </p:cNvCxnSpPr>
+          <p:nvPr/>
+        </p:nvCxnSpPr>
+        <p:spPr>
+          <a:xfrm rot="10800000" flipV="1">
+            <a:off x="1783180" y="2774938"/>
+            <a:ext cx="1215117" cy="607005"/>
+          </a:xfrm>
+          <a:prstGeom prst="bentConnector3">
+            <a:avLst>
+              <a:gd name="adj1" fmla="val 100168"/>
+            </a:avLst>
+          </a:prstGeom>
+          <a:ln>
+            <a:tailEnd type="triangle"/>
+          </a:ln>
+        </p:spPr>
+        <p:style>
+          <a:lnRef idx="1">
+            <a:schemeClr val="accent1"/>
+          </a:lnRef>
+          <a:fillRef idx="0">
+            <a:schemeClr val="accent1"/>
+          </a:fillRef>
+          <a:effectRef idx="0">
+            <a:schemeClr val="accent1"/>
+          </a:effectRef>
+          <a:fontRef idx="minor">
+            <a:schemeClr val="tx1"/>
+          </a:fontRef>
+        </p:style>
+      </p:cxnSp>
+      <p:pic>
+        <p:nvPicPr>
+          <p:cNvPr id="25" name="Imagen 24">
+            <a:extLst>
+              <a:ext uri="{FF2B5EF4-FFF2-40B4-BE49-F238E27FC236}">
+                <a16:creationId xmlns:a16="http://schemas.microsoft.com/office/drawing/2014/main" id="{112113F0-39B6-4164-853F-57FD62D61B4C}"/>
+              </a:ext>
+            </a:extLst>
+          </p:cNvPr>
+          <p:cNvPicPr>
+            <a:picLocks noChangeAspect="1"/>
+          </p:cNvPicPr>
+          <p:nvPr/>
+        </p:nvPicPr>
+        <p:blipFill>
+          <a:blip r:embed="rId6"/>
+          <a:stretch>
+            <a:fillRect/>
+          </a:stretch>
+        </p:blipFill>
+        <p:spPr>
+          <a:xfrm>
+            <a:off x="499354" y="3999793"/>
+            <a:ext cx="3854245" cy="1067635"/>
+          </a:xfrm>
+          <a:prstGeom prst="rect">
+            <a:avLst/>
+          </a:prstGeom>
+        </p:spPr>
+      </p:pic>
+      <p:sp>
+        <p:nvSpPr>
+          <p:cNvPr id="26" name="Rectángulo: esquinas redondeadas 25">
+            <a:extLst>
+              <a:ext uri="{FF2B5EF4-FFF2-40B4-BE49-F238E27FC236}">
+                <a16:creationId xmlns:a16="http://schemas.microsoft.com/office/drawing/2014/main" id="{6A9DA18B-48A9-4AD3-91CE-2159D1502BE2}"/>
+              </a:ext>
+            </a:extLst>
+          </p:cNvPr>
+          <p:cNvSpPr/>
+          <p:nvPr/>
+        </p:nvSpPr>
+        <p:spPr>
+          <a:xfrm>
+            <a:off x="458128" y="4105901"/>
+            <a:ext cx="3924967" cy="584932"/>
+          </a:xfrm>
+          <a:prstGeom prst="roundRect">
+            <a:avLst/>
+          </a:prstGeom>
+          <a:noFill/>
+          <a:ln w="3175">
+            <a:solidFill>
+              <a:schemeClr val="bg1">
+                <a:lumMod val="75000"/>
+              </a:schemeClr>
+            </a:solidFill>
+          </a:ln>
+        </p:spPr>
+        <p:style>
+          <a:lnRef idx="2">
+            <a:schemeClr val="accent1">
+              <a:shade val="50000"/>
+            </a:schemeClr>
+          </a:lnRef>
+          <a:fillRef idx="1">
+            <a:schemeClr val="accent1"/>
+          </a:fillRef>
+          <a:effectRef idx="0">
+            <a:schemeClr val="accent1"/>
+          </a:effectRef>
+          <a:fontRef idx="minor">
+            <a:schemeClr val="lt1"/>
+          </a:fontRef>
+        </p:style>
+        <p:txBody>
+          <a:bodyPr rtlCol="0" anchor="ctr"/>
+          <a:lstStyle/>
+          <a:p>
+            <a:pPr algn="ctr"/>
+            <a:endParaRPr lang="es-ES"/>
+          </a:p>
+        </p:txBody>
+      </p:sp>
+      <p:cxnSp>
+        <p:nvCxnSpPr>
+          <p:cNvPr id="27" name="Conector recto de flecha 26">
+            <a:extLst>
+              <a:ext uri="{FF2B5EF4-FFF2-40B4-BE49-F238E27FC236}">
+                <a16:creationId xmlns:a16="http://schemas.microsoft.com/office/drawing/2014/main" id="{52EC74C0-415E-419F-ACF5-89597F5819D9}"/>
+              </a:ext>
+            </a:extLst>
+          </p:cNvPr>
+          <p:cNvCxnSpPr>
+            <a:cxnSpLocks/>
+          </p:cNvCxnSpPr>
+          <p:nvPr/>
+        </p:nvCxnSpPr>
+        <p:spPr>
+          <a:xfrm>
+            <a:off x="1653705" y="3925967"/>
+            <a:ext cx="0" cy="338245"/>
+          </a:xfrm>
+          <a:prstGeom prst="straightConnector1">
+            <a:avLst/>
+          </a:prstGeom>
+          <a:ln>
+            <a:tailEnd type="triangle"/>
+          </a:ln>
+        </p:spPr>
+        <p:style>
+          <a:lnRef idx="1">
+            <a:schemeClr val="accent1"/>
+          </a:lnRef>
+          <a:fillRef idx="0">
+            <a:schemeClr val="accent1"/>
+          </a:fillRef>
+          <a:effectRef idx="0">
+            <a:schemeClr val="accent1"/>
+          </a:effectRef>
+          <a:fontRef idx="minor">
+            <a:schemeClr val="tx1"/>
+          </a:fontRef>
+        </p:style>
+      </p:cxnSp>
+      <p:sp>
+        <p:nvSpPr>
+          <p:cNvPr id="28" name="Rectángulo 27">
+            <a:extLst>
+              <a:ext uri="{FF2B5EF4-FFF2-40B4-BE49-F238E27FC236}">
+                <a16:creationId xmlns:a16="http://schemas.microsoft.com/office/drawing/2014/main" id="{CAD81D3C-91CD-4041-BDBB-95DB922BE291}"/>
+              </a:ext>
+            </a:extLst>
+          </p:cNvPr>
+          <p:cNvSpPr/>
+          <p:nvPr/>
+        </p:nvSpPr>
+        <p:spPr>
+          <a:xfrm>
+            <a:off x="2347113" y="2890806"/>
+            <a:ext cx="1263201" cy="646331"/>
+          </a:xfrm>
+          <a:prstGeom prst="rect">
+            <a:avLst/>
+          </a:prstGeom>
+        </p:spPr>
+        <p:txBody>
+          <a:bodyPr wrap="square">
+            <a:spAutoFit/>
+          </a:bodyPr>
+          <a:lstStyle/>
+          <a:p>
+            <a:r>
+              <a:rPr lang="en-US" sz="900" dirty="0">
+                <a:latin typeface="Consolas" panose="020B0609020204030204" pitchFamily="49" charset="0"/>
+              </a:rPr>
+              <a:t>Sample point ID</a:t>
+            </a:r>
+          </a:p>
+          <a:p>
+            <a:r>
+              <a:rPr lang="en-US" sz="900" dirty="0">
+                <a:latin typeface="Consolas" panose="020B0609020204030204" pitchFamily="49" charset="0"/>
+              </a:rPr>
+              <a:t>Duration</a:t>
+            </a:r>
+          </a:p>
+          <a:p>
+            <a:r>
+              <a:rPr lang="en-US" sz="900" dirty="0">
+                <a:latin typeface="Consolas" panose="020B0609020204030204" pitchFamily="49" charset="0"/>
+              </a:rPr>
+              <a:t>Stimulation</a:t>
+            </a:r>
+          </a:p>
+          <a:p>
+            <a:r>
+              <a:rPr lang="en-US" sz="900" b="1" u="sng" dirty="0">
+                <a:latin typeface="Consolas" panose="020B0609020204030204" pitchFamily="49" charset="0"/>
+              </a:rPr>
+              <a:t>hit/</a:t>
+            </a:r>
+            <a:r>
+              <a:rPr lang="en-US" sz="900" b="1" u="sng" dirty="0" err="1">
+                <a:latin typeface="Consolas" panose="020B0609020204030204" pitchFamily="49" charset="0"/>
+              </a:rPr>
+              <a:t>nohit</a:t>
+            </a:r>
+            <a:endParaRPr lang="es-ES" sz="900" b="1" u="sng" dirty="0"/>
+          </a:p>
+        </p:txBody>
+      </p:sp>
+      <p:sp>
+        <p:nvSpPr>
+          <p:cNvPr id="29" name="Rectángulo: esquinas redondeadas 28">
+            <a:extLst>
+              <a:ext uri="{FF2B5EF4-FFF2-40B4-BE49-F238E27FC236}">
+                <a16:creationId xmlns:a16="http://schemas.microsoft.com/office/drawing/2014/main" id="{93A248BB-51B4-4732-82F1-770CA2E9CF50}"/>
+              </a:ext>
+            </a:extLst>
+          </p:cNvPr>
+          <p:cNvSpPr/>
+          <p:nvPr/>
+        </p:nvSpPr>
+        <p:spPr>
+          <a:xfrm>
+            <a:off x="503611" y="5186752"/>
+            <a:ext cx="2101549" cy="1342072"/>
+          </a:xfrm>
+          <a:prstGeom prst="roundRect">
+            <a:avLst/>
+          </a:prstGeom>
+          <a:noFill/>
+          <a:ln w="3175">
+            <a:solidFill>
+              <a:schemeClr val="bg1">
+                <a:lumMod val="75000"/>
+              </a:schemeClr>
+            </a:solidFill>
+          </a:ln>
+        </p:spPr>
+        <p:style>
+          <a:lnRef idx="2">
+            <a:schemeClr val="accent1">
+              <a:shade val="50000"/>
+            </a:schemeClr>
+          </a:lnRef>
+          <a:fillRef idx="1">
+            <a:schemeClr val="accent1"/>
+          </a:fillRef>
+          <a:effectRef idx="0">
+            <a:schemeClr val="accent1"/>
+          </a:effectRef>
+          <a:fontRef idx="minor">
+            <a:schemeClr val="lt1"/>
+          </a:fontRef>
+        </p:style>
+        <p:txBody>
+          <a:bodyPr rtlCol="0" anchor="ctr"/>
+          <a:lstStyle/>
+          <a:p>
+            <a:pPr algn="ctr"/>
+            <a:endParaRPr lang="es-ES"/>
+          </a:p>
+        </p:txBody>
+      </p:sp>
+      <p:cxnSp>
+        <p:nvCxnSpPr>
+          <p:cNvPr id="30" name="Conector recto de flecha 29">
+            <a:extLst>
+              <a:ext uri="{FF2B5EF4-FFF2-40B4-BE49-F238E27FC236}">
+                <a16:creationId xmlns:a16="http://schemas.microsoft.com/office/drawing/2014/main" id="{E237DB1E-2C8B-4E63-938B-35253CE80470}"/>
+              </a:ext>
+            </a:extLst>
+          </p:cNvPr>
+          <p:cNvCxnSpPr>
+            <a:cxnSpLocks/>
+          </p:cNvCxnSpPr>
+          <p:nvPr/>
+        </p:nvCxnSpPr>
+        <p:spPr>
+          <a:xfrm rot="5400000" flipV="1">
+            <a:off x="1612420" y="4916579"/>
+            <a:ext cx="345847" cy="10306"/>
+          </a:xfrm>
+          <a:prstGeom prst="straightConnector1">
+            <a:avLst/>
+          </a:prstGeom>
+          <a:ln>
+            <a:tailEnd type="triangle"/>
+          </a:ln>
+        </p:spPr>
+        <p:style>
+          <a:lnRef idx="1">
+            <a:schemeClr val="accent1"/>
+          </a:lnRef>
+          <a:fillRef idx="0">
+            <a:schemeClr val="accent1"/>
+          </a:fillRef>
+          <a:effectRef idx="0">
+            <a:schemeClr val="accent1"/>
+          </a:effectRef>
+          <a:fontRef idx="minor">
+            <a:schemeClr val="tx1"/>
+          </a:fontRef>
+        </p:style>
+      </p:cxnSp>
+      <p:sp>
+        <p:nvSpPr>
+          <p:cNvPr id="31" name="CuadroTexto 30">
+            <a:extLst>
+              <a:ext uri="{FF2B5EF4-FFF2-40B4-BE49-F238E27FC236}">
+                <a16:creationId xmlns:a16="http://schemas.microsoft.com/office/drawing/2014/main" id="{7BA5AA13-6D8F-49B6-83E5-9D7F2C34CFC7}"/>
+              </a:ext>
+            </a:extLst>
+          </p:cNvPr>
+          <p:cNvSpPr txBox="1"/>
+          <p:nvPr/>
+        </p:nvSpPr>
+        <p:spPr>
+          <a:xfrm>
+            <a:off x="469858" y="4899429"/>
+            <a:ext cx="1310332" cy="261610"/>
+          </a:xfrm>
+          <a:prstGeom prst="rect">
+            <a:avLst/>
+          </a:prstGeom>
+          <a:noFill/>
+        </p:spPr>
+        <p:txBody>
+          <a:bodyPr wrap="square" rtlCol="0">
+            <a:spAutoFit/>
+          </a:bodyPr>
+          <a:lstStyle/>
+          <a:p>
+            <a:pPr algn="ctr"/>
+            <a:r>
+              <a:rPr lang="es-ES" sz="1100" b="1" dirty="0" err="1"/>
+              <a:t>Pre-procesamiento</a:t>
+            </a:r>
+            <a:endParaRPr lang="es-ES" sz="900" b="1" dirty="0"/>
+          </a:p>
+        </p:txBody>
+      </p:sp>
+      <p:sp>
+        <p:nvSpPr>
+          <p:cNvPr id="32" name="Rectángulo 31">
+            <a:extLst>
+              <a:ext uri="{FF2B5EF4-FFF2-40B4-BE49-F238E27FC236}">
+                <a16:creationId xmlns:a16="http://schemas.microsoft.com/office/drawing/2014/main" id="{75B0DA5D-979A-4418-B6A1-9C58E0E3506C}"/>
+              </a:ext>
+            </a:extLst>
+          </p:cNvPr>
+          <p:cNvSpPr/>
+          <p:nvPr/>
+        </p:nvSpPr>
+        <p:spPr>
+          <a:xfrm>
+            <a:off x="755014" y="5491166"/>
+            <a:ext cx="1263201" cy="507831"/>
+          </a:xfrm>
+          <a:prstGeom prst="rect">
+            <a:avLst/>
+          </a:prstGeom>
+        </p:spPr>
+        <p:txBody>
+          <a:bodyPr wrap="square">
+            <a:spAutoFit/>
+          </a:bodyPr>
+          <a:lstStyle/>
+          <a:p>
+            <a:r>
+              <a:rPr lang="en-US" sz="900" u="sng" dirty="0" err="1">
+                <a:latin typeface="Consolas" panose="020B0609020204030204" pitchFamily="49" charset="0"/>
+              </a:rPr>
+              <a:t>Tarea</a:t>
+            </a:r>
+            <a:r>
+              <a:rPr lang="en-US" sz="900" u="sng" dirty="0">
+                <a:latin typeface="Consolas" panose="020B0609020204030204" pitchFamily="49" charset="0"/>
+              </a:rPr>
+              <a:t> 1</a:t>
+            </a:r>
+          </a:p>
+          <a:p>
+            <a:r>
+              <a:rPr lang="en-US" sz="900" u="sng" dirty="0" err="1">
+                <a:latin typeface="Consolas" panose="020B0609020204030204" pitchFamily="49" charset="0"/>
+              </a:rPr>
+              <a:t>Tarea</a:t>
+            </a:r>
+            <a:r>
+              <a:rPr lang="en-US" sz="900" u="sng" dirty="0">
+                <a:latin typeface="Consolas" panose="020B0609020204030204" pitchFamily="49" charset="0"/>
+              </a:rPr>
+              <a:t> 2</a:t>
+            </a:r>
+          </a:p>
+          <a:p>
+            <a:r>
+              <a:rPr lang="en-US" sz="900" u="sng" dirty="0" err="1">
+                <a:latin typeface="Consolas" panose="020B0609020204030204" pitchFamily="49" charset="0"/>
+              </a:rPr>
+              <a:t>Tarea</a:t>
+            </a:r>
+            <a:r>
+              <a:rPr lang="en-US" sz="900" u="sng" dirty="0">
+                <a:latin typeface="Consolas" panose="020B0609020204030204" pitchFamily="49" charset="0"/>
+              </a:rPr>
+              <a:t> 3</a:t>
+            </a:r>
+            <a:endParaRPr lang="es-ES" sz="900" b="1" u="sng" dirty="0"/>
+          </a:p>
+        </p:txBody>
+      </p:sp>
+      <p:sp>
+        <p:nvSpPr>
+          <p:cNvPr id="33" name="CuadroTexto 32">
+            <a:extLst>
+              <a:ext uri="{FF2B5EF4-FFF2-40B4-BE49-F238E27FC236}">
+                <a16:creationId xmlns:a16="http://schemas.microsoft.com/office/drawing/2014/main" id="{229D6F30-8DAF-4084-AE34-7448E9B77E51}"/>
+              </a:ext>
+            </a:extLst>
+          </p:cNvPr>
+          <p:cNvSpPr txBox="1"/>
+          <p:nvPr/>
+        </p:nvSpPr>
+        <p:spPr>
+          <a:xfrm>
+            <a:off x="7404741" y="4358387"/>
+            <a:ext cx="4239491" cy="369332"/>
+          </a:xfrm>
+          <a:prstGeom prst="rect">
+            <a:avLst/>
+          </a:prstGeom>
+          <a:noFill/>
+        </p:spPr>
+        <p:txBody>
+          <a:bodyPr wrap="square" rtlCol="0">
+            <a:spAutoFit/>
+          </a:bodyPr>
+          <a:lstStyle/>
+          <a:p>
             <a:r>
               <a:rPr lang="es-AR" b="1" dirty="0">
                 <a:solidFill>
                   <a:srgbClr val="FF0000"/>
                 </a:solidFill>
               </a:rPr>
-              <a:t>Resumir y </a:t>
-            </a:r>
-            <a:r>
-              <a:rPr lang="es-AR" b="1" dirty="0" err="1">
-                <a:solidFill>
-                  <a:srgbClr val="FF0000"/>
-                </a:solidFill>
-              </a:rPr>
-              <a:t>emprolijar</a:t>
+              <a:t>Acá podría ir el proceso de ML</a:t>
             </a:r>
             <a:endParaRPr lang="es-ES" b="1" dirty="0">
               <a:solidFill>
@@ -4848,6 +5934,367 @@
           </a:p>
         </p:txBody>
       </p:sp>
+      <p:cxnSp>
+        <p:nvCxnSpPr>
+          <p:cNvPr id="45" name="Conector: angular 44">
+            <a:extLst>
+              <a:ext uri="{FF2B5EF4-FFF2-40B4-BE49-F238E27FC236}">
+                <a16:creationId xmlns:a16="http://schemas.microsoft.com/office/drawing/2014/main" id="{6CC81783-DB32-4AC4-9A5D-EC27FC54A16B}"/>
+              </a:ext>
+            </a:extLst>
+          </p:cNvPr>
+          <p:cNvCxnSpPr>
+            <a:cxnSpLocks/>
+          </p:cNvCxnSpPr>
+          <p:nvPr/>
+        </p:nvCxnSpPr>
+        <p:spPr>
+          <a:xfrm rot="10800000" flipV="1">
+            <a:off x="2350067" y="2890923"/>
+            <a:ext cx="648231" cy="490678"/>
+          </a:xfrm>
+          <a:prstGeom prst="bentConnector3">
+            <a:avLst>
+              <a:gd name="adj1" fmla="val 99870"/>
+            </a:avLst>
+          </a:prstGeom>
+          <a:ln>
+            <a:tailEnd type="triangle"/>
+          </a:ln>
+        </p:spPr>
+        <p:style>
+          <a:lnRef idx="1">
+            <a:schemeClr val="accent1"/>
+          </a:lnRef>
+          <a:fillRef idx="0">
+            <a:schemeClr val="accent1"/>
+          </a:fillRef>
+          <a:effectRef idx="0">
+            <a:schemeClr val="accent1"/>
+          </a:effectRef>
+          <a:fontRef idx="minor">
+            <a:schemeClr val="tx1"/>
+          </a:fontRef>
+        </p:style>
+      </p:cxnSp>
+      <p:cxnSp>
+        <p:nvCxnSpPr>
+          <p:cNvPr id="58" name="Conector: angular 57">
+            <a:extLst>
+              <a:ext uri="{FF2B5EF4-FFF2-40B4-BE49-F238E27FC236}">
+                <a16:creationId xmlns:a16="http://schemas.microsoft.com/office/drawing/2014/main" id="{39ECC030-93F5-4BE2-9340-07730F2160C9}"/>
+              </a:ext>
+            </a:extLst>
+          </p:cNvPr>
+          <p:cNvCxnSpPr>
+            <a:cxnSpLocks/>
+          </p:cNvCxnSpPr>
+          <p:nvPr/>
+        </p:nvCxnSpPr>
+        <p:spPr>
+          <a:xfrm rot="5400000" flipH="1" flipV="1">
+            <a:off x="3729720" y="4271435"/>
+            <a:ext cx="2066375" cy="286710"/>
+          </a:xfrm>
+          <a:prstGeom prst="bentConnector3">
+            <a:avLst>
+              <a:gd name="adj1" fmla="val 100062"/>
+            </a:avLst>
+          </a:prstGeom>
+          <a:ln>
+            <a:tailEnd type="triangle"/>
+          </a:ln>
+        </p:spPr>
+        <p:style>
+          <a:lnRef idx="1">
+            <a:schemeClr val="accent1"/>
+          </a:lnRef>
+          <a:fillRef idx="0">
+            <a:schemeClr val="accent1"/>
+          </a:fillRef>
+          <a:effectRef idx="0">
+            <a:schemeClr val="accent1"/>
+          </a:effectRef>
+          <a:fontRef idx="minor">
+            <a:schemeClr val="tx1"/>
+          </a:fontRef>
+        </p:style>
+      </p:cxnSp>
+      <p:sp>
+        <p:nvSpPr>
+          <p:cNvPr id="61" name="Rectángulo: esquinas redondeadas 60">
+            <a:extLst>
+              <a:ext uri="{FF2B5EF4-FFF2-40B4-BE49-F238E27FC236}">
+                <a16:creationId xmlns:a16="http://schemas.microsoft.com/office/drawing/2014/main" id="{2A5E2AFA-65DF-4C71-8A0C-31D66EA84F64}"/>
+              </a:ext>
+            </a:extLst>
+          </p:cNvPr>
+          <p:cNvSpPr/>
+          <p:nvPr/>
+        </p:nvSpPr>
+        <p:spPr>
+          <a:xfrm>
+            <a:off x="2666788" y="5186752"/>
+            <a:ext cx="2101549" cy="1342072"/>
+          </a:xfrm>
+          <a:prstGeom prst="roundRect">
+            <a:avLst/>
+          </a:prstGeom>
+          <a:noFill/>
+          <a:ln w="3175">
+            <a:solidFill>
+              <a:schemeClr val="bg1">
+                <a:lumMod val="75000"/>
+              </a:schemeClr>
+            </a:solidFill>
+          </a:ln>
+        </p:spPr>
+        <p:style>
+          <a:lnRef idx="2">
+            <a:schemeClr val="accent1">
+              <a:shade val="50000"/>
+            </a:schemeClr>
+          </a:lnRef>
+          <a:fillRef idx="1">
+            <a:schemeClr val="accent1"/>
+          </a:fillRef>
+          <a:effectRef idx="0">
+            <a:schemeClr val="accent1"/>
+          </a:effectRef>
+          <a:fontRef idx="minor">
+            <a:schemeClr val="lt1"/>
+          </a:fontRef>
+        </p:style>
+        <p:txBody>
+          <a:bodyPr rtlCol="0" anchor="ctr"/>
+          <a:lstStyle/>
+          <a:p>
+            <a:pPr algn="ctr"/>
+            <a:endParaRPr lang="es-ES"/>
+          </a:p>
+        </p:txBody>
+      </p:sp>
+      <p:cxnSp>
+        <p:nvCxnSpPr>
+          <p:cNvPr id="71" name="Conector recto de flecha 70">
+            <a:extLst>
+              <a:ext uri="{FF2B5EF4-FFF2-40B4-BE49-F238E27FC236}">
+                <a16:creationId xmlns:a16="http://schemas.microsoft.com/office/drawing/2014/main" id="{70DAF06F-4607-4CCE-A340-C63FF04AC570}"/>
+              </a:ext>
+            </a:extLst>
+          </p:cNvPr>
+          <p:cNvCxnSpPr>
+            <a:cxnSpLocks/>
+          </p:cNvCxnSpPr>
+          <p:nvPr/>
+        </p:nvCxnSpPr>
+        <p:spPr>
+          <a:xfrm>
+            <a:off x="2421183" y="5447978"/>
+            <a:ext cx="491209" cy="0"/>
+          </a:xfrm>
+          <a:prstGeom prst="straightConnector1">
+            <a:avLst/>
+          </a:prstGeom>
+          <a:ln>
+            <a:tailEnd type="triangle"/>
+          </a:ln>
+        </p:spPr>
+        <p:style>
+          <a:lnRef idx="1">
+            <a:schemeClr val="accent1"/>
+          </a:lnRef>
+          <a:fillRef idx="0">
+            <a:schemeClr val="accent1"/>
+          </a:fillRef>
+          <a:effectRef idx="0">
+            <a:schemeClr val="accent1"/>
+          </a:effectRef>
+          <a:fontRef idx="minor">
+            <a:schemeClr val="tx1"/>
+          </a:fontRef>
+        </p:style>
+      </p:cxnSp>
+      <p:pic>
+        <p:nvPicPr>
+          <p:cNvPr id="73" name="Imagen 72">
+            <a:extLst>
+              <a:ext uri="{FF2B5EF4-FFF2-40B4-BE49-F238E27FC236}">
+                <a16:creationId xmlns:a16="http://schemas.microsoft.com/office/drawing/2014/main" id="{58DD9F72-1501-4C9C-AF49-A534E7723C69}"/>
+              </a:ext>
+            </a:extLst>
+          </p:cNvPr>
+          <p:cNvPicPr>
+            <a:picLocks noChangeAspect="1"/>
+          </p:cNvPicPr>
+          <p:nvPr/>
+        </p:nvPicPr>
+        <p:blipFill>
+          <a:blip r:embed="rId7"/>
+          <a:stretch>
+            <a:fillRect/>
+          </a:stretch>
+        </p:blipFill>
+        <p:spPr>
+          <a:xfrm>
+            <a:off x="4383095" y="1411625"/>
+            <a:ext cx="490969" cy="201959"/>
+          </a:xfrm>
+          <a:prstGeom prst="rect">
+            <a:avLst/>
+          </a:prstGeom>
+        </p:spPr>
+      </p:pic>
+      <p:pic>
+        <p:nvPicPr>
+          <p:cNvPr id="74" name="Imagen 73">
+            <a:extLst>
+              <a:ext uri="{FF2B5EF4-FFF2-40B4-BE49-F238E27FC236}">
+                <a16:creationId xmlns:a16="http://schemas.microsoft.com/office/drawing/2014/main" id="{57AA38F4-2057-49E8-8A7B-4B2A32AFE928}"/>
+              </a:ext>
+            </a:extLst>
+          </p:cNvPr>
+          <p:cNvPicPr>
+            <a:picLocks noChangeAspect="1"/>
+          </p:cNvPicPr>
+          <p:nvPr/>
+        </p:nvPicPr>
+        <p:blipFill>
+          <a:blip r:embed="rId8"/>
+          <a:stretch>
+            <a:fillRect/>
+          </a:stretch>
+        </p:blipFill>
+        <p:spPr>
+          <a:xfrm>
+            <a:off x="1898210" y="448071"/>
+            <a:ext cx="438186" cy="472921"/>
+          </a:xfrm>
+          <a:prstGeom prst="rect">
+            <a:avLst/>
+          </a:prstGeom>
+        </p:spPr>
+      </p:pic>
+      <p:pic>
+        <p:nvPicPr>
+          <p:cNvPr id="76" name="Imagen 75">
+            <a:extLst>
+              <a:ext uri="{FF2B5EF4-FFF2-40B4-BE49-F238E27FC236}">
+                <a16:creationId xmlns:a16="http://schemas.microsoft.com/office/drawing/2014/main" id="{D06F60C9-63C7-4A26-860C-77E0776B8C35}"/>
+              </a:ext>
+            </a:extLst>
+          </p:cNvPr>
+          <p:cNvPicPr>
+            <a:picLocks noChangeAspect="1"/>
+          </p:cNvPicPr>
+          <p:nvPr/>
+        </p:nvPicPr>
+        <p:blipFill>
+          <a:blip r:embed="rId2"/>
+          <a:stretch>
+            <a:fillRect/>
+          </a:stretch>
+        </p:blipFill>
+        <p:spPr>
+          <a:xfrm>
+            <a:off x="4471525" y="386203"/>
+            <a:ext cx="574747" cy="246579"/>
+          </a:xfrm>
+          <a:prstGeom prst="rect">
+            <a:avLst/>
+          </a:prstGeom>
+        </p:spPr>
+      </p:pic>
+      <p:pic>
+        <p:nvPicPr>
+          <p:cNvPr id="77" name="Imagen 76">
+            <a:extLst>
+              <a:ext uri="{FF2B5EF4-FFF2-40B4-BE49-F238E27FC236}">
+                <a16:creationId xmlns:a16="http://schemas.microsoft.com/office/drawing/2014/main" id="{DCC48264-33BE-4188-B81D-FB8301E3DE41}"/>
+              </a:ext>
+            </a:extLst>
+          </p:cNvPr>
+          <p:cNvPicPr>
+            <a:picLocks noChangeAspect="1"/>
+          </p:cNvPicPr>
+          <p:nvPr/>
+        </p:nvPicPr>
+        <p:blipFill>
+          <a:blip r:embed="rId8"/>
+          <a:stretch>
+            <a:fillRect/>
+          </a:stretch>
+        </p:blipFill>
+        <p:spPr>
+          <a:xfrm>
+            <a:off x="4320713" y="433910"/>
+            <a:ext cx="438186" cy="472921"/>
+          </a:xfrm>
+          <a:prstGeom prst="rect">
+            <a:avLst/>
+          </a:prstGeom>
+        </p:spPr>
+      </p:pic>
+      <p:pic>
+        <p:nvPicPr>
+          <p:cNvPr id="79" name="Imagen 78">
+            <a:extLst>
+              <a:ext uri="{FF2B5EF4-FFF2-40B4-BE49-F238E27FC236}">
+                <a16:creationId xmlns:a16="http://schemas.microsoft.com/office/drawing/2014/main" id="{4E508974-898D-4ED7-9813-9B8BC3FACE1C}"/>
+              </a:ext>
+            </a:extLst>
+          </p:cNvPr>
+          <p:cNvPicPr>
+            <a:picLocks noChangeAspect="1"/>
+          </p:cNvPicPr>
+          <p:nvPr/>
+        </p:nvPicPr>
+        <p:blipFill>
+          <a:blip r:embed="rId2"/>
+          <a:stretch>
+            <a:fillRect/>
+          </a:stretch>
+        </p:blipFill>
+        <p:spPr>
+          <a:xfrm>
+            <a:off x="2133833" y="1506093"/>
+            <a:ext cx="574747" cy="246579"/>
+          </a:xfrm>
+          <a:prstGeom prst="rect">
+            <a:avLst/>
+          </a:prstGeom>
+        </p:spPr>
+      </p:pic>
+      <p:pic>
+        <p:nvPicPr>
+          <p:cNvPr id="80" name="Imagen 79">
+            <a:extLst>
+              <a:ext uri="{FF2B5EF4-FFF2-40B4-BE49-F238E27FC236}">
+                <a16:creationId xmlns:a16="http://schemas.microsoft.com/office/drawing/2014/main" id="{6A2988B9-EAEA-42FA-A46F-14EBD565B386}"/>
+              </a:ext>
+            </a:extLst>
+          </p:cNvPr>
+          <p:cNvPicPr>
+            <a:picLocks noChangeAspect="1"/>
+          </p:cNvPicPr>
+          <p:nvPr/>
+        </p:nvPicPr>
+        <p:blipFill>
+          <a:blip r:embed="rId8"/>
+          <a:stretch>
+            <a:fillRect/>
+          </a:stretch>
+        </p:blipFill>
+        <p:spPr>
+          <a:xfrm>
+            <a:off x="1983021" y="1553800"/>
+            <a:ext cx="438186" cy="472921"/>
+          </a:xfrm>
+          <a:prstGeom prst="rect">
+            <a:avLst/>
+          </a:prstGeom>
+        </p:spPr>
+      </p:pic>
     </p:spTree>
     <p:extLst>
       <p:ext uri="{BB962C8B-B14F-4D97-AF65-F5344CB8AC3E}">
@@ -4880,2404 +6327,421 @@
       </p:grpSpPr>
       <p:sp>
         <p:nvSpPr>
-          <p:cNvPr id="19" name="CuadroTexto 18">
-            <a:extLst>
-              <a:ext uri="{FF2B5EF4-FFF2-40B4-BE49-F238E27FC236}">
-                <a16:creationId xmlns:a16="http://schemas.microsoft.com/office/drawing/2014/main" id="{8DC0208C-3884-4505-AA35-3F7A90F08F2F}"/>
-              </a:ext>
-            </a:extLst>
-          </p:cNvPr>
-          <p:cNvSpPr txBox="1"/>
+          <p:cNvPr id="4" name="Rectángulo 3">
+            <a:extLst>
+              <a:ext uri="{FF2B5EF4-FFF2-40B4-BE49-F238E27FC236}">
+                <a16:creationId xmlns:a16="http://schemas.microsoft.com/office/drawing/2014/main" id="{77324A83-9E68-4C3F-8405-555857BCC992}"/>
+              </a:ext>
+            </a:extLst>
+          </p:cNvPr>
+          <p:cNvSpPr/>
           <p:nvPr/>
         </p:nvSpPr>
         <p:spPr>
           <a:xfrm>
-            <a:off x="766428" y="5093464"/>
-            <a:ext cx="1573053" cy="1569660"/>
+            <a:off x="554183" y="337555"/>
+            <a:ext cx="6096000" cy="2985433"/>
           </a:xfrm>
           <a:prstGeom prst="rect">
             <a:avLst/>
           </a:prstGeom>
-          <a:noFill/>
-        </p:spPr>
-        <p:txBody>
-          <a:bodyPr wrap="square" rtlCol="0">
+        </p:spPr>
+        <p:txBody>
+          <a:bodyPr>
             <a:spAutoFit/>
           </a:bodyPr>
           <a:lstStyle/>
           <a:p>
-            <a:pPr algn="r"/>
-            <a:r>
-              <a:rPr lang="es-ES" sz="1100" b="1" dirty="0"/>
-              <a:t>DS – ERP</a:t>
-            </a:r>
-          </a:p>
-          <a:p>
-            <a:pPr algn="r"/>
-            <a:r>
-              <a:rPr lang="es-ES" sz="1100" b="1" dirty="0" err="1"/>
-              <a:t>Event-Related</a:t>
-            </a:r>
-            <a:r>
-              <a:rPr lang="es-ES" sz="1100" b="1" dirty="0"/>
-              <a:t> </a:t>
-            </a:r>
-          </a:p>
-          <a:p>
-            <a:pPr algn="r"/>
-            <a:r>
-              <a:rPr lang="es-ES" sz="1100" b="1" dirty="0" err="1"/>
-              <a:t>Potential</a:t>
-            </a:r>
-            <a:r>
-              <a:rPr lang="es-ES" sz="1100" b="1" dirty="0"/>
-              <a:t>:</a:t>
-            </a:r>
-            <a:endParaRPr lang="es-AR" sz="900" b="1" dirty="0"/>
-          </a:p>
-          <a:p>
-            <a:pPr algn="r"/>
-            <a:endParaRPr lang="es-ES" sz="900" b="1" dirty="0"/>
-          </a:p>
-          <a:p>
-            <a:r>
-              <a:rPr lang="en-US" sz="900" dirty="0"/>
-              <a:t>P300 </a:t>
-            </a:r>
-            <a:r>
-              <a:rPr lang="en-US" sz="900" dirty="0" err="1"/>
-              <a:t>extraído</a:t>
-            </a:r>
-            <a:r>
-              <a:rPr lang="en-US" sz="900" dirty="0"/>
-              <a:t> del </a:t>
-            </a:r>
-            <a:r>
-              <a:rPr lang="en-US" sz="900" dirty="0" err="1"/>
-              <a:t>paciente</a:t>
-            </a:r>
-            <a:r>
-              <a:rPr lang="en-US" sz="900" dirty="0"/>
-              <a:t> 8 del </a:t>
-            </a:r>
-            <a:r>
-              <a:rPr lang="en-US" sz="900" dirty="0" err="1"/>
-              <a:t>BNCIHorizon</a:t>
-            </a:r>
-            <a:r>
-              <a:rPr lang="en-US" sz="900" dirty="0"/>
-              <a:t>. Se </a:t>
-            </a:r>
-            <a:r>
-              <a:rPr lang="en-US" sz="900" dirty="0" err="1"/>
-              <a:t>usa</a:t>
-            </a:r>
-            <a:r>
-              <a:rPr lang="en-US" sz="900" dirty="0"/>
-              <a:t> una de dos </a:t>
-            </a:r>
-            <a:r>
-              <a:rPr lang="en-US" sz="900" dirty="0" err="1"/>
-              <a:t>plantillas</a:t>
-            </a:r>
-            <a:r>
-              <a:rPr lang="en-US" sz="900" dirty="0"/>
-              <a:t>: </a:t>
-            </a:r>
-          </a:p>
-          <a:p>
-            <a:pPr algn="ctr"/>
-            <a:r>
-              <a:rPr lang="en-US" sz="900" dirty="0" err="1"/>
-              <a:t>routput</a:t>
-            </a:r>
-            <a:r>
-              <a:rPr lang="en-US" sz="900" dirty="0"/>
-              <a:t>[0][7][0][1][0][0][0][7] </a:t>
-            </a:r>
-          </a:p>
-          <a:p>
-            <a:pPr algn="ctr"/>
-            <a:r>
-              <a:rPr lang="en-US" sz="900" dirty="0" err="1"/>
-              <a:t>routput</a:t>
-            </a:r>
-            <a:r>
-              <a:rPr lang="en-US" sz="900" dirty="0"/>
-              <a:t>[0][7][0][1][0][0][0][0] </a:t>
-            </a:r>
-            <a:endParaRPr lang="es-ES" sz="900" b="1" dirty="0"/>
-          </a:p>
-          <a:p>
-            <a:endParaRPr lang="es-ES" sz="900" b="1" dirty="0"/>
-          </a:p>
-        </p:txBody>
-      </p:sp>
-      <p:pic>
-        <p:nvPicPr>
-          <p:cNvPr id="5" name="Imagen 4">
-            <a:extLst>
-              <a:ext uri="{FF2B5EF4-FFF2-40B4-BE49-F238E27FC236}">
-                <a16:creationId xmlns:a16="http://schemas.microsoft.com/office/drawing/2014/main" id="{982862B9-3D73-4BA4-902D-70C2012DB479}"/>
-              </a:ext>
-            </a:extLst>
-          </p:cNvPr>
-          <p:cNvPicPr>
-            <a:picLocks noChangeAspect="1"/>
-          </p:cNvPicPr>
+            <a:r>
+              <a:rPr lang="es-ES" sz="2000" b="1" dirty="0">
+                <a:solidFill>
+                  <a:srgbClr val="374151"/>
+                </a:solidFill>
+              </a:rPr>
+              <a:t>Modalidad activa:</a:t>
+            </a:r>
+          </a:p>
+          <a:p>
+            <a:endParaRPr lang="es-ES" sz="1200" b="1" dirty="0">
+              <a:solidFill>
+                <a:srgbClr val="374151"/>
+              </a:solidFill>
+            </a:endParaRPr>
+          </a:p>
+          <a:p>
+            <a:pPr marL="171450" indent="-171450" defTabSz="179388">
+              <a:buFont typeface="Arial" panose="020B0604020202020204" pitchFamily="34" charset="0"/>
+              <a:buChar char="•"/>
+            </a:pPr>
+            <a:r>
+              <a:rPr lang="es-AR" sz="1200" dirty="0">
+                <a:solidFill>
+                  <a:srgbClr val="374151"/>
+                </a:solidFill>
+              </a:rPr>
+              <a:t>	Cuatro sujetos.</a:t>
+            </a:r>
+          </a:p>
+          <a:p>
+            <a:pPr marL="171450" indent="-171450" defTabSz="179388">
+              <a:buFont typeface="Arial" panose="020B0604020202020204" pitchFamily="34" charset="0"/>
+              <a:buChar char="•"/>
+            </a:pPr>
+            <a:r>
+              <a:rPr lang="es-ES" sz="1200" dirty="0">
+                <a:solidFill>
+                  <a:srgbClr val="374151"/>
+                </a:solidFill>
+              </a:rPr>
+              <a:t>Segmentos de señal modificados: garantizar la inclusión de un componente P300. </a:t>
+            </a:r>
+          </a:p>
+          <a:p>
+            <a:pPr marL="171450" indent="-171450" defTabSz="179388">
+              <a:buFont typeface="Arial" panose="020B0604020202020204" pitchFamily="34" charset="0"/>
+              <a:buChar char="•"/>
+            </a:pPr>
+            <a:r>
+              <a:rPr lang="es-ES" sz="1200" dirty="0">
+                <a:solidFill>
+                  <a:srgbClr val="374151"/>
+                </a:solidFill>
+              </a:rPr>
+              <a:t>Plantillas extraídas del mismo sujeto:</a:t>
+            </a:r>
+          </a:p>
+          <a:p>
+            <a:pPr defTabSz="179388"/>
+            <a:r>
+              <a:rPr lang="es-ES" sz="1200" dirty="0">
+                <a:solidFill>
+                  <a:srgbClr val="374151"/>
+                </a:solidFill>
+              </a:rPr>
+              <a:t>		- EEG </a:t>
+            </a:r>
+            <a:r>
+              <a:rPr lang="es-ES" sz="1200" dirty="0" err="1">
+                <a:solidFill>
+                  <a:srgbClr val="374151"/>
+                </a:solidFill>
+              </a:rPr>
+              <a:t>pre-procesada</a:t>
+            </a:r>
+            <a:r>
+              <a:rPr lang="es-ES" sz="1200" dirty="0">
+                <a:solidFill>
+                  <a:srgbClr val="374151"/>
+                </a:solidFill>
+              </a:rPr>
+              <a:t> de donde se extrajeron segmentos etiquetados. </a:t>
+            </a:r>
+          </a:p>
+          <a:p>
+            <a:pPr defTabSz="179388"/>
+            <a:r>
+              <a:rPr lang="es-ES" sz="1200" dirty="0">
+                <a:solidFill>
+                  <a:srgbClr val="374151"/>
+                </a:solidFill>
+              </a:rPr>
+              <a:t>		- Segmentos etiquetados como "True" se promediaron de manera coherente punto por 		punto, y se produjeron 70 plantillas a partir del conjunto completo de 35 ensayos. </a:t>
+            </a:r>
+          </a:p>
+          <a:p>
+            <a:pPr defTabSz="179388"/>
+            <a:r>
+              <a:rPr lang="es-ES" sz="1200" dirty="0">
+                <a:solidFill>
+                  <a:srgbClr val="374151"/>
+                </a:solidFill>
+              </a:rPr>
+              <a:t>		- Una vez obtenidas las plantillas, se obtuvo un segmento aleatorio etiquetado como 			"False" para el mismo sujeto. </a:t>
+            </a:r>
+          </a:p>
+          <a:p>
+            <a:pPr defTabSz="179388"/>
+            <a:r>
+              <a:rPr lang="es-ES" sz="1200" dirty="0">
+                <a:solidFill>
+                  <a:srgbClr val="374151"/>
+                </a:solidFill>
+              </a:rPr>
+              <a:t>		- Esto se utilizó como señal de línea base y se agregó a la plantilla, conformando un nuevo 		segmento que tenía una plantilla P300 superpuesta. Este procedimiento continuó hasta 		completar los 700 segmentos marcados como "True".</a:t>
+            </a:r>
+          </a:p>
+          <a:p>
+            <a:pPr defTabSz="179388"/>
+            <a:endParaRPr lang="es-ES" sz="1200" dirty="0">
+              <a:solidFill>
+                <a:srgbClr val="374151"/>
+              </a:solidFill>
+            </a:endParaRPr>
+          </a:p>
+          <a:p>
+            <a:endParaRPr lang="es-ES" sz="1200" dirty="0">
+              <a:solidFill>
+                <a:srgbClr val="374151"/>
+              </a:solidFill>
+            </a:endParaRPr>
+          </a:p>
+        </p:txBody>
+      </p:sp>
+      <p:sp>
+        <p:nvSpPr>
+          <p:cNvPr id="5" name="Rectángulo 4">
+            <a:extLst>
+              <a:ext uri="{FF2B5EF4-FFF2-40B4-BE49-F238E27FC236}">
+                <a16:creationId xmlns:a16="http://schemas.microsoft.com/office/drawing/2014/main" id="{F0EA1510-BC6A-4E9E-8234-76AB9E80FF4F}"/>
+              </a:ext>
+            </a:extLst>
+          </p:cNvPr>
+          <p:cNvSpPr/>
           <p:nvPr/>
-        </p:nvPicPr>
-        <p:blipFill>
-          <a:blip r:embed="rId2"/>
-          <a:stretch>
-            <a:fillRect/>
-          </a:stretch>
-        </p:blipFill>
-        <p:spPr>
-          <a:xfrm>
-            <a:off x="2267179" y="410313"/>
-            <a:ext cx="574747" cy="246579"/>
+        </p:nvSpPr>
+        <p:spPr>
+          <a:xfrm>
+            <a:off x="5703457" y="2577373"/>
+            <a:ext cx="6096000" cy="4431983"/>
           </a:xfrm>
           <a:prstGeom prst="rect">
             <a:avLst/>
           </a:prstGeom>
         </p:spPr>
-      </p:pic>
-      <p:sp>
-        <p:nvSpPr>
-          <p:cNvPr id="7" name="CuadroTexto 6">
-            <a:extLst>
-              <a:ext uri="{FF2B5EF4-FFF2-40B4-BE49-F238E27FC236}">
-                <a16:creationId xmlns:a16="http://schemas.microsoft.com/office/drawing/2014/main" id="{0A34661D-8792-45A1-A23D-3FEBEC578F31}"/>
-              </a:ext>
-            </a:extLst>
-          </p:cNvPr>
-          <p:cNvSpPr txBox="1"/>
-          <p:nvPr/>
-        </p:nvSpPr>
-        <p:spPr>
-          <a:xfrm>
-            <a:off x="20315" y="629620"/>
-            <a:ext cx="1973255" cy="846386"/>
-          </a:xfrm>
-          <a:prstGeom prst="rect">
-            <a:avLst/>
-          </a:prstGeom>
-          <a:noFill/>
-        </p:spPr>
-        <p:txBody>
-          <a:bodyPr wrap="square" rtlCol="0">
+        <p:txBody>
+          <a:bodyPr>
             <a:spAutoFit/>
           </a:bodyPr>
           <a:lstStyle/>
           <a:p>
-            <a:pPr algn="r"/>
-            <a:endParaRPr lang="es-ES" sz="1100" b="1" dirty="0"/>
-          </a:p>
-          <a:p>
-            <a:pPr algn="r"/>
-            <a:r>
-              <a:rPr lang="es-ES" sz="1100" b="1" dirty="0"/>
-              <a:t>DS - </a:t>
-            </a:r>
-            <a:r>
-              <a:rPr lang="es-ES" sz="1100" b="1" dirty="0" err="1"/>
-              <a:t>BNCIHorizon</a:t>
-            </a:r>
-            <a:endParaRPr lang="es-AR" sz="900" dirty="0"/>
-          </a:p>
-          <a:p>
-            <a:pPr algn="ctr"/>
-            <a:endParaRPr lang="es-ES" sz="900" dirty="0"/>
-          </a:p>
-          <a:p>
-            <a:pPr algn="ctr"/>
-            <a:r>
-              <a:rPr lang="es-ES" sz="900" i="1" dirty="0"/>
-              <a:t>Registros completos </a:t>
-            </a:r>
-            <a:r>
-              <a:rPr lang="es-ES" sz="900" b="1" i="1" dirty="0"/>
-              <a:t>CON</a:t>
-            </a:r>
-            <a:r>
-              <a:rPr lang="es-ES" sz="900" i="1" dirty="0"/>
-              <a:t> potenciales </a:t>
-            </a:r>
-          </a:p>
-          <a:p>
-            <a:pPr algn="ctr"/>
-            <a:r>
-              <a:rPr lang="es-ES" sz="900" i="1" dirty="0"/>
-              <a:t>evocados P300 de pacientes con ELA</a:t>
-            </a:r>
-            <a:endParaRPr lang="es-ES" sz="900" dirty="0"/>
-          </a:p>
-        </p:txBody>
-      </p:sp>
-      <p:pic>
-        <p:nvPicPr>
-          <p:cNvPr id="8" name="Imagen 7">
-            <a:extLst>
-              <a:ext uri="{FF2B5EF4-FFF2-40B4-BE49-F238E27FC236}">
-                <a16:creationId xmlns:a16="http://schemas.microsoft.com/office/drawing/2014/main" id="{8B7E4912-8BF6-46AC-83BC-22D7526FC411}"/>
-              </a:ext>
-            </a:extLst>
-          </p:cNvPr>
-          <p:cNvPicPr>
-            <a:picLocks noChangeAspect="1"/>
-          </p:cNvPicPr>
-          <p:nvPr/>
-        </p:nvPicPr>
-        <p:blipFill>
-          <a:blip r:embed="rId3"/>
-          <a:stretch>
-            <a:fillRect/>
-          </a:stretch>
-        </p:blipFill>
-        <p:spPr>
-          <a:xfrm>
-            <a:off x="234288" y="582744"/>
-            <a:ext cx="541679" cy="535356"/>
-          </a:xfrm>
-          <a:prstGeom prst="rect">
-            <a:avLst/>
-          </a:prstGeom>
-        </p:spPr>
-      </p:pic>
-      <p:sp>
-        <p:nvSpPr>
-          <p:cNvPr id="11" name="CuadroTexto 10">
-            <a:extLst>
-              <a:ext uri="{FF2B5EF4-FFF2-40B4-BE49-F238E27FC236}">
-                <a16:creationId xmlns:a16="http://schemas.microsoft.com/office/drawing/2014/main" id="{3386BE0C-6826-4226-9D0D-22266CB471EF}"/>
-              </a:ext>
-            </a:extLst>
-          </p:cNvPr>
-          <p:cNvSpPr txBox="1"/>
-          <p:nvPr/>
-        </p:nvSpPr>
-        <p:spPr>
-          <a:xfrm>
-            <a:off x="124871" y="2162558"/>
-            <a:ext cx="1926041" cy="1154162"/>
-          </a:xfrm>
-          <a:prstGeom prst="rect">
-            <a:avLst/>
-          </a:prstGeom>
-          <a:noFill/>
-        </p:spPr>
-        <p:txBody>
-          <a:bodyPr wrap="square" rtlCol="0">
-            <a:spAutoFit/>
-          </a:bodyPr>
-          <a:lstStyle/>
-          <a:p>
-            <a:pPr algn="r"/>
-            <a:r>
-              <a:rPr lang="es-ES" sz="1100" b="1" dirty="0"/>
-              <a:t>DS - P300-Dataset </a:t>
-            </a:r>
-          </a:p>
-          <a:p>
-            <a:pPr algn="r"/>
-            <a:r>
-              <a:rPr lang="es-ES" sz="1100" b="1" dirty="0"/>
-              <a:t>(</a:t>
-            </a:r>
-            <a:r>
-              <a:rPr lang="es-ES" sz="1100" b="1" dirty="0" err="1"/>
-              <a:t>Kaggle</a:t>
-            </a:r>
-            <a:r>
-              <a:rPr lang="es-ES" sz="1100" b="1" dirty="0"/>
-              <a:t>)</a:t>
-            </a:r>
-            <a:endParaRPr lang="es-AR" sz="1100" b="1" dirty="0"/>
-          </a:p>
-          <a:p>
-            <a:pPr algn="r"/>
-            <a:endParaRPr lang="es-ES" sz="1100" b="1" dirty="0"/>
-          </a:p>
-          <a:p>
-            <a:r>
-              <a:rPr lang="es-ES" sz="900" i="1" dirty="0"/>
-              <a:t>Registros completos </a:t>
-            </a:r>
-            <a:r>
-              <a:rPr lang="es-ES" sz="900" b="1" i="1" dirty="0"/>
-              <a:t>CON</a:t>
-            </a:r>
-            <a:r>
-              <a:rPr lang="es-ES" sz="900" i="1" dirty="0"/>
-              <a:t> potenciales </a:t>
-            </a:r>
-          </a:p>
-          <a:p>
-            <a:r>
-              <a:rPr lang="es-ES" sz="900" i="1" dirty="0"/>
-              <a:t>evocados P300 de pacientes </a:t>
-            </a:r>
-            <a:r>
-              <a:rPr lang="es-ES" sz="900" b="1" i="1" dirty="0"/>
-              <a:t>SANOS:</a:t>
-            </a:r>
-          </a:p>
-          <a:p>
-            <a:r>
-              <a:rPr lang="es-AR" sz="900" i="1" dirty="0"/>
-              <a:t>4</a:t>
-            </a:r>
-            <a:r>
-              <a:rPr lang="es-ES" sz="900" i="1" dirty="0"/>
-              <a:t> pasivos (sin conocimiento del experimento) y 4 activos.</a:t>
-            </a:r>
-            <a:endParaRPr lang="es-ES" sz="900" dirty="0"/>
-          </a:p>
-        </p:txBody>
-      </p:sp>
-      <p:pic>
-        <p:nvPicPr>
-          <p:cNvPr id="15" name="Imagen 14">
-            <a:extLst>
-              <a:ext uri="{FF2B5EF4-FFF2-40B4-BE49-F238E27FC236}">
-                <a16:creationId xmlns:a16="http://schemas.microsoft.com/office/drawing/2014/main" id="{08914D6D-D351-4B04-9C5E-E4D381E8C375}"/>
-              </a:ext>
-            </a:extLst>
-          </p:cNvPr>
-          <p:cNvPicPr>
-            <a:picLocks noChangeAspect="1"/>
-          </p:cNvPicPr>
-          <p:nvPr/>
-        </p:nvPicPr>
-        <p:blipFill>
-          <a:blip r:embed="rId4"/>
-          <a:stretch>
-            <a:fillRect/>
-          </a:stretch>
-        </p:blipFill>
-        <p:spPr>
-          <a:xfrm>
-            <a:off x="3598571" y="5121172"/>
-            <a:ext cx="3136278" cy="843551"/>
-          </a:xfrm>
-          <a:prstGeom prst="rect">
-            <a:avLst/>
-          </a:prstGeom>
-        </p:spPr>
-      </p:pic>
-      <p:pic>
-        <p:nvPicPr>
-          <p:cNvPr id="17" name="Imagen 16">
-            <a:extLst>
-              <a:ext uri="{FF2B5EF4-FFF2-40B4-BE49-F238E27FC236}">
-                <a16:creationId xmlns:a16="http://schemas.microsoft.com/office/drawing/2014/main" id="{2EAE72AE-C484-4174-AA86-CAF945E11FA8}"/>
-              </a:ext>
-            </a:extLst>
-          </p:cNvPr>
-          <p:cNvPicPr>
-            <a:picLocks noChangeAspect="1"/>
-          </p:cNvPicPr>
-          <p:nvPr/>
-        </p:nvPicPr>
-        <p:blipFill>
-          <a:blip r:embed="rId5"/>
-          <a:stretch>
-            <a:fillRect/>
-          </a:stretch>
-        </p:blipFill>
-        <p:spPr>
-          <a:xfrm>
-            <a:off x="826168" y="5132708"/>
-            <a:ext cx="563578" cy="608252"/>
-          </a:xfrm>
-          <a:prstGeom prst="rect">
-            <a:avLst/>
-          </a:prstGeom>
-        </p:spPr>
-      </p:pic>
-      <p:cxnSp>
-        <p:nvCxnSpPr>
-          <p:cNvPr id="20" name="Conector recto de flecha 19">
-            <a:extLst>
-              <a:ext uri="{FF2B5EF4-FFF2-40B4-BE49-F238E27FC236}">
-                <a16:creationId xmlns:a16="http://schemas.microsoft.com/office/drawing/2014/main" id="{3A56DF9C-E166-4BBA-82F9-022B6D2321EE}"/>
-              </a:ext>
-            </a:extLst>
-          </p:cNvPr>
-          <p:cNvCxnSpPr>
-            <a:cxnSpLocks/>
-          </p:cNvCxnSpPr>
-          <p:nvPr/>
-        </p:nvCxnSpPr>
-        <p:spPr>
-          <a:xfrm>
-            <a:off x="2413508" y="5579849"/>
-            <a:ext cx="1045194" cy="0"/>
-          </a:xfrm>
-          <a:prstGeom prst="straightConnector1">
-            <a:avLst/>
-          </a:prstGeom>
-          <a:ln>
-            <a:tailEnd type="triangle"/>
-          </a:ln>
-        </p:spPr>
-        <p:style>
-          <a:lnRef idx="1">
-            <a:schemeClr val="accent1"/>
-          </a:lnRef>
-          <a:fillRef idx="0">
-            <a:schemeClr val="accent1"/>
-          </a:fillRef>
-          <a:effectRef idx="0">
-            <a:schemeClr val="accent1"/>
-          </a:effectRef>
-          <a:fontRef idx="minor">
-            <a:schemeClr val="tx1"/>
-          </a:fontRef>
-        </p:style>
-      </p:cxnSp>
-      <p:pic>
-        <p:nvPicPr>
-          <p:cNvPr id="22" name="Imagen 21">
-            <a:extLst>
-              <a:ext uri="{FF2B5EF4-FFF2-40B4-BE49-F238E27FC236}">
-                <a16:creationId xmlns:a16="http://schemas.microsoft.com/office/drawing/2014/main" id="{0D571B76-FB59-4927-A4C7-E8C4D7710CD8}"/>
-              </a:ext>
-            </a:extLst>
-          </p:cNvPr>
-          <p:cNvPicPr>
-            <a:picLocks noChangeAspect="1"/>
-          </p:cNvPicPr>
-          <p:nvPr/>
-        </p:nvPicPr>
-        <p:blipFill>
-          <a:blip r:embed="rId3"/>
-          <a:stretch>
-            <a:fillRect/>
-          </a:stretch>
-        </p:blipFill>
-        <p:spPr>
-          <a:xfrm>
-            <a:off x="234287" y="2179023"/>
-            <a:ext cx="541679" cy="535356"/>
-          </a:xfrm>
-          <a:prstGeom prst="rect">
-            <a:avLst/>
-          </a:prstGeom>
-        </p:spPr>
-      </p:pic>
-      <p:pic>
-        <p:nvPicPr>
-          <p:cNvPr id="24" name="Imagen 23">
-            <a:extLst>
-              <a:ext uri="{FF2B5EF4-FFF2-40B4-BE49-F238E27FC236}">
-                <a16:creationId xmlns:a16="http://schemas.microsoft.com/office/drawing/2014/main" id="{A45C1B73-01A2-4038-A4C6-AA78CFC6478D}"/>
-              </a:ext>
-            </a:extLst>
-          </p:cNvPr>
-          <p:cNvPicPr>
-            <a:picLocks noChangeAspect="1"/>
-          </p:cNvPicPr>
-          <p:nvPr/>
-        </p:nvPicPr>
-        <p:blipFill>
-          <a:blip r:embed="rId5"/>
-          <a:stretch>
-            <a:fillRect/>
-          </a:stretch>
-        </p:blipFill>
-        <p:spPr>
-          <a:xfrm>
-            <a:off x="2050912" y="393159"/>
-            <a:ext cx="438186" cy="472921"/>
-          </a:xfrm>
-          <a:prstGeom prst="rect">
-            <a:avLst/>
-          </a:prstGeom>
-        </p:spPr>
-      </p:pic>
-      <p:sp>
-        <p:nvSpPr>
-          <p:cNvPr id="26" name="CuadroTexto 25">
-            <a:extLst>
-              <a:ext uri="{FF2B5EF4-FFF2-40B4-BE49-F238E27FC236}">
-                <a16:creationId xmlns:a16="http://schemas.microsoft.com/office/drawing/2014/main" id="{3980B920-A6F3-47BB-A8DF-DC5AE494B224}"/>
-              </a:ext>
-            </a:extLst>
-          </p:cNvPr>
-          <p:cNvSpPr txBox="1"/>
-          <p:nvPr/>
-        </p:nvSpPr>
-        <p:spPr>
-          <a:xfrm>
-            <a:off x="2202525" y="779585"/>
-            <a:ext cx="129309" cy="600164"/>
-          </a:xfrm>
-          <a:prstGeom prst="rect">
-            <a:avLst/>
-          </a:prstGeom>
-          <a:noFill/>
-        </p:spPr>
-        <p:txBody>
-          <a:bodyPr wrap="square" rtlCol="0">
-            <a:spAutoFit/>
-          </a:bodyPr>
-          <a:lstStyle/>
-          <a:p>
-            <a:pPr algn="ctr"/>
-            <a:r>
-              <a:rPr lang="es-AR" sz="1100" b="1" dirty="0"/>
-              <a:t>.</a:t>
-            </a:r>
-          </a:p>
-          <a:p>
-            <a:pPr algn="ctr"/>
-            <a:r>
-              <a:rPr lang="es-AR" sz="1100" b="1" dirty="0"/>
-              <a:t>.</a:t>
-            </a:r>
-          </a:p>
-          <a:p>
-            <a:pPr algn="ctr"/>
-            <a:r>
-              <a:rPr lang="es-AR" sz="1100" b="1" dirty="0"/>
-              <a:t>.</a:t>
-            </a:r>
-          </a:p>
-        </p:txBody>
-      </p:sp>
-      <p:pic>
-        <p:nvPicPr>
-          <p:cNvPr id="29" name="Imagen 28">
-            <a:extLst>
-              <a:ext uri="{FF2B5EF4-FFF2-40B4-BE49-F238E27FC236}">
-                <a16:creationId xmlns:a16="http://schemas.microsoft.com/office/drawing/2014/main" id="{FB90D33F-30F5-43EA-9997-CD6F9DA811D8}"/>
-              </a:ext>
-            </a:extLst>
-          </p:cNvPr>
-          <p:cNvPicPr>
-            <a:picLocks noChangeAspect="1"/>
-          </p:cNvPicPr>
-          <p:nvPr/>
-        </p:nvPicPr>
-        <p:blipFill>
-          <a:blip r:embed="rId2"/>
-          <a:stretch>
-            <a:fillRect/>
-          </a:stretch>
-        </p:blipFill>
-        <p:spPr>
-          <a:xfrm>
-            <a:off x="2267179" y="1367594"/>
-            <a:ext cx="574747" cy="246579"/>
-          </a:xfrm>
-          <a:prstGeom prst="rect">
-            <a:avLst/>
-          </a:prstGeom>
-        </p:spPr>
-      </p:pic>
-      <p:pic>
-        <p:nvPicPr>
-          <p:cNvPr id="30" name="Imagen 29">
-            <a:extLst>
-              <a:ext uri="{FF2B5EF4-FFF2-40B4-BE49-F238E27FC236}">
-                <a16:creationId xmlns:a16="http://schemas.microsoft.com/office/drawing/2014/main" id="{EEE2632C-2929-4B5E-B236-E76001BCC5D3}"/>
-              </a:ext>
-            </a:extLst>
-          </p:cNvPr>
-          <p:cNvPicPr>
-            <a:picLocks noChangeAspect="1"/>
-          </p:cNvPicPr>
-          <p:nvPr/>
-        </p:nvPicPr>
-        <p:blipFill>
-          <a:blip r:embed="rId5"/>
-          <a:stretch>
-            <a:fillRect/>
-          </a:stretch>
-        </p:blipFill>
-        <p:spPr>
-          <a:xfrm>
-            <a:off x="2050912" y="1350440"/>
-            <a:ext cx="438186" cy="472921"/>
-          </a:xfrm>
-          <a:prstGeom prst="rect">
-            <a:avLst/>
-          </a:prstGeom>
-        </p:spPr>
-      </p:pic>
-      <p:pic>
-        <p:nvPicPr>
-          <p:cNvPr id="31" name="Imagen 30">
-            <a:extLst>
-              <a:ext uri="{FF2B5EF4-FFF2-40B4-BE49-F238E27FC236}">
-                <a16:creationId xmlns:a16="http://schemas.microsoft.com/office/drawing/2014/main" id="{F0F99473-7281-47E7-9F80-17E7E06D7E4C}"/>
-              </a:ext>
-            </a:extLst>
-          </p:cNvPr>
-          <p:cNvPicPr>
-            <a:picLocks noChangeAspect="1"/>
-          </p:cNvPicPr>
-          <p:nvPr/>
-        </p:nvPicPr>
-        <p:blipFill>
-          <a:blip r:embed="rId2"/>
-          <a:stretch>
-            <a:fillRect/>
-          </a:stretch>
-        </p:blipFill>
-        <p:spPr>
-          <a:xfrm>
-            <a:off x="2267179" y="1951089"/>
-            <a:ext cx="574747" cy="246579"/>
-          </a:xfrm>
-          <a:prstGeom prst="rect">
-            <a:avLst/>
-          </a:prstGeom>
-        </p:spPr>
-      </p:pic>
-      <p:pic>
-        <p:nvPicPr>
-          <p:cNvPr id="32" name="Imagen 31">
-            <a:extLst>
-              <a:ext uri="{FF2B5EF4-FFF2-40B4-BE49-F238E27FC236}">
-                <a16:creationId xmlns:a16="http://schemas.microsoft.com/office/drawing/2014/main" id="{2193AC8E-E3FD-427C-AA60-38A6B174960C}"/>
-              </a:ext>
-            </a:extLst>
-          </p:cNvPr>
-          <p:cNvPicPr>
-            <a:picLocks noChangeAspect="1"/>
-          </p:cNvPicPr>
-          <p:nvPr/>
-        </p:nvPicPr>
-        <p:blipFill>
-          <a:blip r:embed="rId5"/>
-          <a:stretch>
-            <a:fillRect/>
-          </a:stretch>
-        </p:blipFill>
-        <p:spPr>
-          <a:xfrm>
-            <a:off x="2050912" y="1933935"/>
-            <a:ext cx="438186" cy="472921"/>
-          </a:xfrm>
-          <a:prstGeom prst="rect">
-            <a:avLst/>
-          </a:prstGeom>
-        </p:spPr>
-      </p:pic>
-      <p:sp>
-        <p:nvSpPr>
-          <p:cNvPr id="33" name="CuadroTexto 32">
-            <a:extLst>
-              <a:ext uri="{FF2B5EF4-FFF2-40B4-BE49-F238E27FC236}">
-                <a16:creationId xmlns:a16="http://schemas.microsoft.com/office/drawing/2014/main" id="{1B44C519-42B1-4C82-AFC3-BB6CFF7CDE93}"/>
-              </a:ext>
-            </a:extLst>
-          </p:cNvPr>
-          <p:cNvSpPr txBox="1"/>
-          <p:nvPr/>
-        </p:nvSpPr>
-        <p:spPr>
-          <a:xfrm>
-            <a:off x="2202525" y="2320361"/>
-            <a:ext cx="129309" cy="600164"/>
-          </a:xfrm>
-          <a:prstGeom prst="rect">
-            <a:avLst/>
-          </a:prstGeom>
-          <a:noFill/>
-        </p:spPr>
-        <p:txBody>
-          <a:bodyPr wrap="square" rtlCol="0">
-            <a:spAutoFit/>
-          </a:bodyPr>
-          <a:lstStyle/>
-          <a:p>
-            <a:pPr algn="ctr"/>
-            <a:r>
-              <a:rPr lang="es-AR" sz="1100" b="1" dirty="0"/>
-              <a:t>.</a:t>
-            </a:r>
-          </a:p>
-          <a:p>
-            <a:pPr algn="ctr"/>
-            <a:r>
-              <a:rPr lang="es-AR" sz="1100" b="1" dirty="0"/>
-              <a:t>.</a:t>
-            </a:r>
-          </a:p>
-          <a:p>
-            <a:pPr algn="ctr"/>
-            <a:r>
-              <a:rPr lang="es-AR" sz="1100" b="1" dirty="0"/>
-              <a:t>.</a:t>
-            </a:r>
-          </a:p>
-        </p:txBody>
-      </p:sp>
-      <p:pic>
-        <p:nvPicPr>
-          <p:cNvPr id="34" name="Imagen 33">
-            <a:extLst>
-              <a:ext uri="{FF2B5EF4-FFF2-40B4-BE49-F238E27FC236}">
-                <a16:creationId xmlns:a16="http://schemas.microsoft.com/office/drawing/2014/main" id="{045EB10F-ADCE-41FE-8A0C-E87AA242FF65}"/>
-              </a:ext>
-            </a:extLst>
-          </p:cNvPr>
-          <p:cNvPicPr>
-            <a:picLocks noChangeAspect="1"/>
-          </p:cNvPicPr>
-          <p:nvPr/>
-        </p:nvPicPr>
-        <p:blipFill>
-          <a:blip r:embed="rId2"/>
-          <a:stretch>
-            <a:fillRect/>
-          </a:stretch>
-        </p:blipFill>
-        <p:spPr>
-          <a:xfrm>
-            <a:off x="2267179" y="2898538"/>
-            <a:ext cx="574747" cy="246579"/>
-          </a:xfrm>
-          <a:prstGeom prst="rect">
-            <a:avLst/>
-          </a:prstGeom>
-        </p:spPr>
-      </p:pic>
-      <p:pic>
-        <p:nvPicPr>
-          <p:cNvPr id="35" name="Imagen 34">
-            <a:extLst>
-              <a:ext uri="{FF2B5EF4-FFF2-40B4-BE49-F238E27FC236}">
-                <a16:creationId xmlns:a16="http://schemas.microsoft.com/office/drawing/2014/main" id="{4A5299CD-A5DD-4284-ADFB-A4BC5B30F9C5}"/>
-              </a:ext>
-            </a:extLst>
-          </p:cNvPr>
-          <p:cNvPicPr>
-            <a:picLocks noChangeAspect="1"/>
-          </p:cNvPicPr>
-          <p:nvPr/>
-        </p:nvPicPr>
-        <p:blipFill>
-          <a:blip r:embed="rId5"/>
-          <a:stretch>
-            <a:fillRect/>
-          </a:stretch>
-        </p:blipFill>
-        <p:spPr>
-          <a:xfrm>
-            <a:off x="2050912" y="2881384"/>
-            <a:ext cx="438186" cy="472921"/>
-          </a:xfrm>
-          <a:prstGeom prst="rect">
-            <a:avLst/>
-          </a:prstGeom>
-        </p:spPr>
-      </p:pic>
-      <p:sp>
-        <p:nvSpPr>
-          <p:cNvPr id="39" name="CuadroTexto 38">
-            <a:extLst>
-              <a:ext uri="{FF2B5EF4-FFF2-40B4-BE49-F238E27FC236}">
-                <a16:creationId xmlns:a16="http://schemas.microsoft.com/office/drawing/2014/main" id="{114EC3EF-7AEA-4125-BB38-99A938F49964}"/>
-              </a:ext>
-            </a:extLst>
-          </p:cNvPr>
-          <p:cNvSpPr txBox="1"/>
-          <p:nvPr/>
-        </p:nvSpPr>
-        <p:spPr>
-          <a:xfrm>
-            <a:off x="124871" y="3849974"/>
-            <a:ext cx="1946531" cy="877163"/>
-          </a:xfrm>
-          <a:prstGeom prst="rect">
-            <a:avLst/>
-          </a:prstGeom>
-          <a:noFill/>
-        </p:spPr>
-        <p:txBody>
-          <a:bodyPr wrap="square" rtlCol="0">
-            <a:spAutoFit/>
-          </a:bodyPr>
-          <a:lstStyle/>
-          <a:p>
-            <a:pPr algn="r"/>
-            <a:r>
-              <a:rPr lang="es-ES" sz="1100" b="1" dirty="0"/>
-              <a:t>DS – </a:t>
-            </a:r>
-          </a:p>
-          <a:p>
-            <a:pPr algn="r"/>
-            <a:r>
-              <a:rPr lang="es-ES" sz="1100" b="1" dirty="0"/>
-              <a:t>Basal EEG </a:t>
-            </a:r>
-            <a:r>
-              <a:rPr lang="es-ES" sz="1100" b="1" dirty="0" err="1"/>
-              <a:t>stream</a:t>
-            </a:r>
-            <a:endParaRPr lang="es-ES" sz="1100" b="1" dirty="0"/>
-          </a:p>
-          <a:p>
-            <a:pPr algn="r"/>
-            <a:r>
-              <a:rPr lang="es-ES" sz="1100" b="1" dirty="0"/>
-              <a:t>p300-subject-XX.mat</a:t>
-            </a:r>
-          </a:p>
-          <a:p>
-            <a:pPr algn="r"/>
-            <a:endParaRPr lang="es-ES" sz="900" b="1" dirty="0"/>
-          </a:p>
-          <a:p>
-            <a:r>
-              <a:rPr lang="en-US" sz="900" dirty="0" err="1"/>
-              <a:t>Revisar</a:t>
-            </a:r>
-            <a:r>
-              <a:rPr lang="en-US" sz="900" dirty="0"/>
-              <a:t>. </a:t>
-            </a:r>
-            <a:r>
-              <a:rPr lang="en-US" sz="900" dirty="0" err="1"/>
-              <a:t>Debería</a:t>
-            </a:r>
-            <a:r>
-              <a:rPr lang="en-US" sz="900" dirty="0"/>
-              <a:t> ser </a:t>
-            </a:r>
-            <a:r>
-              <a:rPr lang="en-US" sz="900" dirty="0" err="1"/>
-              <a:t>igual</a:t>
-            </a:r>
-            <a:r>
-              <a:rPr lang="en-US" sz="900" dirty="0"/>
-              <a:t> al de Kaggle</a:t>
-            </a:r>
-            <a:endParaRPr lang="es-ES" sz="900" b="1" dirty="0"/>
-          </a:p>
-        </p:txBody>
-      </p:sp>
-      <p:pic>
-        <p:nvPicPr>
-          <p:cNvPr id="41" name="Imagen 40">
-            <a:extLst>
-              <a:ext uri="{FF2B5EF4-FFF2-40B4-BE49-F238E27FC236}">
-                <a16:creationId xmlns:a16="http://schemas.microsoft.com/office/drawing/2014/main" id="{A907D5C3-C0F6-4358-BEFF-7D18ECF251A8}"/>
-              </a:ext>
-            </a:extLst>
-          </p:cNvPr>
-          <p:cNvPicPr>
-            <a:picLocks noChangeAspect="1"/>
-          </p:cNvPicPr>
-          <p:nvPr/>
-        </p:nvPicPr>
-        <p:blipFill>
-          <a:blip r:embed="rId3"/>
-          <a:stretch>
-            <a:fillRect/>
-          </a:stretch>
-        </p:blipFill>
-        <p:spPr>
-          <a:xfrm>
-            <a:off x="157730" y="3866454"/>
-            <a:ext cx="569856" cy="563204"/>
-          </a:xfrm>
-          <a:prstGeom prst="rect">
-            <a:avLst/>
-          </a:prstGeom>
-        </p:spPr>
-      </p:pic>
-      <p:pic>
-        <p:nvPicPr>
-          <p:cNvPr id="42" name="Imagen 41">
-            <a:extLst>
-              <a:ext uri="{FF2B5EF4-FFF2-40B4-BE49-F238E27FC236}">
-                <a16:creationId xmlns:a16="http://schemas.microsoft.com/office/drawing/2014/main" id="{FF6C518F-C3A6-4EAE-BE74-CECA4A88A913}"/>
-              </a:ext>
-            </a:extLst>
-          </p:cNvPr>
-          <p:cNvPicPr>
-            <a:picLocks noChangeAspect="1"/>
-          </p:cNvPicPr>
-          <p:nvPr/>
-        </p:nvPicPr>
-        <p:blipFill>
-          <a:blip r:embed="rId2"/>
-          <a:stretch>
-            <a:fillRect/>
-          </a:stretch>
-        </p:blipFill>
-        <p:spPr>
-          <a:xfrm>
-            <a:off x="2282703" y="3486383"/>
-            <a:ext cx="574747" cy="246579"/>
-          </a:xfrm>
-          <a:prstGeom prst="rect">
-            <a:avLst/>
-          </a:prstGeom>
-        </p:spPr>
-      </p:pic>
-      <p:pic>
-        <p:nvPicPr>
-          <p:cNvPr id="43" name="Imagen 42">
-            <a:extLst>
-              <a:ext uri="{FF2B5EF4-FFF2-40B4-BE49-F238E27FC236}">
-                <a16:creationId xmlns:a16="http://schemas.microsoft.com/office/drawing/2014/main" id="{388C8788-68A8-4264-8B46-F677ABB8EB70}"/>
-              </a:ext>
-            </a:extLst>
-          </p:cNvPr>
-          <p:cNvPicPr>
-            <a:picLocks noChangeAspect="1"/>
-          </p:cNvPicPr>
-          <p:nvPr/>
-        </p:nvPicPr>
-        <p:blipFill>
-          <a:blip r:embed="rId5"/>
-          <a:stretch>
-            <a:fillRect/>
-          </a:stretch>
-        </p:blipFill>
-        <p:spPr>
-          <a:xfrm>
-            <a:off x="2066436" y="3469229"/>
-            <a:ext cx="438186" cy="472921"/>
-          </a:xfrm>
-          <a:prstGeom prst="rect">
-            <a:avLst/>
-          </a:prstGeom>
-        </p:spPr>
-      </p:pic>
-      <p:sp>
-        <p:nvSpPr>
-          <p:cNvPr id="44" name="CuadroTexto 43">
-            <a:extLst>
-              <a:ext uri="{FF2B5EF4-FFF2-40B4-BE49-F238E27FC236}">
-                <a16:creationId xmlns:a16="http://schemas.microsoft.com/office/drawing/2014/main" id="{64397CDE-54E1-42A9-95E9-837884A322FB}"/>
-              </a:ext>
-            </a:extLst>
-          </p:cNvPr>
-          <p:cNvSpPr txBox="1"/>
-          <p:nvPr/>
-        </p:nvSpPr>
-        <p:spPr>
-          <a:xfrm>
-            <a:off x="2218049" y="3855655"/>
-            <a:ext cx="129309" cy="600164"/>
-          </a:xfrm>
-          <a:prstGeom prst="rect">
-            <a:avLst/>
-          </a:prstGeom>
-          <a:noFill/>
-        </p:spPr>
-        <p:txBody>
-          <a:bodyPr wrap="square" rtlCol="0">
-            <a:spAutoFit/>
-          </a:bodyPr>
-          <a:lstStyle/>
-          <a:p>
-            <a:pPr algn="ctr"/>
-            <a:r>
-              <a:rPr lang="es-AR" sz="1100" b="1" dirty="0"/>
-              <a:t>.</a:t>
-            </a:r>
-          </a:p>
-          <a:p>
-            <a:pPr algn="ctr"/>
-            <a:r>
-              <a:rPr lang="es-AR" sz="1100" b="1" dirty="0"/>
-              <a:t>.</a:t>
-            </a:r>
-          </a:p>
-          <a:p>
-            <a:pPr algn="ctr"/>
-            <a:r>
-              <a:rPr lang="es-AR" sz="1100" b="1" dirty="0"/>
-              <a:t>.</a:t>
-            </a:r>
-          </a:p>
-        </p:txBody>
-      </p:sp>
-      <p:pic>
-        <p:nvPicPr>
-          <p:cNvPr id="45" name="Imagen 44">
-            <a:extLst>
-              <a:ext uri="{FF2B5EF4-FFF2-40B4-BE49-F238E27FC236}">
-                <a16:creationId xmlns:a16="http://schemas.microsoft.com/office/drawing/2014/main" id="{ACA2AD6E-028D-4208-A643-3443990B9168}"/>
-              </a:ext>
-            </a:extLst>
-          </p:cNvPr>
-          <p:cNvPicPr>
-            <a:picLocks noChangeAspect="1"/>
-          </p:cNvPicPr>
-          <p:nvPr/>
-        </p:nvPicPr>
-        <p:blipFill>
-          <a:blip r:embed="rId2"/>
-          <a:stretch>
-            <a:fillRect/>
-          </a:stretch>
-        </p:blipFill>
-        <p:spPr>
-          <a:xfrm>
-            <a:off x="2282703" y="4443664"/>
-            <a:ext cx="574747" cy="246579"/>
-          </a:xfrm>
-          <a:prstGeom prst="rect">
-            <a:avLst/>
-          </a:prstGeom>
-        </p:spPr>
-      </p:pic>
-      <p:pic>
-        <p:nvPicPr>
-          <p:cNvPr id="46" name="Imagen 45">
-            <a:extLst>
-              <a:ext uri="{FF2B5EF4-FFF2-40B4-BE49-F238E27FC236}">
-                <a16:creationId xmlns:a16="http://schemas.microsoft.com/office/drawing/2014/main" id="{E78B5648-3F0C-4BA2-AB1F-94EF22117822}"/>
-              </a:ext>
-            </a:extLst>
-          </p:cNvPr>
-          <p:cNvPicPr>
-            <a:picLocks noChangeAspect="1"/>
-          </p:cNvPicPr>
-          <p:nvPr/>
-        </p:nvPicPr>
-        <p:blipFill>
-          <a:blip r:embed="rId5"/>
-          <a:stretch>
-            <a:fillRect/>
-          </a:stretch>
-        </p:blipFill>
-        <p:spPr>
-          <a:xfrm>
-            <a:off x="2066436" y="4426510"/>
-            <a:ext cx="438186" cy="472921"/>
-          </a:xfrm>
-          <a:prstGeom prst="rect">
-            <a:avLst/>
-          </a:prstGeom>
-        </p:spPr>
-      </p:pic>
-      <p:sp>
-        <p:nvSpPr>
-          <p:cNvPr id="38" name="Rectángulo: esquinas redondeadas 37">
-            <a:extLst>
-              <a:ext uri="{FF2B5EF4-FFF2-40B4-BE49-F238E27FC236}">
-                <a16:creationId xmlns:a16="http://schemas.microsoft.com/office/drawing/2014/main" id="{D2F924A9-317E-4E39-98CC-6B0200090472}"/>
-              </a:ext>
-            </a:extLst>
-          </p:cNvPr>
-          <p:cNvSpPr/>
-          <p:nvPr/>
-        </p:nvSpPr>
-        <p:spPr>
-          <a:xfrm>
-            <a:off x="98971" y="363784"/>
-            <a:ext cx="2837135" cy="1471726"/>
-          </a:xfrm>
-          <a:prstGeom prst="roundRect">
-            <a:avLst/>
-          </a:prstGeom>
-          <a:noFill/>
-          <a:ln w="3175">
-            <a:solidFill>
-              <a:schemeClr val="bg1">
-                <a:lumMod val="75000"/>
-              </a:schemeClr>
-            </a:solidFill>
-          </a:ln>
-        </p:spPr>
-        <p:style>
-          <a:lnRef idx="2">
-            <a:schemeClr val="accent1">
-              <a:shade val="50000"/>
-            </a:schemeClr>
-          </a:lnRef>
-          <a:fillRef idx="1">
-            <a:schemeClr val="accent1"/>
-          </a:fillRef>
-          <a:effectRef idx="0">
-            <a:schemeClr val="accent1"/>
-          </a:effectRef>
-          <a:fontRef idx="minor">
-            <a:schemeClr val="lt1"/>
-          </a:fontRef>
-        </p:style>
-        <p:txBody>
-          <a:bodyPr rtlCol="0" anchor="ctr"/>
-          <a:lstStyle/>
-          <a:p>
-            <a:pPr algn="ctr"/>
-            <a:endParaRPr lang="es-ES"/>
-          </a:p>
-        </p:txBody>
-      </p:sp>
-      <p:sp>
-        <p:nvSpPr>
-          <p:cNvPr id="48" name="Rectángulo: esquinas redondeadas 47">
-            <a:extLst>
-              <a:ext uri="{FF2B5EF4-FFF2-40B4-BE49-F238E27FC236}">
-                <a16:creationId xmlns:a16="http://schemas.microsoft.com/office/drawing/2014/main" id="{F67AD72A-0483-4F20-8D11-ACD74DD1241B}"/>
-              </a:ext>
-            </a:extLst>
-          </p:cNvPr>
-          <p:cNvSpPr/>
-          <p:nvPr/>
-        </p:nvSpPr>
-        <p:spPr>
-          <a:xfrm>
-            <a:off x="113721" y="1902533"/>
-            <a:ext cx="2837135" cy="1471726"/>
-          </a:xfrm>
-          <a:prstGeom prst="roundRect">
-            <a:avLst/>
-          </a:prstGeom>
-          <a:noFill/>
-          <a:ln w="3175">
-            <a:solidFill>
-              <a:schemeClr val="bg1">
-                <a:lumMod val="75000"/>
-              </a:schemeClr>
-            </a:solidFill>
-          </a:ln>
-        </p:spPr>
-        <p:style>
-          <a:lnRef idx="2">
-            <a:schemeClr val="accent1">
-              <a:shade val="50000"/>
-            </a:schemeClr>
-          </a:lnRef>
-          <a:fillRef idx="1">
-            <a:schemeClr val="accent1"/>
-          </a:fillRef>
-          <a:effectRef idx="0">
-            <a:schemeClr val="accent1"/>
-          </a:effectRef>
-          <a:fontRef idx="minor">
-            <a:schemeClr val="lt1"/>
-          </a:fontRef>
-        </p:style>
-        <p:txBody>
-          <a:bodyPr rtlCol="0" anchor="ctr"/>
-          <a:lstStyle/>
-          <a:p>
-            <a:pPr algn="ctr"/>
-            <a:endParaRPr lang="es-ES"/>
-          </a:p>
-        </p:txBody>
-      </p:sp>
-      <p:sp>
-        <p:nvSpPr>
-          <p:cNvPr id="49" name="Rectángulo: esquinas redondeadas 48">
-            <a:extLst>
-              <a:ext uri="{FF2B5EF4-FFF2-40B4-BE49-F238E27FC236}">
-                <a16:creationId xmlns:a16="http://schemas.microsoft.com/office/drawing/2014/main" id="{12998CFD-C1F7-434F-BFA2-546FE7D793B3}"/>
-              </a:ext>
-            </a:extLst>
-          </p:cNvPr>
-          <p:cNvSpPr/>
-          <p:nvPr/>
-        </p:nvSpPr>
-        <p:spPr>
-          <a:xfrm>
-            <a:off x="98970" y="3442479"/>
-            <a:ext cx="2837135" cy="1471726"/>
-          </a:xfrm>
-          <a:prstGeom prst="roundRect">
-            <a:avLst/>
-          </a:prstGeom>
-          <a:noFill/>
-          <a:ln w="3175">
-            <a:solidFill>
-              <a:schemeClr val="bg1">
-                <a:lumMod val="75000"/>
-              </a:schemeClr>
-            </a:solidFill>
-          </a:ln>
-        </p:spPr>
-        <p:style>
-          <a:lnRef idx="2">
-            <a:schemeClr val="accent1">
-              <a:shade val="50000"/>
-            </a:schemeClr>
-          </a:lnRef>
-          <a:fillRef idx="1">
-            <a:schemeClr val="accent1"/>
-          </a:fillRef>
-          <a:effectRef idx="0">
-            <a:schemeClr val="accent1"/>
-          </a:effectRef>
-          <a:fontRef idx="minor">
-            <a:schemeClr val="lt1"/>
-          </a:fontRef>
-        </p:style>
-        <p:txBody>
-          <a:bodyPr rtlCol="0" anchor="ctr"/>
-          <a:lstStyle/>
-          <a:p>
-            <a:pPr algn="ctr"/>
-            <a:endParaRPr lang="es-ES"/>
-          </a:p>
-        </p:txBody>
-      </p:sp>
-      <p:sp>
-        <p:nvSpPr>
-          <p:cNvPr id="50" name="Rectángulo: esquinas redondeadas 49">
-            <a:extLst>
-              <a:ext uri="{FF2B5EF4-FFF2-40B4-BE49-F238E27FC236}">
-                <a16:creationId xmlns:a16="http://schemas.microsoft.com/office/drawing/2014/main" id="{8ECA890D-35F2-4AEB-A478-ED11F3381936}"/>
-              </a:ext>
-            </a:extLst>
-          </p:cNvPr>
-          <p:cNvSpPr/>
-          <p:nvPr/>
-        </p:nvSpPr>
-        <p:spPr>
-          <a:xfrm>
-            <a:off x="610249" y="4980060"/>
-            <a:ext cx="1894600" cy="1569656"/>
-          </a:xfrm>
-          <a:prstGeom prst="roundRect">
-            <a:avLst/>
-          </a:prstGeom>
-          <a:noFill/>
-          <a:ln w="3175">
-            <a:solidFill>
-              <a:schemeClr val="bg1">
-                <a:lumMod val="75000"/>
-              </a:schemeClr>
-            </a:solidFill>
-          </a:ln>
-        </p:spPr>
-        <p:style>
-          <a:lnRef idx="2">
-            <a:schemeClr val="accent1">
-              <a:shade val="50000"/>
-            </a:schemeClr>
-          </a:lnRef>
-          <a:fillRef idx="1">
-            <a:schemeClr val="accent1"/>
-          </a:fillRef>
-          <a:effectRef idx="0">
-            <a:schemeClr val="accent1"/>
-          </a:effectRef>
-          <a:fontRef idx="minor">
-            <a:schemeClr val="lt1"/>
-          </a:fontRef>
-        </p:style>
-        <p:txBody>
-          <a:bodyPr rtlCol="0" anchor="ctr"/>
-          <a:lstStyle/>
-          <a:p>
-            <a:pPr algn="ctr"/>
-            <a:endParaRPr lang="es-ES"/>
-          </a:p>
-        </p:txBody>
-      </p:sp>
-      <p:sp>
-        <p:nvSpPr>
-          <p:cNvPr id="47" name="Rectángulo 46">
-            <a:extLst>
-              <a:ext uri="{FF2B5EF4-FFF2-40B4-BE49-F238E27FC236}">
-                <a16:creationId xmlns:a16="http://schemas.microsoft.com/office/drawing/2014/main" id="{DB979E45-1865-47E8-9484-1DC16A403768}"/>
-              </a:ext>
-            </a:extLst>
-          </p:cNvPr>
-          <p:cNvSpPr/>
-          <p:nvPr/>
-        </p:nvSpPr>
-        <p:spPr>
-          <a:xfrm>
-            <a:off x="3494994" y="670167"/>
-            <a:ext cx="3510902" cy="3477875"/>
-          </a:xfrm>
-          <a:prstGeom prst="rect">
-            <a:avLst/>
-          </a:prstGeom>
-          <a:solidFill>
-            <a:schemeClr val="tx1"/>
-          </a:solidFill>
-          <a:ln>
-            <a:noFill/>
-          </a:ln>
-        </p:spPr>
-        <p:txBody>
-          <a:bodyPr wrap="square">
-            <a:spAutoFit/>
-          </a:bodyPr>
-          <a:lstStyle/>
-          <a:p>
-            <a:r>
-              <a:rPr lang="es-ES" sz="1000" b="0" dirty="0">
-                <a:solidFill>
-                  <a:srgbClr val="6A9955"/>
-                </a:solidFill>
-                <a:effectLst/>
-                <a:latin typeface="Consolas" panose="020B0609020204030204" pitchFamily="49" charset="0"/>
-              </a:rPr>
-              <a:t># De éstos </a:t>
-            </a:r>
-            <a:r>
-              <a:rPr lang="es-ES" sz="1000" b="0" dirty="0" err="1">
-                <a:solidFill>
-                  <a:srgbClr val="6A9955"/>
-                </a:solidFill>
-                <a:effectLst/>
-                <a:latin typeface="Consolas" panose="020B0609020204030204" pitchFamily="49" charset="0"/>
-              </a:rPr>
-              <a:t>datasets</a:t>
-            </a:r>
-            <a:r>
-              <a:rPr lang="es-ES" sz="1000" b="0" dirty="0">
-                <a:solidFill>
-                  <a:srgbClr val="6A9955"/>
-                </a:solidFill>
-                <a:effectLst/>
-                <a:latin typeface="Consolas" panose="020B0609020204030204" pitchFamily="49" charset="0"/>
-              </a:rPr>
-              <a:t> usaremos:</a:t>
-            </a:r>
-          </a:p>
-          <a:p>
-            <a:endParaRPr lang="es-ES" sz="1000" b="0" dirty="0">
+            <a:pPr defTabSz="179388"/>
+            <a:endParaRPr lang="es-ES" sz="1000" dirty="0">
               <a:solidFill>
-                <a:srgbClr val="D4D4D4"/>
+                <a:srgbClr val="374151"/>
               </a:solidFill>
-              <a:effectLst/>
-              <a:latin typeface="Consolas" panose="020B0609020204030204" pitchFamily="49" charset="0"/>
             </a:endParaRPr>
           </a:p>
           <a:p>
-            <a:r>
-              <a:rPr lang="es-ES" sz="1000" b="0" dirty="0" err="1">
-                <a:solidFill>
-                  <a:srgbClr val="9CDCFE"/>
-                </a:solidFill>
-                <a:effectLst/>
-                <a:latin typeface="Consolas" panose="020B0609020204030204" pitchFamily="49" charset="0"/>
-              </a:rPr>
-              <a:t>signal</a:t>
-            </a:r>
-            <a:r>
-              <a:rPr lang="es-ES" sz="1000" b="0" dirty="0">
-                <a:solidFill>
-                  <a:srgbClr val="D4D4D4"/>
-                </a:solidFill>
-                <a:effectLst/>
-                <a:latin typeface="Consolas" panose="020B0609020204030204" pitchFamily="49" charset="0"/>
-              </a:rPr>
-              <a:t> = </a:t>
-            </a:r>
-            <a:r>
-              <a:rPr lang="es-ES" sz="1000" b="0" dirty="0" err="1">
-                <a:solidFill>
-                  <a:srgbClr val="9CDCFE"/>
-                </a:solidFill>
-                <a:effectLst/>
-                <a:latin typeface="Consolas" panose="020B0609020204030204" pitchFamily="49" charset="0"/>
-              </a:rPr>
-              <a:t>mat</a:t>
-            </a:r>
-            <a:r>
-              <a:rPr lang="es-ES" sz="1000" b="0" dirty="0">
-                <a:solidFill>
-                  <a:srgbClr val="D4D4D4"/>
-                </a:solidFill>
-                <a:effectLst/>
-                <a:latin typeface="Consolas" panose="020B0609020204030204" pitchFamily="49" charset="0"/>
-              </a:rPr>
-              <a:t>[</a:t>
-            </a:r>
-            <a:r>
-              <a:rPr lang="es-ES" sz="1000" b="0" dirty="0">
-                <a:solidFill>
-                  <a:srgbClr val="CE9178"/>
-                </a:solidFill>
-                <a:effectLst/>
-                <a:latin typeface="Consolas" panose="020B0609020204030204" pitchFamily="49" charset="0"/>
-              </a:rPr>
-              <a:t>'data'</a:t>
-            </a:r>
-            <a:r>
-              <a:rPr lang="es-ES" sz="1000" b="0" dirty="0">
-                <a:solidFill>
-                  <a:srgbClr val="D4D4D4"/>
-                </a:solidFill>
-                <a:effectLst/>
-                <a:latin typeface="Consolas" panose="020B0609020204030204" pitchFamily="49" charset="0"/>
-              </a:rPr>
-              <a:t>][</a:t>
-            </a:r>
-            <a:r>
-              <a:rPr lang="es-ES" sz="1000" b="0" dirty="0">
-                <a:solidFill>
-                  <a:srgbClr val="B5CEA8"/>
-                </a:solidFill>
-                <a:effectLst/>
-                <a:latin typeface="Consolas" panose="020B0609020204030204" pitchFamily="49" charset="0"/>
-              </a:rPr>
-              <a:t>0</a:t>
-            </a:r>
-            <a:r>
-              <a:rPr lang="es-ES" sz="1000" b="0" dirty="0">
-                <a:solidFill>
-                  <a:srgbClr val="D4D4D4"/>
-                </a:solidFill>
-                <a:effectLst/>
-                <a:latin typeface="Consolas" panose="020B0609020204030204" pitchFamily="49" charset="0"/>
-              </a:rPr>
-              <a:t>][</a:t>
-            </a:r>
-            <a:r>
-              <a:rPr lang="es-ES" sz="1000" b="0" dirty="0">
-                <a:solidFill>
-                  <a:srgbClr val="B5CEA8"/>
-                </a:solidFill>
-                <a:effectLst/>
-                <a:latin typeface="Consolas" panose="020B0609020204030204" pitchFamily="49" charset="0"/>
-              </a:rPr>
-              <a:t>0</a:t>
-            </a:r>
-            <a:r>
-              <a:rPr lang="es-ES" sz="1000" b="0" dirty="0">
-                <a:solidFill>
-                  <a:srgbClr val="D4D4D4"/>
-                </a:solidFill>
-                <a:effectLst/>
-                <a:latin typeface="Consolas" panose="020B0609020204030204" pitchFamily="49" charset="0"/>
-              </a:rPr>
-              <a:t>][</a:t>
-            </a:r>
-            <a:r>
-              <a:rPr lang="es-ES" sz="1000" b="0" dirty="0">
-                <a:solidFill>
-                  <a:srgbClr val="B5CEA8"/>
-                </a:solidFill>
-                <a:effectLst/>
-                <a:latin typeface="Consolas" panose="020B0609020204030204" pitchFamily="49" charset="0"/>
-              </a:rPr>
-              <a:t>0</a:t>
-            </a:r>
-            <a:r>
-              <a:rPr lang="es-ES" sz="1000" b="0" dirty="0">
-                <a:solidFill>
-                  <a:srgbClr val="D4D4D4"/>
-                </a:solidFill>
-                <a:effectLst/>
-                <a:latin typeface="Consolas" panose="020B0609020204030204" pitchFamily="49" charset="0"/>
-              </a:rPr>
-              <a:t>] </a:t>
-            </a:r>
-          </a:p>
-          <a:p>
-            <a:r>
-              <a:rPr lang="es-ES" sz="1000" dirty="0">
-                <a:solidFill>
-                  <a:srgbClr val="6A9955"/>
-                </a:solidFill>
-                <a:latin typeface="Consolas" panose="020B0609020204030204" pitchFamily="49" charset="0"/>
-              </a:rPr>
-              <a:t># Señal principal. contiene el EEG basal.</a:t>
-            </a:r>
-            <a:br>
-              <a:rPr lang="es-ES" sz="1000" b="0" dirty="0">
-                <a:solidFill>
-                  <a:srgbClr val="D4D4D4"/>
-                </a:solidFill>
-                <a:effectLst/>
-                <a:latin typeface="Consolas" panose="020B0609020204030204" pitchFamily="49" charset="0"/>
-              </a:rPr>
-            </a:br>
-            <a:endParaRPr lang="es-ES" sz="1000" b="0" dirty="0">
+            <a:pPr marL="171450" indent="-171450" defTabSz="179388">
+              <a:buFont typeface="Arial" panose="020B0604020202020204" pitchFamily="34" charset="0"/>
+              <a:buChar char="•"/>
+            </a:pPr>
+            <a:r>
+              <a:rPr lang="es-ES" sz="1000" i="1" dirty="0">
+                <a:solidFill>
+                  <a:srgbClr val="374151"/>
+                </a:solidFill>
+              </a:rPr>
+              <a:t>La figura 3 muestra una muestra de 5 segundos de la señal EEG obtenida con la biblioteca MNE [73]. El canal S representa los doce diferentes marcadores de estímulo (columnas o filas), mientras que el canal L representa la etiqueta (Verdadero vs. Falso). Las etiquetas se representan mediante señales cuadradas. Los segmentos Falsos se marcan con señales cuadradas de amplitud única mientras que los segmentos Verdaderos se identifican mediante señales cuadradas de doble amplitud. La </a:t>
+            </a:r>
+            <a:r>
+              <a:rPr lang="es-ES" sz="1000" i="1" dirty="0" err="1">
+                <a:solidFill>
+                  <a:srgbClr val="374151"/>
+                </a:solidFill>
+              </a:rPr>
+              <a:t>subfigura</a:t>
+            </a:r>
+            <a:r>
+              <a:rPr lang="es-ES" sz="1000" i="1" dirty="0">
+                <a:solidFill>
+                  <a:srgbClr val="374151"/>
+                </a:solidFill>
+              </a:rPr>
+              <a:t> (a) muestra las señales antes de que se superponga la plantilla ERP, mientras que la </a:t>
+            </a:r>
+            <a:r>
+              <a:rPr lang="es-ES" sz="1000" i="1" dirty="0" err="1">
+                <a:solidFill>
+                  <a:srgbClr val="374151"/>
+                </a:solidFill>
+              </a:rPr>
+              <a:t>subfigura</a:t>
+            </a:r>
+            <a:r>
+              <a:rPr lang="es-ES" sz="1000" i="1" dirty="0">
+                <a:solidFill>
+                  <a:srgbClr val="374151"/>
+                </a:solidFill>
+              </a:rPr>
+              <a:t> (b) muestra las mismas señales con la plantilla ERP superpuesta. A primera vista, las diferencias son realmente difíciles de detectar visualmente. Las </a:t>
+            </a:r>
+            <a:r>
+              <a:rPr lang="es-ES" sz="1000" i="1" dirty="0" err="1">
+                <a:solidFill>
+                  <a:srgbClr val="374151"/>
+                </a:solidFill>
+              </a:rPr>
+              <a:t>subfiguras</a:t>
+            </a:r>
+            <a:r>
+              <a:rPr lang="es-ES" sz="1000" i="1" dirty="0">
+                <a:solidFill>
+                  <a:srgbClr val="374151"/>
+                </a:solidFill>
+              </a:rPr>
+              <a:t> (c) y (d) muestran solo un segundo de los canales </a:t>
+            </a:r>
+            <a:r>
+              <a:rPr lang="es-ES" sz="1000" i="1" dirty="0" err="1">
+                <a:solidFill>
+                  <a:srgbClr val="374151"/>
+                </a:solidFill>
+              </a:rPr>
+              <a:t>Cz</a:t>
+            </a:r>
+            <a:r>
+              <a:rPr lang="es-ES" sz="1000" i="1" dirty="0">
+                <a:solidFill>
+                  <a:srgbClr val="374151"/>
+                </a:solidFill>
+              </a:rPr>
+              <a:t> y L del mismo segmento. La ERP superpuesta puede ser vista encerrada por las barras verticales, alrededor de los 31.5 s, donde en (d) el pico es ligeramente mayor. La figura 4 muestra las </a:t>
+            </a:r>
+            <a:r>
+              <a:rPr lang="es-ES" sz="1000" i="1" dirty="0" err="1">
+                <a:solidFill>
+                  <a:srgbClr val="374151"/>
+                </a:solidFill>
+              </a:rPr>
+              <a:t>ERPs</a:t>
+            </a:r>
+            <a:r>
+              <a:rPr lang="es-ES" sz="1000" i="1" dirty="0">
+                <a:solidFill>
+                  <a:srgbClr val="374151"/>
+                </a:solidFill>
+              </a:rPr>
+              <a:t> promediadas punto por punto obtenidas como resultado de la superposición de la señal de plantilla en la secuencia EEG, sincronizada con el inicio del estímulo. Estos 12 segmentos promediados punto por punto corresponden al primer ensayo de la secuencia EEG.</a:t>
+            </a:r>
+          </a:p>
+          <a:p>
+            <a:pPr marL="171450" indent="-171450" defTabSz="179388">
+              <a:buFont typeface="Arial" panose="020B0604020202020204" pitchFamily="34" charset="0"/>
+              <a:buChar char="•"/>
+            </a:pPr>
+            <a:r>
+              <a:rPr lang="es-ES" sz="1000" i="1" dirty="0">
+                <a:solidFill>
+                  <a:srgbClr val="374151"/>
+                </a:solidFill>
+              </a:rPr>
+              <a:t>Figura 3. Se muestra la señal EEG de ocho canales para el Sujeto Número 1 del conjunto de datos </a:t>
+            </a:r>
+            <a:r>
+              <a:rPr lang="es-ES" sz="1000" i="1" dirty="0" err="1">
+                <a:solidFill>
+                  <a:srgbClr val="374151"/>
+                </a:solidFill>
+              </a:rPr>
+              <a:t>pseudo-real</a:t>
+            </a:r>
+            <a:r>
+              <a:rPr lang="es-ES" sz="1000" i="1" dirty="0">
+                <a:solidFill>
+                  <a:srgbClr val="374151"/>
+                </a:solidFill>
+              </a:rPr>
+              <a:t> sin y con la superposición de la Plantilla ERP. Se muestra el canal L, la marca que identifica dónde se debe superponer la Plantilla P300 ERP, así como el canal S que identifica el estímulo que se presentó. En (</a:t>
+            </a:r>
+            <a:r>
+              <a:rPr lang="es-ES" sz="1000" i="1" dirty="0" err="1">
+                <a:solidFill>
+                  <a:srgbClr val="374151"/>
+                </a:solidFill>
+              </a:rPr>
+              <a:t>c,d</a:t>
+            </a:r>
+            <a:r>
+              <a:rPr lang="es-ES" sz="1000" i="1" dirty="0">
+                <a:solidFill>
+                  <a:srgbClr val="374151"/>
+                </a:solidFill>
+              </a:rPr>
+              <a:t>) se puede ver la pequeña variación que se introdujo mediante la superposición de la ERP, que está encerrada por las barras verticales, donde la pendiente de la curva en la </a:t>
+            </a:r>
+            <a:r>
+              <a:rPr lang="es-ES" sz="1000" i="1" dirty="0" err="1">
+                <a:solidFill>
+                  <a:srgbClr val="374151"/>
+                </a:solidFill>
+              </a:rPr>
+              <a:t>subfigura</a:t>
+            </a:r>
+            <a:r>
+              <a:rPr lang="es-ES" sz="1000" i="1" dirty="0">
+                <a:solidFill>
+                  <a:srgbClr val="374151"/>
+                </a:solidFill>
+              </a:rPr>
+              <a:t> (d) es ligeramente mayor.</a:t>
+            </a:r>
+          </a:p>
+          <a:p>
+            <a:r>
+              <a:rPr lang="es-ES" sz="1000" i="1" dirty="0">
+                <a:solidFill>
+                  <a:srgbClr val="374151"/>
+                </a:solidFill>
+              </a:rPr>
+              <a:t>Figura 4. Se muestran las señales promediadas punto a punto. Estas se extraen del primer ensayo de identificación de letras del Sujeto 1 del conjunto de datos </a:t>
+            </a:r>
+            <a:r>
+              <a:rPr lang="es-ES" sz="1000" i="1" dirty="0" err="1">
+                <a:solidFill>
+                  <a:srgbClr val="374151"/>
+                </a:solidFill>
+              </a:rPr>
+              <a:t>pseudo-real</a:t>
+            </a:r>
+            <a:r>
+              <a:rPr lang="es-ES" sz="1000" i="1" dirty="0">
+                <a:solidFill>
+                  <a:srgbClr val="374151"/>
+                </a:solidFill>
+              </a:rPr>
+              <a:t>. La ERP se superpone en las clases 3 y 9. La clase 3 se obtiene al promediar los segmentos en los que se intensifica la fila de la matriz del </a:t>
+            </a:r>
+            <a:r>
+              <a:rPr lang="es-ES" sz="1000" i="1" dirty="0" err="1">
+                <a:solidFill>
+                  <a:srgbClr val="374151"/>
+                </a:solidFill>
+              </a:rPr>
+              <a:t>speller</a:t>
+            </a:r>
+            <a:r>
+              <a:rPr lang="es-ES" sz="1000" i="1" dirty="0">
+                <a:solidFill>
+                  <a:srgbClr val="374151"/>
+                </a:solidFill>
+              </a:rPr>
+              <a:t>, mientras que la clase 9 se calcula a partir de la intensificación de la columna correspondiente.</a:t>
+            </a:r>
+          </a:p>
+          <a:p>
+            <a:r>
+              <a:rPr lang="es-ES" sz="1000" i="1" dirty="0">
+                <a:solidFill>
+                  <a:srgbClr val="374151"/>
+                </a:solidFill>
+              </a:rPr>
+              <a:t>En resumen, la Figura 3 muestra cómo la Plantilla P300 ERP se superpone a la señal EEG del sujeto para crear una señal compuesta que puede utilizarse para la identificación de letras en el experimento BCI. La Figura 4 muestra los resultados de este proceso de superposición, que incluye la extracción de señales promediadas punto a punto para diferentes clases de estímulos y el uso de estas señales para la identificación de letras. Estas figuras son útiles para ilustrar la metodología utilizada en el estudio y para mostrar los resultados obtenidos.</a:t>
+            </a:r>
+          </a:p>
+          <a:p>
+            <a:endParaRPr lang="es-ES" sz="1200" dirty="0">
               <a:solidFill>
-                <a:srgbClr val="D4D4D4"/>
+                <a:srgbClr val="374151"/>
               </a:solidFill>
-              <a:effectLst/>
-              <a:latin typeface="Consolas" panose="020B0609020204030204" pitchFamily="49" charset="0"/>
             </a:endParaRPr>
           </a:p>
-          <a:p>
-            <a:r>
-              <a:rPr lang="es-ES" sz="1000" b="0" dirty="0" err="1">
-                <a:solidFill>
-                  <a:srgbClr val="9CDCFE"/>
-                </a:solidFill>
-                <a:effectLst/>
-                <a:latin typeface="Consolas" panose="020B0609020204030204" pitchFamily="49" charset="0"/>
-              </a:rPr>
-              <a:t>t_trials</a:t>
-            </a:r>
-            <a:r>
-              <a:rPr lang="es-ES" sz="1000" b="0" dirty="0">
-                <a:solidFill>
-                  <a:srgbClr val="D4D4D4"/>
-                </a:solidFill>
-                <a:effectLst/>
-                <a:latin typeface="Consolas" panose="020B0609020204030204" pitchFamily="49" charset="0"/>
-              </a:rPr>
-              <a:t> = </a:t>
-            </a:r>
-            <a:r>
-              <a:rPr lang="es-ES" sz="1000" b="0" dirty="0" err="1">
-                <a:solidFill>
-                  <a:srgbClr val="9CDCFE"/>
-                </a:solidFill>
-                <a:effectLst/>
-                <a:latin typeface="Consolas" panose="020B0609020204030204" pitchFamily="49" charset="0"/>
-              </a:rPr>
-              <a:t>mat</a:t>
-            </a:r>
-            <a:r>
-              <a:rPr lang="es-ES" sz="1000" b="0" dirty="0">
-                <a:solidFill>
-                  <a:srgbClr val="D4D4D4"/>
-                </a:solidFill>
-                <a:effectLst/>
-                <a:latin typeface="Consolas" panose="020B0609020204030204" pitchFamily="49" charset="0"/>
-              </a:rPr>
-              <a:t>[</a:t>
-            </a:r>
-            <a:r>
-              <a:rPr lang="es-ES" sz="1000" b="0" dirty="0">
-                <a:solidFill>
-                  <a:srgbClr val="CE9178"/>
-                </a:solidFill>
-                <a:effectLst/>
-                <a:latin typeface="Consolas" panose="020B0609020204030204" pitchFamily="49" charset="0"/>
-              </a:rPr>
-              <a:t>'data'</a:t>
-            </a:r>
-            <a:r>
-              <a:rPr lang="es-ES" sz="1000" b="0" dirty="0">
-                <a:solidFill>
-                  <a:srgbClr val="D4D4D4"/>
-                </a:solidFill>
-                <a:effectLst/>
-                <a:latin typeface="Consolas" panose="020B0609020204030204" pitchFamily="49" charset="0"/>
-              </a:rPr>
-              <a:t>][</a:t>
-            </a:r>
-            <a:r>
-              <a:rPr lang="es-ES" sz="1000" b="0" dirty="0">
-                <a:solidFill>
-                  <a:srgbClr val="B5CEA8"/>
-                </a:solidFill>
-                <a:effectLst/>
-                <a:latin typeface="Consolas" panose="020B0609020204030204" pitchFamily="49" charset="0"/>
-              </a:rPr>
-              <a:t>0</a:t>
-            </a:r>
-            <a:r>
-              <a:rPr lang="es-ES" sz="1000" b="0" dirty="0">
-                <a:solidFill>
-                  <a:srgbClr val="D4D4D4"/>
-                </a:solidFill>
-                <a:effectLst/>
-                <a:latin typeface="Consolas" panose="020B0609020204030204" pitchFamily="49" charset="0"/>
-              </a:rPr>
-              <a:t>][</a:t>
-            </a:r>
-            <a:r>
-              <a:rPr lang="es-ES" sz="1000" b="0" dirty="0">
-                <a:solidFill>
-                  <a:srgbClr val="B5CEA8"/>
-                </a:solidFill>
-                <a:effectLst/>
-                <a:latin typeface="Consolas" panose="020B0609020204030204" pitchFamily="49" charset="0"/>
-              </a:rPr>
-              <a:t>0</a:t>
-            </a:r>
-            <a:r>
-              <a:rPr lang="es-ES" sz="1000" b="0" dirty="0">
-                <a:solidFill>
-                  <a:srgbClr val="D4D4D4"/>
-                </a:solidFill>
-                <a:effectLst/>
-                <a:latin typeface="Consolas" panose="020B0609020204030204" pitchFamily="49" charset="0"/>
-              </a:rPr>
-              <a:t>][</a:t>
-            </a:r>
-            <a:r>
-              <a:rPr lang="es-ES" sz="1000" b="0" dirty="0">
-                <a:solidFill>
-                  <a:srgbClr val="B5CEA8"/>
-                </a:solidFill>
-                <a:effectLst/>
-                <a:latin typeface="Consolas" panose="020B0609020204030204" pitchFamily="49" charset="0"/>
-              </a:rPr>
-              <a:t>3</a:t>
-            </a:r>
-            <a:r>
-              <a:rPr lang="es-ES" sz="1000" b="0" dirty="0">
-                <a:solidFill>
-                  <a:srgbClr val="D4D4D4"/>
-                </a:solidFill>
-                <a:effectLst/>
-                <a:latin typeface="Consolas" panose="020B0609020204030204" pitchFamily="49" charset="0"/>
-              </a:rPr>
-              <a:t>]</a:t>
-            </a:r>
-          </a:p>
-          <a:p>
-            <a:r>
-              <a:rPr lang="es-ES" sz="1000" dirty="0">
-                <a:solidFill>
-                  <a:srgbClr val="6A9955"/>
-                </a:solidFill>
-                <a:latin typeface="Consolas" panose="020B0609020204030204" pitchFamily="49" charset="0"/>
-              </a:rPr>
-              <a:t># Punto muestral donde empieza cada uno de los 35 triales.</a:t>
-            </a:r>
-          </a:p>
-          <a:p>
-            <a:r>
-              <a:rPr lang="es-AR" sz="1000" b="0" dirty="0">
-                <a:solidFill>
-                  <a:srgbClr val="6A9955"/>
-                </a:solidFill>
-                <a:effectLst/>
-                <a:latin typeface="Consolas" panose="020B0609020204030204" pitchFamily="49" charset="0"/>
-              </a:rPr>
-              <a:t>VOLVER A LEER LA DESCRIPCIÓN DEL EXPERIMENTO.</a:t>
-            </a:r>
-            <a:endParaRPr lang="es-ES" sz="1000" b="0" dirty="0">
-              <a:solidFill>
-                <a:srgbClr val="6A9955"/>
-              </a:solidFill>
-              <a:effectLst/>
-              <a:latin typeface="Consolas" panose="020B0609020204030204" pitchFamily="49" charset="0"/>
-            </a:endParaRPr>
-          </a:p>
-          <a:p>
-            <a:br>
-              <a:rPr lang="es-ES" sz="1000" b="0" dirty="0">
-                <a:solidFill>
-                  <a:srgbClr val="D4D4D4"/>
-                </a:solidFill>
-                <a:effectLst/>
-                <a:latin typeface="Consolas" panose="020B0609020204030204" pitchFamily="49" charset="0"/>
-              </a:rPr>
-            </a:br>
-            <a:r>
-              <a:rPr lang="es-ES" sz="1000" b="0" dirty="0" err="1">
-                <a:solidFill>
-                  <a:srgbClr val="9CDCFE"/>
-                </a:solidFill>
-                <a:effectLst/>
-                <a:latin typeface="Consolas" panose="020B0609020204030204" pitchFamily="49" charset="0"/>
-              </a:rPr>
-              <a:t>t_flash</a:t>
-            </a:r>
-            <a:r>
-              <a:rPr lang="es-ES" sz="1000" b="0" dirty="0">
-                <a:solidFill>
-                  <a:srgbClr val="D4D4D4"/>
-                </a:solidFill>
-                <a:effectLst/>
-                <a:latin typeface="Consolas" panose="020B0609020204030204" pitchFamily="49" charset="0"/>
-              </a:rPr>
-              <a:t> = </a:t>
-            </a:r>
-            <a:r>
-              <a:rPr lang="es-ES" sz="1000" b="0" dirty="0" err="1">
-                <a:solidFill>
-                  <a:srgbClr val="9CDCFE"/>
-                </a:solidFill>
-                <a:effectLst/>
-                <a:latin typeface="Consolas" panose="020B0609020204030204" pitchFamily="49" charset="0"/>
-              </a:rPr>
-              <a:t>mat</a:t>
-            </a:r>
-            <a:r>
-              <a:rPr lang="es-ES" sz="1000" b="0" dirty="0">
-                <a:solidFill>
-                  <a:srgbClr val="D4D4D4"/>
-                </a:solidFill>
-                <a:effectLst/>
-                <a:latin typeface="Consolas" panose="020B0609020204030204" pitchFamily="49" charset="0"/>
-              </a:rPr>
-              <a:t>[</a:t>
-            </a:r>
-            <a:r>
-              <a:rPr lang="es-ES" sz="1000" b="0" dirty="0">
-                <a:solidFill>
-                  <a:srgbClr val="CE9178"/>
-                </a:solidFill>
-                <a:effectLst/>
-                <a:latin typeface="Consolas" panose="020B0609020204030204" pitchFamily="49" charset="0"/>
-              </a:rPr>
-              <a:t>'data'</a:t>
-            </a:r>
-            <a:r>
-              <a:rPr lang="es-ES" sz="1000" b="0" dirty="0">
-                <a:solidFill>
-                  <a:srgbClr val="D4D4D4"/>
-                </a:solidFill>
-                <a:effectLst/>
-                <a:latin typeface="Consolas" panose="020B0609020204030204" pitchFamily="49" charset="0"/>
-              </a:rPr>
-              <a:t>][</a:t>
-            </a:r>
-            <a:r>
-              <a:rPr lang="es-ES" sz="1000" b="0" dirty="0">
-                <a:solidFill>
-                  <a:srgbClr val="B5CEA8"/>
-                </a:solidFill>
-                <a:effectLst/>
-                <a:latin typeface="Consolas" panose="020B0609020204030204" pitchFamily="49" charset="0"/>
-              </a:rPr>
-              <a:t>0</a:t>
-            </a:r>
-            <a:r>
-              <a:rPr lang="es-ES" sz="1000" b="0" dirty="0">
-                <a:solidFill>
-                  <a:srgbClr val="D4D4D4"/>
-                </a:solidFill>
-                <a:effectLst/>
-                <a:latin typeface="Consolas" panose="020B0609020204030204" pitchFamily="49" charset="0"/>
-              </a:rPr>
-              <a:t>][</a:t>
-            </a:r>
-            <a:r>
-              <a:rPr lang="es-ES" sz="1000" b="0" dirty="0">
-                <a:solidFill>
-                  <a:srgbClr val="B5CEA8"/>
-                </a:solidFill>
-                <a:effectLst/>
-                <a:latin typeface="Consolas" panose="020B0609020204030204" pitchFamily="49" charset="0"/>
-              </a:rPr>
-              <a:t>0</a:t>
-            </a:r>
-            <a:r>
-              <a:rPr lang="es-ES" sz="1000" b="0" dirty="0">
-                <a:solidFill>
-                  <a:srgbClr val="D4D4D4"/>
-                </a:solidFill>
-                <a:effectLst/>
-                <a:latin typeface="Consolas" panose="020B0609020204030204" pitchFamily="49" charset="0"/>
-              </a:rPr>
-              <a:t>][</a:t>
-            </a:r>
-            <a:r>
-              <a:rPr lang="es-ES" sz="1000" b="0" dirty="0">
-                <a:solidFill>
-                  <a:srgbClr val="B5CEA8"/>
-                </a:solidFill>
-                <a:effectLst/>
-                <a:latin typeface="Consolas" panose="020B0609020204030204" pitchFamily="49" charset="0"/>
-              </a:rPr>
-              <a:t>4</a:t>
-            </a:r>
-            <a:r>
-              <a:rPr lang="es-ES" sz="1000" b="0" dirty="0">
-                <a:solidFill>
-                  <a:srgbClr val="D4D4D4"/>
-                </a:solidFill>
-                <a:effectLst/>
-                <a:latin typeface="Consolas" panose="020B0609020204030204" pitchFamily="49" charset="0"/>
-              </a:rPr>
-              <a:t>]</a:t>
-            </a:r>
-          </a:p>
-          <a:p>
-            <a:r>
-              <a:rPr lang="es-ES" sz="1000" dirty="0">
-                <a:solidFill>
-                  <a:srgbClr val="6A9955"/>
-                </a:solidFill>
-                <a:latin typeface="Consolas" panose="020B0609020204030204" pitchFamily="49" charset="0"/>
-              </a:rPr>
-              <a:t># Muestra que contiene los puntos donde cada parpadeo inicia. Está conformado por: </a:t>
-            </a:r>
-            <a:r>
-              <a:rPr lang="en-US" sz="1000" dirty="0">
-                <a:solidFill>
-                  <a:srgbClr val="6A9955"/>
-                </a:solidFill>
-                <a:latin typeface="Consolas" panose="020B0609020204030204" pitchFamily="49" charset="0"/>
-              </a:rPr>
-              <a:t>sample point id, duration, stimulation, hit/</a:t>
-            </a:r>
-            <a:r>
-              <a:rPr lang="en-US" sz="1000" dirty="0" err="1">
-                <a:solidFill>
-                  <a:srgbClr val="6A9955"/>
-                </a:solidFill>
-                <a:latin typeface="Consolas" panose="020B0609020204030204" pitchFamily="49" charset="0"/>
-              </a:rPr>
-              <a:t>nohit</a:t>
-            </a:r>
-            <a:r>
-              <a:rPr lang="en-US" sz="1000" dirty="0">
-                <a:solidFill>
-                  <a:srgbClr val="6A9955"/>
-                </a:solidFill>
-                <a:latin typeface="Consolas" panose="020B0609020204030204" pitchFamily="49" charset="0"/>
-              </a:rPr>
-              <a:t>. </a:t>
-            </a:r>
-          </a:p>
-          <a:p>
-            <a:br>
-              <a:rPr lang="es-ES" sz="1000" dirty="0">
-                <a:solidFill>
-                  <a:srgbClr val="6A9955"/>
-                </a:solidFill>
-                <a:latin typeface="Consolas" panose="020B0609020204030204" pitchFamily="49" charset="0"/>
-              </a:rPr>
-            </a:br>
-            <a:r>
-              <a:rPr lang="es-ES" sz="1000" b="0" dirty="0" err="1">
-                <a:solidFill>
-                  <a:srgbClr val="9CDCFE"/>
-                </a:solidFill>
-                <a:effectLst/>
-                <a:latin typeface="Consolas" panose="020B0609020204030204" pitchFamily="49" charset="0"/>
-              </a:rPr>
-              <a:t>t_stim</a:t>
-            </a:r>
-            <a:r>
-              <a:rPr lang="es-ES" sz="1000" b="0" dirty="0">
-                <a:solidFill>
-                  <a:srgbClr val="D4D4D4"/>
-                </a:solidFill>
-                <a:effectLst/>
-                <a:latin typeface="Consolas" panose="020B0609020204030204" pitchFamily="49" charset="0"/>
-              </a:rPr>
-              <a:t> = </a:t>
-            </a:r>
-            <a:r>
-              <a:rPr lang="es-ES" sz="1000" b="0" dirty="0" err="1">
-                <a:solidFill>
-                  <a:srgbClr val="9CDCFE"/>
-                </a:solidFill>
-                <a:effectLst/>
-                <a:latin typeface="Consolas" panose="020B0609020204030204" pitchFamily="49" charset="0"/>
-              </a:rPr>
-              <a:t>mat</a:t>
-            </a:r>
-            <a:r>
-              <a:rPr lang="es-ES" sz="1000" b="0" dirty="0">
-                <a:solidFill>
-                  <a:srgbClr val="D4D4D4"/>
-                </a:solidFill>
-                <a:effectLst/>
-                <a:latin typeface="Consolas" panose="020B0609020204030204" pitchFamily="49" charset="0"/>
-              </a:rPr>
-              <a:t>[</a:t>
-            </a:r>
-            <a:r>
-              <a:rPr lang="es-ES" sz="1000" b="0" dirty="0">
-                <a:solidFill>
-                  <a:srgbClr val="CE9178"/>
-                </a:solidFill>
-                <a:effectLst/>
-                <a:latin typeface="Consolas" panose="020B0609020204030204" pitchFamily="49" charset="0"/>
-              </a:rPr>
-              <a:t>'data'</a:t>
-            </a:r>
-            <a:r>
-              <a:rPr lang="es-ES" sz="1000" b="0" dirty="0">
-                <a:solidFill>
-                  <a:srgbClr val="D4D4D4"/>
-                </a:solidFill>
-                <a:effectLst/>
-                <a:latin typeface="Consolas" panose="020B0609020204030204" pitchFamily="49" charset="0"/>
-              </a:rPr>
-              <a:t>][</a:t>
-            </a:r>
-            <a:r>
-              <a:rPr lang="es-ES" sz="1000" b="0" dirty="0">
-                <a:solidFill>
-                  <a:srgbClr val="B5CEA8"/>
-                </a:solidFill>
-                <a:effectLst/>
-                <a:latin typeface="Consolas" panose="020B0609020204030204" pitchFamily="49" charset="0"/>
-              </a:rPr>
-              <a:t>0</a:t>
-            </a:r>
-            <a:r>
-              <a:rPr lang="es-ES" sz="1000" b="0" dirty="0">
-                <a:solidFill>
-                  <a:srgbClr val="D4D4D4"/>
-                </a:solidFill>
-                <a:effectLst/>
-                <a:latin typeface="Consolas" panose="020B0609020204030204" pitchFamily="49" charset="0"/>
-              </a:rPr>
-              <a:t>][</a:t>
-            </a:r>
-            <a:r>
-              <a:rPr lang="es-ES" sz="1000" b="0" dirty="0">
-                <a:solidFill>
-                  <a:srgbClr val="B5CEA8"/>
-                </a:solidFill>
-                <a:effectLst/>
-                <a:latin typeface="Consolas" panose="020B0609020204030204" pitchFamily="49" charset="0"/>
-              </a:rPr>
-              <a:t>0</a:t>
-            </a:r>
-            <a:r>
-              <a:rPr lang="es-ES" sz="1000" b="0" dirty="0">
-                <a:solidFill>
-                  <a:srgbClr val="D4D4D4"/>
-                </a:solidFill>
-                <a:effectLst/>
-                <a:latin typeface="Consolas" panose="020B0609020204030204" pitchFamily="49" charset="0"/>
-              </a:rPr>
-              <a:t>][</a:t>
-            </a:r>
-            <a:r>
-              <a:rPr lang="es-ES" sz="1000" b="0" dirty="0">
-                <a:solidFill>
-                  <a:srgbClr val="B5CEA8"/>
-                </a:solidFill>
-                <a:effectLst/>
-                <a:latin typeface="Consolas" panose="020B0609020204030204" pitchFamily="49" charset="0"/>
-              </a:rPr>
-              <a:t>2</a:t>
-            </a:r>
-            <a:r>
-              <a:rPr lang="es-ES" sz="1000" b="0" dirty="0">
-                <a:solidFill>
-                  <a:srgbClr val="D4D4D4"/>
-                </a:solidFill>
-                <a:effectLst/>
-                <a:latin typeface="Consolas" panose="020B0609020204030204" pitchFamily="49" charset="0"/>
-              </a:rPr>
-              <a:t>]</a:t>
-            </a:r>
-          </a:p>
-          <a:p>
-            <a:r>
-              <a:rPr lang="es-AR" sz="1000" dirty="0">
-                <a:solidFill>
-                  <a:srgbClr val="6A9955"/>
-                </a:solidFill>
-                <a:latin typeface="Consolas" panose="020B0609020204030204" pitchFamily="49" charset="0"/>
-              </a:rPr>
-              <a:t>#</a:t>
-            </a:r>
-            <a:r>
-              <a:rPr lang="es-ES" sz="1000" dirty="0">
-                <a:solidFill>
-                  <a:srgbClr val="6A9955"/>
-                </a:solidFill>
-                <a:latin typeface="Consolas" panose="020B0609020204030204" pitchFamily="49" charset="0"/>
-              </a:rPr>
-              <a:t> Es la señal que contiene el </a:t>
-            </a:r>
-          </a:p>
-          <a:p>
-            <a:r>
-              <a:rPr lang="es-ES" sz="1000" dirty="0">
-                <a:solidFill>
-                  <a:srgbClr val="6A9955"/>
-                </a:solidFill>
-                <a:latin typeface="Consolas" panose="020B0609020204030204" pitchFamily="49" charset="0"/>
-              </a:rPr>
-              <a:t># estímulo, 1-6 filas, 7-12 columnas</a:t>
-            </a:r>
-          </a:p>
-          <a:p>
-            <a:endParaRPr lang="es-ES" sz="1000" b="0" dirty="0">
-              <a:solidFill>
-                <a:srgbClr val="9CDCFE"/>
-              </a:solidFill>
-              <a:effectLst/>
-              <a:latin typeface="Consolas" panose="020B0609020204030204" pitchFamily="49" charset="0"/>
-            </a:endParaRPr>
-          </a:p>
-          <a:p>
-            <a:r>
-              <a:rPr lang="es-ES" sz="1000" b="0" dirty="0" err="1">
-                <a:solidFill>
-                  <a:srgbClr val="9CDCFE"/>
-                </a:solidFill>
-                <a:effectLst/>
-                <a:latin typeface="Consolas" panose="020B0609020204030204" pitchFamily="49" charset="0"/>
-              </a:rPr>
-              <a:t>t_type</a:t>
-            </a:r>
-            <a:r>
-              <a:rPr lang="es-ES" sz="1000" b="0" dirty="0">
-                <a:solidFill>
-                  <a:srgbClr val="D4D4D4"/>
-                </a:solidFill>
-                <a:effectLst/>
-                <a:latin typeface="Consolas" panose="020B0609020204030204" pitchFamily="49" charset="0"/>
-              </a:rPr>
-              <a:t> = </a:t>
-            </a:r>
-            <a:r>
-              <a:rPr lang="es-ES" sz="1000" b="0" dirty="0" err="1">
-                <a:solidFill>
-                  <a:srgbClr val="9CDCFE"/>
-                </a:solidFill>
-                <a:effectLst/>
-                <a:latin typeface="Consolas" panose="020B0609020204030204" pitchFamily="49" charset="0"/>
-              </a:rPr>
-              <a:t>mat</a:t>
-            </a:r>
-            <a:r>
-              <a:rPr lang="es-ES" sz="1000" b="0" dirty="0">
-                <a:solidFill>
-                  <a:srgbClr val="D4D4D4"/>
-                </a:solidFill>
-                <a:effectLst/>
-                <a:latin typeface="Consolas" panose="020B0609020204030204" pitchFamily="49" charset="0"/>
-              </a:rPr>
-              <a:t>[</a:t>
-            </a:r>
-            <a:r>
-              <a:rPr lang="es-ES" sz="1000" b="0" dirty="0">
-                <a:solidFill>
-                  <a:srgbClr val="CE9178"/>
-                </a:solidFill>
-                <a:effectLst/>
-                <a:latin typeface="Consolas" panose="020B0609020204030204" pitchFamily="49" charset="0"/>
-              </a:rPr>
-              <a:t>'data'</a:t>
-            </a:r>
-            <a:r>
-              <a:rPr lang="es-ES" sz="1000" b="0" dirty="0">
-                <a:solidFill>
-                  <a:srgbClr val="D4D4D4"/>
-                </a:solidFill>
-                <a:effectLst/>
-                <a:latin typeface="Consolas" panose="020B0609020204030204" pitchFamily="49" charset="0"/>
-              </a:rPr>
-              <a:t>][</a:t>
-            </a:r>
-            <a:r>
-              <a:rPr lang="es-ES" sz="1000" b="0" dirty="0">
-                <a:solidFill>
-                  <a:srgbClr val="B5CEA8"/>
-                </a:solidFill>
-                <a:effectLst/>
-                <a:latin typeface="Consolas" panose="020B0609020204030204" pitchFamily="49" charset="0"/>
-              </a:rPr>
-              <a:t>0</a:t>
-            </a:r>
-            <a:r>
-              <a:rPr lang="es-ES" sz="1000" b="0" dirty="0">
-                <a:solidFill>
-                  <a:srgbClr val="D4D4D4"/>
-                </a:solidFill>
-                <a:effectLst/>
-                <a:latin typeface="Consolas" panose="020B0609020204030204" pitchFamily="49" charset="0"/>
-              </a:rPr>
-              <a:t>][</a:t>
-            </a:r>
-            <a:r>
-              <a:rPr lang="es-ES" sz="1000" b="0" dirty="0">
-                <a:solidFill>
-                  <a:srgbClr val="B5CEA8"/>
-                </a:solidFill>
-                <a:effectLst/>
-                <a:latin typeface="Consolas" panose="020B0609020204030204" pitchFamily="49" charset="0"/>
-              </a:rPr>
-              <a:t>0</a:t>
-            </a:r>
-            <a:r>
-              <a:rPr lang="es-ES" sz="1000" b="0" dirty="0">
-                <a:solidFill>
-                  <a:srgbClr val="D4D4D4"/>
-                </a:solidFill>
-                <a:effectLst/>
-                <a:latin typeface="Consolas" panose="020B0609020204030204" pitchFamily="49" charset="0"/>
-              </a:rPr>
-              <a:t>][</a:t>
-            </a:r>
-            <a:r>
-              <a:rPr lang="es-ES" sz="1000" b="0" dirty="0">
-                <a:solidFill>
-                  <a:srgbClr val="B5CEA8"/>
-                </a:solidFill>
-                <a:effectLst/>
-                <a:latin typeface="Consolas" panose="020B0609020204030204" pitchFamily="49" charset="0"/>
-              </a:rPr>
-              <a:t>1</a:t>
-            </a:r>
-            <a:r>
-              <a:rPr lang="es-ES" sz="1000" b="0" dirty="0">
-                <a:solidFill>
-                  <a:srgbClr val="D4D4D4"/>
-                </a:solidFill>
-                <a:effectLst/>
-                <a:latin typeface="Consolas" panose="020B0609020204030204" pitchFamily="49" charset="0"/>
-              </a:rPr>
-              <a:t>]</a:t>
-            </a:r>
-          </a:p>
-          <a:p>
-            <a:r>
-              <a:rPr lang="es-AR" sz="1000" dirty="0">
-                <a:solidFill>
-                  <a:srgbClr val="6A9955"/>
-                </a:solidFill>
-                <a:latin typeface="Consolas" panose="020B0609020204030204" pitchFamily="49" charset="0"/>
-              </a:rPr>
-              <a:t>#</a:t>
-            </a:r>
-            <a:r>
-              <a:rPr lang="es-ES" sz="1000" dirty="0">
-                <a:solidFill>
-                  <a:srgbClr val="6A9955"/>
-                </a:solidFill>
-                <a:latin typeface="Consolas" panose="020B0609020204030204" pitchFamily="49" charset="0"/>
-              </a:rPr>
-              <a:t> Es la señal que contiene el </a:t>
-            </a:r>
-          </a:p>
-          <a:p>
-            <a:r>
-              <a:rPr lang="es-ES" sz="1000" dirty="0">
-                <a:solidFill>
-                  <a:srgbClr val="6A9955"/>
-                </a:solidFill>
-                <a:latin typeface="Consolas" panose="020B0609020204030204" pitchFamily="49" charset="0"/>
-              </a:rPr>
-              <a:t># estímulo, bla </a:t>
-            </a:r>
-            <a:r>
-              <a:rPr lang="es-ES" sz="1000" dirty="0" err="1">
-                <a:solidFill>
-                  <a:srgbClr val="6A9955"/>
-                </a:solidFill>
-                <a:latin typeface="Consolas" panose="020B0609020204030204" pitchFamily="49" charset="0"/>
-              </a:rPr>
-              <a:t>bla</a:t>
-            </a:r>
-            <a:r>
-              <a:rPr lang="es-ES" sz="1000" dirty="0">
-                <a:solidFill>
-                  <a:srgbClr val="6A9955"/>
-                </a:solidFill>
-                <a:latin typeface="Consolas" panose="020B0609020204030204" pitchFamily="49" charset="0"/>
-              </a:rPr>
-              <a:t> </a:t>
-            </a:r>
-            <a:r>
-              <a:rPr lang="es-ES" sz="1000" dirty="0" err="1">
-                <a:solidFill>
-                  <a:srgbClr val="6A9955"/>
-                </a:solidFill>
-                <a:latin typeface="Consolas" panose="020B0609020204030204" pitchFamily="49" charset="0"/>
-              </a:rPr>
-              <a:t>bla</a:t>
-            </a:r>
-            <a:endParaRPr lang="es-ES" sz="1000" b="0" dirty="0">
-              <a:solidFill>
-                <a:srgbClr val="D4D4D4"/>
-              </a:solidFill>
-              <a:effectLst/>
-              <a:latin typeface="Consolas" panose="020B0609020204030204" pitchFamily="49" charset="0"/>
-            </a:endParaRPr>
-          </a:p>
-        </p:txBody>
-      </p:sp>
-      <p:cxnSp>
-        <p:nvCxnSpPr>
-          <p:cNvPr id="52" name="Conector recto de flecha 51">
-            <a:extLst>
-              <a:ext uri="{FF2B5EF4-FFF2-40B4-BE49-F238E27FC236}">
-                <a16:creationId xmlns:a16="http://schemas.microsoft.com/office/drawing/2014/main" id="{2E894536-EEAC-43DF-A8DC-9D8ADFFB9B3D}"/>
-              </a:ext>
-            </a:extLst>
-          </p:cNvPr>
-          <p:cNvCxnSpPr>
-            <a:cxnSpLocks/>
-          </p:cNvCxnSpPr>
-          <p:nvPr/>
-        </p:nvCxnSpPr>
-        <p:spPr>
-          <a:xfrm>
-            <a:off x="2822461" y="1350440"/>
-            <a:ext cx="491209" cy="0"/>
-          </a:xfrm>
-          <a:prstGeom prst="straightConnector1">
-            <a:avLst/>
-          </a:prstGeom>
-          <a:ln>
-            <a:tailEnd type="triangle"/>
-          </a:ln>
-        </p:spPr>
-        <p:style>
-          <a:lnRef idx="1">
-            <a:schemeClr val="accent1"/>
-          </a:lnRef>
-          <a:fillRef idx="0">
-            <a:schemeClr val="accent1"/>
-          </a:fillRef>
-          <a:effectRef idx="0">
-            <a:schemeClr val="accent1"/>
-          </a:effectRef>
-          <a:fontRef idx="minor">
-            <a:schemeClr val="tx1"/>
-          </a:fontRef>
-        </p:style>
-      </p:cxnSp>
-      <p:cxnSp>
-        <p:nvCxnSpPr>
-          <p:cNvPr id="54" name="Conector recto de flecha 53">
-            <a:extLst>
-              <a:ext uri="{FF2B5EF4-FFF2-40B4-BE49-F238E27FC236}">
-                <a16:creationId xmlns:a16="http://schemas.microsoft.com/office/drawing/2014/main" id="{DFB3F7D3-7BC4-4FBB-871C-3F7B3C72D889}"/>
-              </a:ext>
-            </a:extLst>
-          </p:cNvPr>
-          <p:cNvCxnSpPr>
-            <a:cxnSpLocks/>
-          </p:cNvCxnSpPr>
-          <p:nvPr/>
-        </p:nvCxnSpPr>
-        <p:spPr>
-          <a:xfrm>
-            <a:off x="2841926" y="2651640"/>
-            <a:ext cx="491209" cy="0"/>
-          </a:xfrm>
-          <a:prstGeom prst="straightConnector1">
-            <a:avLst/>
-          </a:prstGeom>
-          <a:ln>
-            <a:tailEnd type="triangle"/>
-          </a:ln>
-        </p:spPr>
-        <p:style>
-          <a:lnRef idx="1">
-            <a:schemeClr val="accent1"/>
-          </a:lnRef>
-          <a:fillRef idx="0">
-            <a:schemeClr val="accent1"/>
-          </a:fillRef>
-          <a:effectRef idx="0">
-            <a:schemeClr val="accent1"/>
-          </a:effectRef>
-          <a:fontRef idx="minor">
-            <a:schemeClr val="tx1"/>
-          </a:fontRef>
-        </p:style>
-      </p:cxnSp>
-      <p:cxnSp>
-        <p:nvCxnSpPr>
-          <p:cNvPr id="55" name="Conector recto de flecha 54">
-            <a:extLst>
-              <a:ext uri="{FF2B5EF4-FFF2-40B4-BE49-F238E27FC236}">
-                <a16:creationId xmlns:a16="http://schemas.microsoft.com/office/drawing/2014/main" id="{EE7FC42E-C0C9-4C87-836F-E692C7457D53}"/>
-              </a:ext>
-            </a:extLst>
-          </p:cNvPr>
-          <p:cNvCxnSpPr>
-            <a:cxnSpLocks/>
-          </p:cNvCxnSpPr>
-          <p:nvPr/>
-        </p:nvCxnSpPr>
-        <p:spPr>
-          <a:xfrm>
-            <a:off x="2841925" y="3942150"/>
-            <a:ext cx="491209" cy="0"/>
-          </a:xfrm>
-          <a:prstGeom prst="straightConnector1">
-            <a:avLst/>
-          </a:prstGeom>
-          <a:ln>
-            <a:tailEnd type="triangle"/>
-          </a:ln>
-        </p:spPr>
-        <p:style>
-          <a:lnRef idx="1">
-            <a:schemeClr val="accent1"/>
-          </a:lnRef>
-          <a:fillRef idx="0">
-            <a:schemeClr val="accent1"/>
-          </a:fillRef>
-          <a:effectRef idx="0">
-            <a:schemeClr val="accent1"/>
-          </a:effectRef>
-          <a:fontRef idx="minor">
-            <a:schemeClr val="tx1"/>
-          </a:fontRef>
-        </p:style>
-      </p:cxnSp>
-      <p:sp>
-        <p:nvSpPr>
-          <p:cNvPr id="53" name="CuadroTexto 52">
-            <a:extLst>
-              <a:ext uri="{FF2B5EF4-FFF2-40B4-BE49-F238E27FC236}">
-                <a16:creationId xmlns:a16="http://schemas.microsoft.com/office/drawing/2014/main" id="{BB2D9240-A86C-4F1B-95EB-BC73070D3B47}"/>
-              </a:ext>
-            </a:extLst>
-          </p:cNvPr>
-          <p:cNvSpPr txBox="1"/>
-          <p:nvPr/>
-        </p:nvSpPr>
-        <p:spPr>
-          <a:xfrm>
-            <a:off x="7610168" y="700754"/>
-            <a:ext cx="4129548" cy="646331"/>
-          </a:xfrm>
-          <a:prstGeom prst="rect">
-            <a:avLst/>
-          </a:prstGeom>
-          <a:noFill/>
-        </p:spPr>
-        <p:txBody>
-          <a:bodyPr wrap="square" rtlCol="0">
-            <a:spAutoFit/>
-          </a:bodyPr>
-          <a:lstStyle/>
-          <a:p>
-            <a:r>
-              <a:rPr lang="es-AR" dirty="0"/>
-              <a:t>Acá podemos hacer un juego de gráficas para indicar que vamos </a:t>
-            </a:r>
-            <a:r>
-              <a:rPr lang="es-AR" dirty="0" err="1"/>
-              <a:t>ajugar</a:t>
-            </a:r>
-            <a:endParaRPr lang="es-ES" dirty="0"/>
-          </a:p>
-        </p:txBody>
-      </p:sp>
-      <p:pic>
-        <p:nvPicPr>
-          <p:cNvPr id="36" name="Imagen 35">
-            <a:extLst>
-              <a:ext uri="{FF2B5EF4-FFF2-40B4-BE49-F238E27FC236}">
-                <a16:creationId xmlns:a16="http://schemas.microsoft.com/office/drawing/2014/main" id="{A5765504-C061-4131-B6E4-292FBF54FE6F}"/>
-              </a:ext>
-            </a:extLst>
-          </p:cNvPr>
-          <p:cNvPicPr>
-            <a:picLocks noChangeAspect="1"/>
-          </p:cNvPicPr>
-          <p:nvPr/>
-        </p:nvPicPr>
-        <p:blipFill>
-          <a:blip r:embed="rId6"/>
-          <a:stretch>
-            <a:fillRect/>
-          </a:stretch>
-        </p:blipFill>
-        <p:spPr>
-          <a:xfrm>
-            <a:off x="2762022" y="3209442"/>
-            <a:ext cx="490969" cy="201959"/>
-          </a:xfrm>
-          <a:prstGeom prst="rect">
-            <a:avLst/>
-          </a:prstGeom>
-        </p:spPr>
-      </p:pic>
+        </p:txBody>
+      </p:sp>
     </p:spTree>
     <p:extLst>
       <p:ext uri="{BB962C8B-B14F-4D97-AF65-F5344CB8AC3E}">
-        <p14:creationId xmlns:p14="http://schemas.microsoft.com/office/powerpoint/2010/main" val="4210500953"/>
+        <p14:creationId xmlns:p14="http://schemas.microsoft.com/office/powerpoint/2010/main" val="4233321528"/>
       </p:ext>
     </p:extLst>
   </p:cSld>
@@ -7306,10 +6770,10 @@
       </p:grpSpPr>
       <p:sp>
         <p:nvSpPr>
-          <p:cNvPr id="2" name="CuadroTexto 1">
-            <a:extLst>
-              <a:ext uri="{FF2B5EF4-FFF2-40B4-BE49-F238E27FC236}">
-                <a16:creationId xmlns:a16="http://schemas.microsoft.com/office/drawing/2014/main" id="{A01D1E21-544C-4F42-A619-97A1A6D7565A}"/>
+          <p:cNvPr id="19" name="CuadroTexto 18">
+            <a:extLst>
+              <a:ext uri="{FF2B5EF4-FFF2-40B4-BE49-F238E27FC236}">
+                <a16:creationId xmlns:a16="http://schemas.microsoft.com/office/drawing/2014/main" id="{8DC0208C-3884-4505-AA35-3F7A90F08F2F}"/>
               </a:ext>
             </a:extLst>
           </p:cNvPr>
@@ -7318,8 +6782,8 @@
         </p:nvSpPr>
         <p:spPr>
           <a:xfrm>
-            <a:off x="0" y="3105834"/>
-            <a:ext cx="12192000" cy="923330"/>
+            <a:off x="766428" y="5093464"/>
+            <a:ext cx="1573053" cy="1569660"/>
           </a:xfrm>
           <a:prstGeom prst="rect">
             <a:avLst/>
@@ -7332,30 +6796,2378 @@
           </a:bodyPr>
           <a:lstStyle/>
           <a:p>
+            <a:pPr algn="r"/>
+            <a:r>
+              <a:rPr lang="es-ES" sz="1100" b="1" dirty="0"/>
+              <a:t>DS – ERP</a:t>
+            </a:r>
+          </a:p>
+          <a:p>
+            <a:pPr algn="r"/>
+            <a:r>
+              <a:rPr lang="es-ES" sz="1100" b="1" dirty="0" err="1"/>
+              <a:t>Event-Related</a:t>
+            </a:r>
+            <a:r>
+              <a:rPr lang="es-ES" sz="1100" b="1" dirty="0"/>
+              <a:t> </a:t>
+            </a:r>
+          </a:p>
+          <a:p>
+            <a:pPr algn="r"/>
+            <a:r>
+              <a:rPr lang="es-ES" sz="1100" b="1" dirty="0" err="1"/>
+              <a:t>Potential</a:t>
+            </a:r>
+            <a:r>
+              <a:rPr lang="es-ES" sz="1100" b="1" dirty="0"/>
+              <a:t>:</a:t>
+            </a:r>
+            <a:endParaRPr lang="es-AR" sz="900" b="1" dirty="0"/>
+          </a:p>
+          <a:p>
+            <a:pPr algn="r"/>
+            <a:endParaRPr lang="es-ES" sz="900" b="1" dirty="0"/>
+          </a:p>
+          <a:p>
+            <a:r>
+              <a:rPr lang="en-US" sz="900" dirty="0"/>
+              <a:t>P300 </a:t>
+            </a:r>
+            <a:r>
+              <a:rPr lang="en-US" sz="900" dirty="0" err="1"/>
+              <a:t>extraído</a:t>
+            </a:r>
+            <a:r>
+              <a:rPr lang="en-US" sz="900" dirty="0"/>
+              <a:t> del </a:t>
+            </a:r>
+            <a:r>
+              <a:rPr lang="en-US" sz="900" dirty="0" err="1"/>
+              <a:t>paciente</a:t>
+            </a:r>
+            <a:r>
+              <a:rPr lang="en-US" sz="900" dirty="0"/>
+              <a:t> 8 del </a:t>
+            </a:r>
+            <a:r>
+              <a:rPr lang="en-US" sz="900" dirty="0" err="1"/>
+              <a:t>BNCIHorizon</a:t>
+            </a:r>
+            <a:r>
+              <a:rPr lang="en-US" sz="900" dirty="0"/>
+              <a:t>. Se </a:t>
+            </a:r>
+            <a:r>
+              <a:rPr lang="en-US" sz="900" dirty="0" err="1"/>
+              <a:t>usa</a:t>
+            </a:r>
+            <a:r>
+              <a:rPr lang="en-US" sz="900" dirty="0"/>
+              <a:t> una de dos </a:t>
+            </a:r>
+            <a:r>
+              <a:rPr lang="en-US" sz="900" dirty="0" err="1"/>
+              <a:t>plantillas</a:t>
+            </a:r>
+            <a:r>
+              <a:rPr lang="en-US" sz="900" dirty="0"/>
+              <a:t>: </a:t>
+            </a:r>
+          </a:p>
+          <a:p>
             <a:pPr algn="ctr"/>
             <a:r>
-              <a:rPr lang="es-AR" sz="3600" dirty="0"/>
-              <a:t>¿Qué hacer con toda esta información </a:t>
-            </a:r>
-            <a:r>
-              <a:rPr lang="es-AR" sz="3600" i="1" dirty="0"/>
-              <a:t>inconexa</a:t>
-            </a:r>
-            <a:r>
-              <a:rPr lang="es-AR" sz="3600" dirty="0"/>
-              <a:t>?</a:t>
-            </a:r>
-            <a:endParaRPr lang="es-ES" sz="3600" dirty="0"/>
-          </a:p>
-          <a:p>
-            <a:endParaRPr lang="es-AR" dirty="0"/>
-          </a:p>
-        </p:txBody>
-      </p:sp>
+              <a:rPr lang="en-US" sz="900" dirty="0" err="1"/>
+              <a:t>routput</a:t>
+            </a:r>
+            <a:r>
+              <a:rPr lang="en-US" sz="900" dirty="0"/>
+              <a:t>[0][7][0][1][0][0][0][7] </a:t>
+            </a:r>
+          </a:p>
+          <a:p>
+            <a:pPr algn="ctr"/>
+            <a:r>
+              <a:rPr lang="en-US" sz="900" dirty="0" err="1"/>
+              <a:t>routput</a:t>
+            </a:r>
+            <a:r>
+              <a:rPr lang="en-US" sz="900" dirty="0"/>
+              <a:t>[0][7][0][1][0][0][0][0] </a:t>
+            </a:r>
+            <a:endParaRPr lang="es-ES" sz="900" b="1" dirty="0"/>
+          </a:p>
+          <a:p>
+            <a:endParaRPr lang="es-ES" sz="900" b="1" dirty="0"/>
+          </a:p>
+        </p:txBody>
+      </p:sp>
+      <p:pic>
+        <p:nvPicPr>
+          <p:cNvPr id="5" name="Imagen 4">
+            <a:extLst>
+              <a:ext uri="{FF2B5EF4-FFF2-40B4-BE49-F238E27FC236}">
+                <a16:creationId xmlns:a16="http://schemas.microsoft.com/office/drawing/2014/main" id="{982862B9-3D73-4BA4-902D-70C2012DB479}"/>
+              </a:ext>
+            </a:extLst>
+          </p:cNvPr>
+          <p:cNvPicPr>
+            <a:picLocks noChangeAspect="1"/>
+          </p:cNvPicPr>
+          <p:nvPr/>
+        </p:nvPicPr>
+        <p:blipFill>
+          <a:blip r:embed="rId2"/>
+          <a:stretch>
+            <a:fillRect/>
+          </a:stretch>
+        </p:blipFill>
+        <p:spPr>
+          <a:xfrm>
+            <a:off x="2267179" y="410313"/>
+            <a:ext cx="574747" cy="246579"/>
+          </a:xfrm>
+          <a:prstGeom prst="rect">
+            <a:avLst/>
+          </a:prstGeom>
+        </p:spPr>
+      </p:pic>
+      <p:sp>
+        <p:nvSpPr>
+          <p:cNvPr id="7" name="CuadroTexto 6">
+            <a:extLst>
+              <a:ext uri="{FF2B5EF4-FFF2-40B4-BE49-F238E27FC236}">
+                <a16:creationId xmlns:a16="http://schemas.microsoft.com/office/drawing/2014/main" id="{0A34661D-8792-45A1-A23D-3FEBEC578F31}"/>
+              </a:ext>
+            </a:extLst>
+          </p:cNvPr>
+          <p:cNvSpPr txBox="1"/>
+          <p:nvPr/>
+        </p:nvSpPr>
+        <p:spPr>
+          <a:xfrm>
+            <a:off x="20315" y="629620"/>
+            <a:ext cx="1973255" cy="846386"/>
+          </a:xfrm>
+          <a:prstGeom prst="rect">
+            <a:avLst/>
+          </a:prstGeom>
+          <a:noFill/>
+        </p:spPr>
+        <p:txBody>
+          <a:bodyPr wrap="square" rtlCol="0">
+            <a:spAutoFit/>
+          </a:bodyPr>
+          <a:lstStyle/>
+          <a:p>
+            <a:pPr algn="r"/>
+            <a:endParaRPr lang="es-ES" sz="1100" b="1" dirty="0"/>
+          </a:p>
+          <a:p>
+            <a:pPr algn="r"/>
+            <a:r>
+              <a:rPr lang="es-ES" sz="1100" b="1" dirty="0"/>
+              <a:t>DS - </a:t>
+            </a:r>
+            <a:r>
+              <a:rPr lang="es-ES" sz="1100" b="1" dirty="0" err="1"/>
+              <a:t>BNCIHorizon</a:t>
+            </a:r>
+            <a:endParaRPr lang="es-AR" sz="900" dirty="0"/>
+          </a:p>
+          <a:p>
+            <a:pPr algn="ctr"/>
+            <a:endParaRPr lang="es-ES" sz="900" dirty="0"/>
+          </a:p>
+          <a:p>
+            <a:pPr algn="ctr"/>
+            <a:r>
+              <a:rPr lang="es-ES" sz="900" i="1" dirty="0"/>
+              <a:t>Registros completos </a:t>
+            </a:r>
+            <a:r>
+              <a:rPr lang="es-ES" sz="900" b="1" i="1" dirty="0"/>
+              <a:t>CON</a:t>
+            </a:r>
+            <a:r>
+              <a:rPr lang="es-ES" sz="900" i="1" dirty="0"/>
+              <a:t> potenciales </a:t>
+            </a:r>
+          </a:p>
+          <a:p>
+            <a:pPr algn="ctr"/>
+            <a:r>
+              <a:rPr lang="es-ES" sz="900" i="1" dirty="0"/>
+              <a:t>evocados P300 de pacientes con ELA</a:t>
+            </a:r>
+            <a:endParaRPr lang="es-ES" sz="900" dirty="0"/>
+          </a:p>
+        </p:txBody>
+      </p:sp>
+      <p:pic>
+        <p:nvPicPr>
+          <p:cNvPr id="8" name="Imagen 7">
+            <a:extLst>
+              <a:ext uri="{FF2B5EF4-FFF2-40B4-BE49-F238E27FC236}">
+                <a16:creationId xmlns:a16="http://schemas.microsoft.com/office/drawing/2014/main" id="{8B7E4912-8BF6-46AC-83BC-22D7526FC411}"/>
+              </a:ext>
+            </a:extLst>
+          </p:cNvPr>
+          <p:cNvPicPr>
+            <a:picLocks noChangeAspect="1"/>
+          </p:cNvPicPr>
+          <p:nvPr/>
+        </p:nvPicPr>
+        <p:blipFill>
+          <a:blip r:embed="rId3"/>
+          <a:stretch>
+            <a:fillRect/>
+          </a:stretch>
+        </p:blipFill>
+        <p:spPr>
+          <a:xfrm>
+            <a:off x="234288" y="582744"/>
+            <a:ext cx="541679" cy="535356"/>
+          </a:xfrm>
+          <a:prstGeom prst="rect">
+            <a:avLst/>
+          </a:prstGeom>
+        </p:spPr>
+      </p:pic>
+      <p:sp>
+        <p:nvSpPr>
+          <p:cNvPr id="11" name="CuadroTexto 10">
+            <a:extLst>
+              <a:ext uri="{FF2B5EF4-FFF2-40B4-BE49-F238E27FC236}">
+                <a16:creationId xmlns:a16="http://schemas.microsoft.com/office/drawing/2014/main" id="{3386BE0C-6826-4226-9D0D-22266CB471EF}"/>
+              </a:ext>
+            </a:extLst>
+          </p:cNvPr>
+          <p:cNvSpPr txBox="1"/>
+          <p:nvPr/>
+        </p:nvSpPr>
+        <p:spPr>
+          <a:xfrm>
+            <a:off x="124871" y="2162558"/>
+            <a:ext cx="1926041" cy="1154162"/>
+          </a:xfrm>
+          <a:prstGeom prst="rect">
+            <a:avLst/>
+          </a:prstGeom>
+          <a:noFill/>
+        </p:spPr>
+        <p:txBody>
+          <a:bodyPr wrap="square" rtlCol="0">
+            <a:spAutoFit/>
+          </a:bodyPr>
+          <a:lstStyle/>
+          <a:p>
+            <a:pPr algn="r"/>
+            <a:r>
+              <a:rPr lang="es-ES" sz="1100" b="1" dirty="0"/>
+              <a:t>DS - P300-Dataset </a:t>
+            </a:r>
+          </a:p>
+          <a:p>
+            <a:pPr algn="r"/>
+            <a:r>
+              <a:rPr lang="es-ES" sz="1100" b="1" dirty="0"/>
+              <a:t>(</a:t>
+            </a:r>
+            <a:r>
+              <a:rPr lang="es-ES" sz="1100" b="1" dirty="0" err="1"/>
+              <a:t>Kaggle</a:t>
+            </a:r>
+            <a:r>
+              <a:rPr lang="es-ES" sz="1100" b="1" dirty="0"/>
+              <a:t>)</a:t>
+            </a:r>
+            <a:endParaRPr lang="es-AR" sz="1100" b="1" dirty="0"/>
+          </a:p>
+          <a:p>
+            <a:pPr algn="r"/>
+            <a:endParaRPr lang="es-ES" sz="1100" b="1" dirty="0"/>
+          </a:p>
+          <a:p>
+            <a:r>
+              <a:rPr lang="es-ES" sz="900" i="1" dirty="0"/>
+              <a:t>Registros completos </a:t>
+            </a:r>
+            <a:r>
+              <a:rPr lang="es-ES" sz="900" b="1" i="1" dirty="0"/>
+              <a:t>CON</a:t>
+            </a:r>
+            <a:r>
+              <a:rPr lang="es-ES" sz="900" i="1" dirty="0"/>
+              <a:t> potenciales </a:t>
+            </a:r>
+          </a:p>
+          <a:p>
+            <a:r>
+              <a:rPr lang="es-ES" sz="900" i="1" dirty="0"/>
+              <a:t>evocados P300 de pacientes </a:t>
+            </a:r>
+            <a:r>
+              <a:rPr lang="es-ES" sz="900" b="1" i="1" dirty="0"/>
+              <a:t>SANOS:</a:t>
+            </a:r>
+          </a:p>
+          <a:p>
+            <a:r>
+              <a:rPr lang="es-AR" sz="900" i="1" dirty="0"/>
+              <a:t>4</a:t>
+            </a:r>
+            <a:r>
+              <a:rPr lang="es-ES" sz="900" i="1" dirty="0"/>
+              <a:t> pasivos (sin conocimiento del experimento) y 4 activos.</a:t>
+            </a:r>
+            <a:endParaRPr lang="es-ES" sz="900" dirty="0"/>
+          </a:p>
+        </p:txBody>
+      </p:sp>
+      <p:pic>
+        <p:nvPicPr>
+          <p:cNvPr id="15" name="Imagen 14">
+            <a:extLst>
+              <a:ext uri="{FF2B5EF4-FFF2-40B4-BE49-F238E27FC236}">
+                <a16:creationId xmlns:a16="http://schemas.microsoft.com/office/drawing/2014/main" id="{08914D6D-D351-4B04-9C5E-E4D381E8C375}"/>
+              </a:ext>
+            </a:extLst>
+          </p:cNvPr>
+          <p:cNvPicPr>
+            <a:picLocks noChangeAspect="1"/>
+          </p:cNvPicPr>
+          <p:nvPr/>
+        </p:nvPicPr>
+        <p:blipFill>
+          <a:blip r:embed="rId4"/>
+          <a:stretch>
+            <a:fillRect/>
+          </a:stretch>
+        </p:blipFill>
+        <p:spPr>
+          <a:xfrm>
+            <a:off x="3598571" y="5121172"/>
+            <a:ext cx="3136278" cy="843551"/>
+          </a:xfrm>
+          <a:prstGeom prst="rect">
+            <a:avLst/>
+          </a:prstGeom>
+        </p:spPr>
+      </p:pic>
+      <p:pic>
+        <p:nvPicPr>
+          <p:cNvPr id="17" name="Imagen 16">
+            <a:extLst>
+              <a:ext uri="{FF2B5EF4-FFF2-40B4-BE49-F238E27FC236}">
+                <a16:creationId xmlns:a16="http://schemas.microsoft.com/office/drawing/2014/main" id="{2EAE72AE-C484-4174-AA86-CAF945E11FA8}"/>
+              </a:ext>
+            </a:extLst>
+          </p:cNvPr>
+          <p:cNvPicPr>
+            <a:picLocks noChangeAspect="1"/>
+          </p:cNvPicPr>
+          <p:nvPr/>
+        </p:nvPicPr>
+        <p:blipFill>
+          <a:blip r:embed="rId5"/>
+          <a:stretch>
+            <a:fillRect/>
+          </a:stretch>
+        </p:blipFill>
+        <p:spPr>
+          <a:xfrm>
+            <a:off x="826168" y="5132708"/>
+            <a:ext cx="563578" cy="608252"/>
+          </a:xfrm>
+          <a:prstGeom prst="rect">
+            <a:avLst/>
+          </a:prstGeom>
+        </p:spPr>
+      </p:pic>
+      <p:cxnSp>
+        <p:nvCxnSpPr>
+          <p:cNvPr id="20" name="Conector recto de flecha 19">
+            <a:extLst>
+              <a:ext uri="{FF2B5EF4-FFF2-40B4-BE49-F238E27FC236}">
+                <a16:creationId xmlns:a16="http://schemas.microsoft.com/office/drawing/2014/main" id="{3A56DF9C-E166-4BBA-82F9-022B6D2321EE}"/>
+              </a:ext>
+            </a:extLst>
+          </p:cNvPr>
+          <p:cNvCxnSpPr>
+            <a:cxnSpLocks/>
+          </p:cNvCxnSpPr>
+          <p:nvPr/>
+        </p:nvCxnSpPr>
+        <p:spPr>
+          <a:xfrm>
+            <a:off x="2413508" y="5579849"/>
+            <a:ext cx="1045194" cy="0"/>
+          </a:xfrm>
+          <a:prstGeom prst="straightConnector1">
+            <a:avLst/>
+          </a:prstGeom>
+          <a:ln>
+            <a:tailEnd type="triangle"/>
+          </a:ln>
+        </p:spPr>
+        <p:style>
+          <a:lnRef idx="1">
+            <a:schemeClr val="accent1"/>
+          </a:lnRef>
+          <a:fillRef idx="0">
+            <a:schemeClr val="accent1"/>
+          </a:fillRef>
+          <a:effectRef idx="0">
+            <a:schemeClr val="accent1"/>
+          </a:effectRef>
+          <a:fontRef idx="minor">
+            <a:schemeClr val="tx1"/>
+          </a:fontRef>
+        </p:style>
+      </p:cxnSp>
+      <p:pic>
+        <p:nvPicPr>
+          <p:cNvPr id="22" name="Imagen 21">
+            <a:extLst>
+              <a:ext uri="{FF2B5EF4-FFF2-40B4-BE49-F238E27FC236}">
+                <a16:creationId xmlns:a16="http://schemas.microsoft.com/office/drawing/2014/main" id="{0D571B76-FB59-4927-A4C7-E8C4D7710CD8}"/>
+              </a:ext>
+            </a:extLst>
+          </p:cNvPr>
+          <p:cNvPicPr>
+            <a:picLocks noChangeAspect="1"/>
+          </p:cNvPicPr>
+          <p:nvPr/>
+        </p:nvPicPr>
+        <p:blipFill>
+          <a:blip r:embed="rId3"/>
+          <a:stretch>
+            <a:fillRect/>
+          </a:stretch>
+        </p:blipFill>
+        <p:spPr>
+          <a:xfrm>
+            <a:off x="234287" y="2179023"/>
+            <a:ext cx="541679" cy="535356"/>
+          </a:xfrm>
+          <a:prstGeom prst="rect">
+            <a:avLst/>
+          </a:prstGeom>
+        </p:spPr>
+      </p:pic>
+      <p:pic>
+        <p:nvPicPr>
+          <p:cNvPr id="24" name="Imagen 23">
+            <a:extLst>
+              <a:ext uri="{FF2B5EF4-FFF2-40B4-BE49-F238E27FC236}">
+                <a16:creationId xmlns:a16="http://schemas.microsoft.com/office/drawing/2014/main" id="{A45C1B73-01A2-4038-A4C6-AA78CFC6478D}"/>
+              </a:ext>
+            </a:extLst>
+          </p:cNvPr>
+          <p:cNvPicPr>
+            <a:picLocks noChangeAspect="1"/>
+          </p:cNvPicPr>
+          <p:nvPr/>
+        </p:nvPicPr>
+        <p:blipFill>
+          <a:blip r:embed="rId5"/>
+          <a:stretch>
+            <a:fillRect/>
+          </a:stretch>
+        </p:blipFill>
+        <p:spPr>
+          <a:xfrm>
+            <a:off x="2050912" y="393159"/>
+            <a:ext cx="438186" cy="472921"/>
+          </a:xfrm>
+          <a:prstGeom prst="rect">
+            <a:avLst/>
+          </a:prstGeom>
+        </p:spPr>
+      </p:pic>
+      <p:sp>
+        <p:nvSpPr>
+          <p:cNvPr id="26" name="CuadroTexto 25">
+            <a:extLst>
+              <a:ext uri="{FF2B5EF4-FFF2-40B4-BE49-F238E27FC236}">
+                <a16:creationId xmlns:a16="http://schemas.microsoft.com/office/drawing/2014/main" id="{3980B920-A6F3-47BB-A8DF-DC5AE494B224}"/>
+              </a:ext>
+            </a:extLst>
+          </p:cNvPr>
+          <p:cNvSpPr txBox="1"/>
+          <p:nvPr/>
+        </p:nvSpPr>
+        <p:spPr>
+          <a:xfrm>
+            <a:off x="2202525" y="779585"/>
+            <a:ext cx="129309" cy="600164"/>
+          </a:xfrm>
+          <a:prstGeom prst="rect">
+            <a:avLst/>
+          </a:prstGeom>
+          <a:noFill/>
+        </p:spPr>
+        <p:txBody>
+          <a:bodyPr wrap="square" rtlCol="0">
+            <a:spAutoFit/>
+          </a:bodyPr>
+          <a:lstStyle/>
+          <a:p>
+            <a:pPr algn="ctr"/>
+            <a:r>
+              <a:rPr lang="es-AR" sz="1100" b="1" dirty="0"/>
+              <a:t>.</a:t>
+            </a:r>
+          </a:p>
+          <a:p>
+            <a:pPr algn="ctr"/>
+            <a:r>
+              <a:rPr lang="es-AR" sz="1100" b="1" dirty="0"/>
+              <a:t>.</a:t>
+            </a:r>
+          </a:p>
+          <a:p>
+            <a:pPr algn="ctr"/>
+            <a:r>
+              <a:rPr lang="es-AR" sz="1100" b="1" dirty="0"/>
+              <a:t>.</a:t>
+            </a:r>
+          </a:p>
+        </p:txBody>
+      </p:sp>
+      <p:pic>
+        <p:nvPicPr>
+          <p:cNvPr id="29" name="Imagen 28">
+            <a:extLst>
+              <a:ext uri="{FF2B5EF4-FFF2-40B4-BE49-F238E27FC236}">
+                <a16:creationId xmlns:a16="http://schemas.microsoft.com/office/drawing/2014/main" id="{FB90D33F-30F5-43EA-9997-CD6F9DA811D8}"/>
+              </a:ext>
+            </a:extLst>
+          </p:cNvPr>
+          <p:cNvPicPr>
+            <a:picLocks noChangeAspect="1"/>
+          </p:cNvPicPr>
+          <p:nvPr/>
+        </p:nvPicPr>
+        <p:blipFill>
+          <a:blip r:embed="rId2"/>
+          <a:stretch>
+            <a:fillRect/>
+          </a:stretch>
+        </p:blipFill>
+        <p:spPr>
+          <a:xfrm>
+            <a:off x="2267179" y="1367594"/>
+            <a:ext cx="574747" cy="246579"/>
+          </a:xfrm>
+          <a:prstGeom prst="rect">
+            <a:avLst/>
+          </a:prstGeom>
+        </p:spPr>
+      </p:pic>
+      <p:pic>
+        <p:nvPicPr>
+          <p:cNvPr id="30" name="Imagen 29">
+            <a:extLst>
+              <a:ext uri="{FF2B5EF4-FFF2-40B4-BE49-F238E27FC236}">
+                <a16:creationId xmlns:a16="http://schemas.microsoft.com/office/drawing/2014/main" id="{EEE2632C-2929-4B5E-B236-E76001BCC5D3}"/>
+              </a:ext>
+            </a:extLst>
+          </p:cNvPr>
+          <p:cNvPicPr>
+            <a:picLocks noChangeAspect="1"/>
+          </p:cNvPicPr>
+          <p:nvPr/>
+        </p:nvPicPr>
+        <p:blipFill>
+          <a:blip r:embed="rId5"/>
+          <a:stretch>
+            <a:fillRect/>
+          </a:stretch>
+        </p:blipFill>
+        <p:spPr>
+          <a:xfrm>
+            <a:off x="2050912" y="1350440"/>
+            <a:ext cx="438186" cy="472921"/>
+          </a:xfrm>
+          <a:prstGeom prst="rect">
+            <a:avLst/>
+          </a:prstGeom>
+        </p:spPr>
+      </p:pic>
+      <p:pic>
+        <p:nvPicPr>
+          <p:cNvPr id="31" name="Imagen 30">
+            <a:extLst>
+              <a:ext uri="{FF2B5EF4-FFF2-40B4-BE49-F238E27FC236}">
+                <a16:creationId xmlns:a16="http://schemas.microsoft.com/office/drawing/2014/main" id="{F0F99473-7281-47E7-9F80-17E7E06D7E4C}"/>
+              </a:ext>
+            </a:extLst>
+          </p:cNvPr>
+          <p:cNvPicPr>
+            <a:picLocks noChangeAspect="1"/>
+          </p:cNvPicPr>
+          <p:nvPr/>
+        </p:nvPicPr>
+        <p:blipFill>
+          <a:blip r:embed="rId2"/>
+          <a:stretch>
+            <a:fillRect/>
+          </a:stretch>
+        </p:blipFill>
+        <p:spPr>
+          <a:xfrm>
+            <a:off x="2267179" y="1951089"/>
+            <a:ext cx="574747" cy="246579"/>
+          </a:xfrm>
+          <a:prstGeom prst="rect">
+            <a:avLst/>
+          </a:prstGeom>
+        </p:spPr>
+      </p:pic>
+      <p:pic>
+        <p:nvPicPr>
+          <p:cNvPr id="32" name="Imagen 31">
+            <a:extLst>
+              <a:ext uri="{FF2B5EF4-FFF2-40B4-BE49-F238E27FC236}">
+                <a16:creationId xmlns:a16="http://schemas.microsoft.com/office/drawing/2014/main" id="{2193AC8E-E3FD-427C-AA60-38A6B174960C}"/>
+              </a:ext>
+            </a:extLst>
+          </p:cNvPr>
+          <p:cNvPicPr>
+            <a:picLocks noChangeAspect="1"/>
+          </p:cNvPicPr>
+          <p:nvPr/>
+        </p:nvPicPr>
+        <p:blipFill>
+          <a:blip r:embed="rId5"/>
+          <a:stretch>
+            <a:fillRect/>
+          </a:stretch>
+        </p:blipFill>
+        <p:spPr>
+          <a:xfrm>
+            <a:off x="2050912" y="1933935"/>
+            <a:ext cx="438186" cy="472921"/>
+          </a:xfrm>
+          <a:prstGeom prst="rect">
+            <a:avLst/>
+          </a:prstGeom>
+        </p:spPr>
+      </p:pic>
+      <p:sp>
+        <p:nvSpPr>
+          <p:cNvPr id="33" name="CuadroTexto 32">
+            <a:extLst>
+              <a:ext uri="{FF2B5EF4-FFF2-40B4-BE49-F238E27FC236}">
+                <a16:creationId xmlns:a16="http://schemas.microsoft.com/office/drawing/2014/main" id="{1B44C519-42B1-4C82-AFC3-BB6CFF7CDE93}"/>
+              </a:ext>
+            </a:extLst>
+          </p:cNvPr>
+          <p:cNvSpPr txBox="1"/>
+          <p:nvPr/>
+        </p:nvSpPr>
+        <p:spPr>
+          <a:xfrm>
+            <a:off x="2202525" y="2320361"/>
+            <a:ext cx="129309" cy="600164"/>
+          </a:xfrm>
+          <a:prstGeom prst="rect">
+            <a:avLst/>
+          </a:prstGeom>
+          <a:noFill/>
+        </p:spPr>
+        <p:txBody>
+          <a:bodyPr wrap="square" rtlCol="0">
+            <a:spAutoFit/>
+          </a:bodyPr>
+          <a:lstStyle/>
+          <a:p>
+            <a:pPr algn="ctr"/>
+            <a:r>
+              <a:rPr lang="es-AR" sz="1100" b="1" dirty="0"/>
+              <a:t>.</a:t>
+            </a:r>
+          </a:p>
+          <a:p>
+            <a:pPr algn="ctr"/>
+            <a:r>
+              <a:rPr lang="es-AR" sz="1100" b="1" dirty="0"/>
+              <a:t>.</a:t>
+            </a:r>
+          </a:p>
+          <a:p>
+            <a:pPr algn="ctr"/>
+            <a:r>
+              <a:rPr lang="es-AR" sz="1100" b="1" dirty="0"/>
+              <a:t>.</a:t>
+            </a:r>
+          </a:p>
+        </p:txBody>
+      </p:sp>
+      <p:pic>
+        <p:nvPicPr>
+          <p:cNvPr id="34" name="Imagen 33">
+            <a:extLst>
+              <a:ext uri="{FF2B5EF4-FFF2-40B4-BE49-F238E27FC236}">
+                <a16:creationId xmlns:a16="http://schemas.microsoft.com/office/drawing/2014/main" id="{045EB10F-ADCE-41FE-8A0C-E87AA242FF65}"/>
+              </a:ext>
+            </a:extLst>
+          </p:cNvPr>
+          <p:cNvPicPr>
+            <a:picLocks noChangeAspect="1"/>
+          </p:cNvPicPr>
+          <p:nvPr/>
+        </p:nvPicPr>
+        <p:blipFill>
+          <a:blip r:embed="rId2"/>
+          <a:stretch>
+            <a:fillRect/>
+          </a:stretch>
+        </p:blipFill>
+        <p:spPr>
+          <a:xfrm>
+            <a:off x="2267179" y="2898538"/>
+            <a:ext cx="574747" cy="246579"/>
+          </a:xfrm>
+          <a:prstGeom prst="rect">
+            <a:avLst/>
+          </a:prstGeom>
+        </p:spPr>
+      </p:pic>
+      <p:pic>
+        <p:nvPicPr>
+          <p:cNvPr id="35" name="Imagen 34">
+            <a:extLst>
+              <a:ext uri="{FF2B5EF4-FFF2-40B4-BE49-F238E27FC236}">
+                <a16:creationId xmlns:a16="http://schemas.microsoft.com/office/drawing/2014/main" id="{4A5299CD-A5DD-4284-ADFB-A4BC5B30F9C5}"/>
+              </a:ext>
+            </a:extLst>
+          </p:cNvPr>
+          <p:cNvPicPr>
+            <a:picLocks noChangeAspect="1"/>
+          </p:cNvPicPr>
+          <p:nvPr/>
+        </p:nvPicPr>
+        <p:blipFill>
+          <a:blip r:embed="rId5"/>
+          <a:stretch>
+            <a:fillRect/>
+          </a:stretch>
+        </p:blipFill>
+        <p:spPr>
+          <a:xfrm>
+            <a:off x="2050912" y="2881384"/>
+            <a:ext cx="438186" cy="472921"/>
+          </a:xfrm>
+          <a:prstGeom prst="rect">
+            <a:avLst/>
+          </a:prstGeom>
+        </p:spPr>
+      </p:pic>
+      <p:sp>
+        <p:nvSpPr>
+          <p:cNvPr id="39" name="CuadroTexto 38">
+            <a:extLst>
+              <a:ext uri="{FF2B5EF4-FFF2-40B4-BE49-F238E27FC236}">
+                <a16:creationId xmlns:a16="http://schemas.microsoft.com/office/drawing/2014/main" id="{114EC3EF-7AEA-4125-BB38-99A938F49964}"/>
+              </a:ext>
+            </a:extLst>
+          </p:cNvPr>
+          <p:cNvSpPr txBox="1"/>
+          <p:nvPr/>
+        </p:nvSpPr>
+        <p:spPr>
+          <a:xfrm>
+            <a:off x="124871" y="3849974"/>
+            <a:ext cx="1946531" cy="877163"/>
+          </a:xfrm>
+          <a:prstGeom prst="rect">
+            <a:avLst/>
+          </a:prstGeom>
+          <a:noFill/>
+        </p:spPr>
+        <p:txBody>
+          <a:bodyPr wrap="square" rtlCol="0">
+            <a:spAutoFit/>
+          </a:bodyPr>
+          <a:lstStyle/>
+          <a:p>
+            <a:pPr algn="r"/>
+            <a:r>
+              <a:rPr lang="es-ES" sz="1100" b="1" dirty="0"/>
+              <a:t>DS – </a:t>
+            </a:r>
+          </a:p>
+          <a:p>
+            <a:pPr algn="r"/>
+            <a:r>
+              <a:rPr lang="es-ES" sz="1100" b="1" dirty="0"/>
+              <a:t>Basal EEG </a:t>
+            </a:r>
+            <a:r>
+              <a:rPr lang="es-ES" sz="1100" b="1" dirty="0" err="1"/>
+              <a:t>stream</a:t>
+            </a:r>
+            <a:endParaRPr lang="es-ES" sz="1100" b="1" dirty="0"/>
+          </a:p>
+          <a:p>
+            <a:pPr algn="r"/>
+            <a:r>
+              <a:rPr lang="es-ES" sz="1100" b="1" dirty="0"/>
+              <a:t>p300-subject-XX.mat</a:t>
+            </a:r>
+          </a:p>
+          <a:p>
+            <a:pPr algn="r"/>
+            <a:endParaRPr lang="es-ES" sz="900" b="1" dirty="0"/>
+          </a:p>
+          <a:p>
+            <a:r>
+              <a:rPr lang="en-US" sz="900" dirty="0" err="1"/>
+              <a:t>Revisar</a:t>
+            </a:r>
+            <a:r>
+              <a:rPr lang="en-US" sz="900" dirty="0"/>
+              <a:t>. </a:t>
+            </a:r>
+            <a:r>
+              <a:rPr lang="en-US" sz="900" dirty="0" err="1"/>
+              <a:t>Debería</a:t>
+            </a:r>
+            <a:r>
+              <a:rPr lang="en-US" sz="900" dirty="0"/>
+              <a:t> ser </a:t>
+            </a:r>
+            <a:r>
+              <a:rPr lang="en-US" sz="900" dirty="0" err="1"/>
+              <a:t>igual</a:t>
+            </a:r>
+            <a:r>
+              <a:rPr lang="en-US" sz="900" dirty="0"/>
+              <a:t> al de Kaggle</a:t>
+            </a:r>
+            <a:endParaRPr lang="es-ES" sz="900" b="1" dirty="0"/>
+          </a:p>
+        </p:txBody>
+      </p:sp>
+      <p:pic>
+        <p:nvPicPr>
+          <p:cNvPr id="41" name="Imagen 40">
+            <a:extLst>
+              <a:ext uri="{FF2B5EF4-FFF2-40B4-BE49-F238E27FC236}">
+                <a16:creationId xmlns:a16="http://schemas.microsoft.com/office/drawing/2014/main" id="{A907D5C3-C0F6-4358-BEFF-7D18ECF251A8}"/>
+              </a:ext>
+            </a:extLst>
+          </p:cNvPr>
+          <p:cNvPicPr>
+            <a:picLocks noChangeAspect="1"/>
+          </p:cNvPicPr>
+          <p:nvPr/>
+        </p:nvPicPr>
+        <p:blipFill>
+          <a:blip r:embed="rId3"/>
+          <a:stretch>
+            <a:fillRect/>
+          </a:stretch>
+        </p:blipFill>
+        <p:spPr>
+          <a:xfrm>
+            <a:off x="157730" y="3866454"/>
+            <a:ext cx="569856" cy="563204"/>
+          </a:xfrm>
+          <a:prstGeom prst="rect">
+            <a:avLst/>
+          </a:prstGeom>
+        </p:spPr>
+      </p:pic>
+      <p:pic>
+        <p:nvPicPr>
+          <p:cNvPr id="42" name="Imagen 41">
+            <a:extLst>
+              <a:ext uri="{FF2B5EF4-FFF2-40B4-BE49-F238E27FC236}">
+                <a16:creationId xmlns:a16="http://schemas.microsoft.com/office/drawing/2014/main" id="{FF6C518F-C3A6-4EAE-BE74-CECA4A88A913}"/>
+              </a:ext>
+            </a:extLst>
+          </p:cNvPr>
+          <p:cNvPicPr>
+            <a:picLocks noChangeAspect="1"/>
+          </p:cNvPicPr>
+          <p:nvPr/>
+        </p:nvPicPr>
+        <p:blipFill>
+          <a:blip r:embed="rId2"/>
+          <a:stretch>
+            <a:fillRect/>
+          </a:stretch>
+        </p:blipFill>
+        <p:spPr>
+          <a:xfrm>
+            <a:off x="2282703" y="3486383"/>
+            <a:ext cx="574747" cy="246579"/>
+          </a:xfrm>
+          <a:prstGeom prst="rect">
+            <a:avLst/>
+          </a:prstGeom>
+        </p:spPr>
+      </p:pic>
+      <p:pic>
+        <p:nvPicPr>
+          <p:cNvPr id="43" name="Imagen 42">
+            <a:extLst>
+              <a:ext uri="{FF2B5EF4-FFF2-40B4-BE49-F238E27FC236}">
+                <a16:creationId xmlns:a16="http://schemas.microsoft.com/office/drawing/2014/main" id="{388C8788-68A8-4264-8B46-F677ABB8EB70}"/>
+              </a:ext>
+            </a:extLst>
+          </p:cNvPr>
+          <p:cNvPicPr>
+            <a:picLocks noChangeAspect="1"/>
+          </p:cNvPicPr>
+          <p:nvPr/>
+        </p:nvPicPr>
+        <p:blipFill>
+          <a:blip r:embed="rId5"/>
+          <a:stretch>
+            <a:fillRect/>
+          </a:stretch>
+        </p:blipFill>
+        <p:spPr>
+          <a:xfrm>
+            <a:off x="2066436" y="3469229"/>
+            <a:ext cx="438186" cy="472921"/>
+          </a:xfrm>
+          <a:prstGeom prst="rect">
+            <a:avLst/>
+          </a:prstGeom>
+        </p:spPr>
+      </p:pic>
+      <p:sp>
+        <p:nvSpPr>
+          <p:cNvPr id="44" name="CuadroTexto 43">
+            <a:extLst>
+              <a:ext uri="{FF2B5EF4-FFF2-40B4-BE49-F238E27FC236}">
+                <a16:creationId xmlns:a16="http://schemas.microsoft.com/office/drawing/2014/main" id="{64397CDE-54E1-42A9-95E9-837884A322FB}"/>
+              </a:ext>
+            </a:extLst>
+          </p:cNvPr>
+          <p:cNvSpPr txBox="1"/>
+          <p:nvPr/>
+        </p:nvSpPr>
+        <p:spPr>
+          <a:xfrm>
+            <a:off x="2218049" y="3855655"/>
+            <a:ext cx="129309" cy="600164"/>
+          </a:xfrm>
+          <a:prstGeom prst="rect">
+            <a:avLst/>
+          </a:prstGeom>
+          <a:noFill/>
+        </p:spPr>
+        <p:txBody>
+          <a:bodyPr wrap="square" rtlCol="0">
+            <a:spAutoFit/>
+          </a:bodyPr>
+          <a:lstStyle/>
+          <a:p>
+            <a:pPr algn="ctr"/>
+            <a:r>
+              <a:rPr lang="es-AR" sz="1100" b="1" dirty="0"/>
+              <a:t>.</a:t>
+            </a:r>
+          </a:p>
+          <a:p>
+            <a:pPr algn="ctr"/>
+            <a:r>
+              <a:rPr lang="es-AR" sz="1100" b="1" dirty="0"/>
+              <a:t>.</a:t>
+            </a:r>
+          </a:p>
+          <a:p>
+            <a:pPr algn="ctr"/>
+            <a:r>
+              <a:rPr lang="es-AR" sz="1100" b="1" dirty="0"/>
+              <a:t>.</a:t>
+            </a:r>
+          </a:p>
+        </p:txBody>
+      </p:sp>
+      <p:pic>
+        <p:nvPicPr>
+          <p:cNvPr id="45" name="Imagen 44">
+            <a:extLst>
+              <a:ext uri="{FF2B5EF4-FFF2-40B4-BE49-F238E27FC236}">
+                <a16:creationId xmlns:a16="http://schemas.microsoft.com/office/drawing/2014/main" id="{ACA2AD6E-028D-4208-A643-3443990B9168}"/>
+              </a:ext>
+            </a:extLst>
+          </p:cNvPr>
+          <p:cNvPicPr>
+            <a:picLocks noChangeAspect="1"/>
+          </p:cNvPicPr>
+          <p:nvPr/>
+        </p:nvPicPr>
+        <p:blipFill>
+          <a:blip r:embed="rId2"/>
+          <a:stretch>
+            <a:fillRect/>
+          </a:stretch>
+        </p:blipFill>
+        <p:spPr>
+          <a:xfrm>
+            <a:off x="2282703" y="4443664"/>
+            <a:ext cx="574747" cy="246579"/>
+          </a:xfrm>
+          <a:prstGeom prst="rect">
+            <a:avLst/>
+          </a:prstGeom>
+        </p:spPr>
+      </p:pic>
+      <p:pic>
+        <p:nvPicPr>
+          <p:cNvPr id="46" name="Imagen 45">
+            <a:extLst>
+              <a:ext uri="{FF2B5EF4-FFF2-40B4-BE49-F238E27FC236}">
+                <a16:creationId xmlns:a16="http://schemas.microsoft.com/office/drawing/2014/main" id="{E78B5648-3F0C-4BA2-AB1F-94EF22117822}"/>
+              </a:ext>
+            </a:extLst>
+          </p:cNvPr>
+          <p:cNvPicPr>
+            <a:picLocks noChangeAspect="1"/>
+          </p:cNvPicPr>
+          <p:nvPr/>
+        </p:nvPicPr>
+        <p:blipFill>
+          <a:blip r:embed="rId5"/>
+          <a:stretch>
+            <a:fillRect/>
+          </a:stretch>
+        </p:blipFill>
+        <p:spPr>
+          <a:xfrm>
+            <a:off x="2066436" y="4426510"/>
+            <a:ext cx="438186" cy="472921"/>
+          </a:xfrm>
+          <a:prstGeom prst="rect">
+            <a:avLst/>
+          </a:prstGeom>
+        </p:spPr>
+      </p:pic>
+      <p:sp>
+        <p:nvSpPr>
+          <p:cNvPr id="38" name="Rectángulo: esquinas redondeadas 37">
+            <a:extLst>
+              <a:ext uri="{FF2B5EF4-FFF2-40B4-BE49-F238E27FC236}">
+                <a16:creationId xmlns:a16="http://schemas.microsoft.com/office/drawing/2014/main" id="{D2F924A9-317E-4E39-98CC-6B0200090472}"/>
+              </a:ext>
+            </a:extLst>
+          </p:cNvPr>
+          <p:cNvSpPr/>
+          <p:nvPr/>
+        </p:nvSpPr>
+        <p:spPr>
+          <a:xfrm>
+            <a:off x="98971" y="363784"/>
+            <a:ext cx="2837135" cy="1471726"/>
+          </a:xfrm>
+          <a:prstGeom prst="roundRect">
+            <a:avLst/>
+          </a:prstGeom>
+          <a:noFill/>
+          <a:ln w="3175">
+            <a:solidFill>
+              <a:schemeClr val="bg1">
+                <a:lumMod val="75000"/>
+              </a:schemeClr>
+            </a:solidFill>
+          </a:ln>
+        </p:spPr>
+        <p:style>
+          <a:lnRef idx="2">
+            <a:schemeClr val="accent1">
+              <a:shade val="50000"/>
+            </a:schemeClr>
+          </a:lnRef>
+          <a:fillRef idx="1">
+            <a:schemeClr val="accent1"/>
+          </a:fillRef>
+          <a:effectRef idx="0">
+            <a:schemeClr val="accent1"/>
+          </a:effectRef>
+          <a:fontRef idx="minor">
+            <a:schemeClr val="lt1"/>
+          </a:fontRef>
+        </p:style>
+        <p:txBody>
+          <a:bodyPr rtlCol="0" anchor="ctr"/>
+          <a:lstStyle/>
+          <a:p>
+            <a:pPr algn="ctr"/>
+            <a:endParaRPr lang="es-ES"/>
+          </a:p>
+        </p:txBody>
+      </p:sp>
+      <p:sp>
+        <p:nvSpPr>
+          <p:cNvPr id="48" name="Rectángulo: esquinas redondeadas 47">
+            <a:extLst>
+              <a:ext uri="{FF2B5EF4-FFF2-40B4-BE49-F238E27FC236}">
+                <a16:creationId xmlns:a16="http://schemas.microsoft.com/office/drawing/2014/main" id="{F67AD72A-0483-4F20-8D11-ACD74DD1241B}"/>
+              </a:ext>
+            </a:extLst>
+          </p:cNvPr>
+          <p:cNvSpPr/>
+          <p:nvPr/>
+        </p:nvSpPr>
+        <p:spPr>
+          <a:xfrm>
+            <a:off x="113721" y="1902533"/>
+            <a:ext cx="2837135" cy="1471726"/>
+          </a:xfrm>
+          <a:prstGeom prst="roundRect">
+            <a:avLst/>
+          </a:prstGeom>
+          <a:noFill/>
+          <a:ln w="3175">
+            <a:solidFill>
+              <a:schemeClr val="bg1">
+                <a:lumMod val="75000"/>
+              </a:schemeClr>
+            </a:solidFill>
+          </a:ln>
+        </p:spPr>
+        <p:style>
+          <a:lnRef idx="2">
+            <a:schemeClr val="accent1">
+              <a:shade val="50000"/>
+            </a:schemeClr>
+          </a:lnRef>
+          <a:fillRef idx="1">
+            <a:schemeClr val="accent1"/>
+          </a:fillRef>
+          <a:effectRef idx="0">
+            <a:schemeClr val="accent1"/>
+          </a:effectRef>
+          <a:fontRef idx="minor">
+            <a:schemeClr val="lt1"/>
+          </a:fontRef>
+        </p:style>
+        <p:txBody>
+          <a:bodyPr rtlCol="0" anchor="ctr"/>
+          <a:lstStyle/>
+          <a:p>
+            <a:pPr algn="ctr"/>
+            <a:endParaRPr lang="es-ES"/>
+          </a:p>
+        </p:txBody>
+      </p:sp>
+      <p:sp>
+        <p:nvSpPr>
+          <p:cNvPr id="49" name="Rectángulo: esquinas redondeadas 48">
+            <a:extLst>
+              <a:ext uri="{FF2B5EF4-FFF2-40B4-BE49-F238E27FC236}">
+                <a16:creationId xmlns:a16="http://schemas.microsoft.com/office/drawing/2014/main" id="{12998CFD-C1F7-434F-BFA2-546FE7D793B3}"/>
+              </a:ext>
+            </a:extLst>
+          </p:cNvPr>
+          <p:cNvSpPr/>
+          <p:nvPr/>
+        </p:nvSpPr>
+        <p:spPr>
+          <a:xfrm>
+            <a:off x="98970" y="3442479"/>
+            <a:ext cx="2837135" cy="1471726"/>
+          </a:xfrm>
+          <a:prstGeom prst="roundRect">
+            <a:avLst/>
+          </a:prstGeom>
+          <a:noFill/>
+          <a:ln w="3175">
+            <a:solidFill>
+              <a:schemeClr val="bg1">
+                <a:lumMod val="75000"/>
+              </a:schemeClr>
+            </a:solidFill>
+          </a:ln>
+        </p:spPr>
+        <p:style>
+          <a:lnRef idx="2">
+            <a:schemeClr val="accent1">
+              <a:shade val="50000"/>
+            </a:schemeClr>
+          </a:lnRef>
+          <a:fillRef idx="1">
+            <a:schemeClr val="accent1"/>
+          </a:fillRef>
+          <a:effectRef idx="0">
+            <a:schemeClr val="accent1"/>
+          </a:effectRef>
+          <a:fontRef idx="minor">
+            <a:schemeClr val="lt1"/>
+          </a:fontRef>
+        </p:style>
+        <p:txBody>
+          <a:bodyPr rtlCol="0" anchor="ctr"/>
+          <a:lstStyle/>
+          <a:p>
+            <a:pPr algn="ctr"/>
+            <a:endParaRPr lang="es-ES"/>
+          </a:p>
+        </p:txBody>
+      </p:sp>
+      <p:sp>
+        <p:nvSpPr>
+          <p:cNvPr id="50" name="Rectángulo: esquinas redondeadas 49">
+            <a:extLst>
+              <a:ext uri="{FF2B5EF4-FFF2-40B4-BE49-F238E27FC236}">
+                <a16:creationId xmlns:a16="http://schemas.microsoft.com/office/drawing/2014/main" id="{8ECA890D-35F2-4AEB-A478-ED11F3381936}"/>
+              </a:ext>
+            </a:extLst>
+          </p:cNvPr>
+          <p:cNvSpPr/>
+          <p:nvPr/>
+        </p:nvSpPr>
+        <p:spPr>
+          <a:xfrm>
+            <a:off x="610249" y="4980060"/>
+            <a:ext cx="1894600" cy="1569656"/>
+          </a:xfrm>
+          <a:prstGeom prst="roundRect">
+            <a:avLst/>
+          </a:prstGeom>
+          <a:noFill/>
+          <a:ln w="3175">
+            <a:solidFill>
+              <a:schemeClr val="bg1">
+                <a:lumMod val="75000"/>
+              </a:schemeClr>
+            </a:solidFill>
+          </a:ln>
+        </p:spPr>
+        <p:style>
+          <a:lnRef idx="2">
+            <a:schemeClr val="accent1">
+              <a:shade val="50000"/>
+            </a:schemeClr>
+          </a:lnRef>
+          <a:fillRef idx="1">
+            <a:schemeClr val="accent1"/>
+          </a:fillRef>
+          <a:effectRef idx="0">
+            <a:schemeClr val="accent1"/>
+          </a:effectRef>
+          <a:fontRef idx="minor">
+            <a:schemeClr val="lt1"/>
+          </a:fontRef>
+        </p:style>
+        <p:txBody>
+          <a:bodyPr rtlCol="0" anchor="ctr"/>
+          <a:lstStyle/>
+          <a:p>
+            <a:pPr algn="ctr"/>
+            <a:endParaRPr lang="es-ES"/>
+          </a:p>
+        </p:txBody>
+      </p:sp>
+      <p:sp>
+        <p:nvSpPr>
+          <p:cNvPr id="47" name="Rectángulo 46">
+            <a:extLst>
+              <a:ext uri="{FF2B5EF4-FFF2-40B4-BE49-F238E27FC236}">
+                <a16:creationId xmlns:a16="http://schemas.microsoft.com/office/drawing/2014/main" id="{DB979E45-1865-47E8-9484-1DC16A403768}"/>
+              </a:ext>
+            </a:extLst>
+          </p:cNvPr>
+          <p:cNvSpPr/>
+          <p:nvPr/>
+        </p:nvSpPr>
+        <p:spPr>
+          <a:xfrm>
+            <a:off x="3494994" y="670167"/>
+            <a:ext cx="3510902" cy="3477875"/>
+          </a:xfrm>
+          <a:prstGeom prst="rect">
+            <a:avLst/>
+          </a:prstGeom>
+          <a:solidFill>
+            <a:schemeClr val="tx1"/>
+          </a:solidFill>
+          <a:ln>
+            <a:noFill/>
+          </a:ln>
+        </p:spPr>
+        <p:txBody>
+          <a:bodyPr wrap="square">
+            <a:spAutoFit/>
+          </a:bodyPr>
+          <a:lstStyle/>
+          <a:p>
+            <a:r>
+              <a:rPr lang="es-ES" sz="1000" b="0" dirty="0">
+                <a:solidFill>
+                  <a:srgbClr val="6A9955"/>
+                </a:solidFill>
+                <a:effectLst/>
+                <a:latin typeface="Consolas" panose="020B0609020204030204" pitchFamily="49" charset="0"/>
+              </a:rPr>
+              <a:t># De éstos </a:t>
+            </a:r>
+            <a:r>
+              <a:rPr lang="es-ES" sz="1000" b="0" dirty="0" err="1">
+                <a:solidFill>
+                  <a:srgbClr val="6A9955"/>
+                </a:solidFill>
+                <a:effectLst/>
+                <a:latin typeface="Consolas" panose="020B0609020204030204" pitchFamily="49" charset="0"/>
+              </a:rPr>
+              <a:t>datasets</a:t>
+            </a:r>
+            <a:r>
+              <a:rPr lang="es-ES" sz="1000" b="0" dirty="0">
+                <a:solidFill>
+                  <a:srgbClr val="6A9955"/>
+                </a:solidFill>
+                <a:effectLst/>
+                <a:latin typeface="Consolas" panose="020B0609020204030204" pitchFamily="49" charset="0"/>
+              </a:rPr>
+              <a:t> usaremos:</a:t>
+            </a:r>
+          </a:p>
+          <a:p>
+            <a:endParaRPr lang="es-ES" sz="1000" b="0" dirty="0">
+              <a:solidFill>
+                <a:srgbClr val="D4D4D4"/>
+              </a:solidFill>
+              <a:effectLst/>
+              <a:latin typeface="Consolas" panose="020B0609020204030204" pitchFamily="49" charset="0"/>
+            </a:endParaRPr>
+          </a:p>
+          <a:p>
+            <a:r>
+              <a:rPr lang="es-ES" sz="1000" b="0" dirty="0" err="1">
+                <a:solidFill>
+                  <a:srgbClr val="9CDCFE"/>
+                </a:solidFill>
+                <a:effectLst/>
+                <a:latin typeface="Consolas" panose="020B0609020204030204" pitchFamily="49" charset="0"/>
+              </a:rPr>
+              <a:t>signal</a:t>
+            </a:r>
+            <a:r>
+              <a:rPr lang="es-ES" sz="1000" b="0" dirty="0">
+                <a:solidFill>
+                  <a:srgbClr val="D4D4D4"/>
+                </a:solidFill>
+                <a:effectLst/>
+                <a:latin typeface="Consolas" panose="020B0609020204030204" pitchFamily="49" charset="0"/>
+              </a:rPr>
+              <a:t> = </a:t>
+            </a:r>
+            <a:r>
+              <a:rPr lang="es-ES" sz="1000" b="0" dirty="0" err="1">
+                <a:solidFill>
+                  <a:srgbClr val="9CDCFE"/>
+                </a:solidFill>
+                <a:effectLst/>
+                <a:latin typeface="Consolas" panose="020B0609020204030204" pitchFamily="49" charset="0"/>
+              </a:rPr>
+              <a:t>mat</a:t>
+            </a:r>
+            <a:r>
+              <a:rPr lang="es-ES" sz="1000" b="0" dirty="0">
+                <a:solidFill>
+                  <a:srgbClr val="D4D4D4"/>
+                </a:solidFill>
+                <a:effectLst/>
+                <a:latin typeface="Consolas" panose="020B0609020204030204" pitchFamily="49" charset="0"/>
+              </a:rPr>
+              <a:t>[</a:t>
+            </a:r>
+            <a:r>
+              <a:rPr lang="es-ES" sz="1000" b="0" dirty="0">
+                <a:solidFill>
+                  <a:srgbClr val="CE9178"/>
+                </a:solidFill>
+                <a:effectLst/>
+                <a:latin typeface="Consolas" panose="020B0609020204030204" pitchFamily="49" charset="0"/>
+              </a:rPr>
+              <a:t>'data'</a:t>
+            </a:r>
+            <a:r>
+              <a:rPr lang="es-ES" sz="1000" b="0" dirty="0">
+                <a:solidFill>
+                  <a:srgbClr val="D4D4D4"/>
+                </a:solidFill>
+                <a:effectLst/>
+                <a:latin typeface="Consolas" panose="020B0609020204030204" pitchFamily="49" charset="0"/>
+              </a:rPr>
+              <a:t>][</a:t>
+            </a:r>
+            <a:r>
+              <a:rPr lang="es-ES" sz="1000" b="0" dirty="0">
+                <a:solidFill>
+                  <a:srgbClr val="B5CEA8"/>
+                </a:solidFill>
+                <a:effectLst/>
+                <a:latin typeface="Consolas" panose="020B0609020204030204" pitchFamily="49" charset="0"/>
+              </a:rPr>
+              <a:t>0</a:t>
+            </a:r>
+            <a:r>
+              <a:rPr lang="es-ES" sz="1000" b="0" dirty="0">
+                <a:solidFill>
+                  <a:srgbClr val="D4D4D4"/>
+                </a:solidFill>
+                <a:effectLst/>
+                <a:latin typeface="Consolas" panose="020B0609020204030204" pitchFamily="49" charset="0"/>
+              </a:rPr>
+              <a:t>][</a:t>
+            </a:r>
+            <a:r>
+              <a:rPr lang="es-ES" sz="1000" b="0" dirty="0">
+                <a:solidFill>
+                  <a:srgbClr val="B5CEA8"/>
+                </a:solidFill>
+                <a:effectLst/>
+                <a:latin typeface="Consolas" panose="020B0609020204030204" pitchFamily="49" charset="0"/>
+              </a:rPr>
+              <a:t>0</a:t>
+            </a:r>
+            <a:r>
+              <a:rPr lang="es-ES" sz="1000" b="0" dirty="0">
+                <a:solidFill>
+                  <a:srgbClr val="D4D4D4"/>
+                </a:solidFill>
+                <a:effectLst/>
+                <a:latin typeface="Consolas" panose="020B0609020204030204" pitchFamily="49" charset="0"/>
+              </a:rPr>
+              <a:t>][</a:t>
+            </a:r>
+            <a:r>
+              <a:rPr lang="es-ES" sz="1000" b="0" dirty="0">
+                <a:solidFill>
+                  <a:srgbClr val="B5CEA8"/>
+                </a:solidFill>
+                <a:effectLst/>
+                <a:latin typeface="Consolas" panose="020B0609020204030204" pitchFamily="49" charset="0"/>
+              </a:rPr>
+              <a:t>0</a:t>
+            </a:r>
+            <a:r>
+              <a:rPr lang="es-ES" sz="1000" b="0" dirty="0">
+                <a:solidFill>
+                  <a:srgbClr val="D4D4D4"/>
+                </a:solidFill>
+                <a:effectLst/>
+                <a:latin typeface="Consolas" panose="020B0609020204030204" pitchFamily="49" charset="0"/>
+              </a:rPr>
+              <a:t>] </a:t>
+            </a:r>
+          </a:p>
+          <a:p>
+            <a:r>
+              <a:rPr lang="es-ES" sz="1000" dirty="0">
+                <a:solidFill>
+                  <a:srgbClr val="6A9955"/>
+                </a:solidFill>
+                <a:latin typeface="Consolas" panose="020B0609020204030204" pitchFamily="49" charset="0"/>
+              </a:rPr>
+              <a:t># Señal principal. contiene el EEG basal.</a:t>
+            </a:r>
+            <a:br>
+              <a:rPr lang="es-ES" sz="1000" b="0" dirty="0">
+                <a:solidFill>
+                  <a:srgbClr val="D4D4D4"/>
+                </a:solidFill>
+                <a:effectLst/>
+                <a:latin typeface="Consolas" panose="020B0609020204030204" pitchFamily="49" charset="0"/>
+              </a:rPr>
+            </a:br>
+            <a:endParaRPr lang="es-ES" sz="1000" b="0" dirty="0">
+              <a:solidFill>
+                <a:srgbClr val="D4D4D4"/>
+              </a:solidFill>
+              <a:effectLst/>
+              <a:latin typeface="Consolas" panose="020B0609020204030204" pitchFamily="49" charset="0"/>
+            </a:endParaRPr>
+          </a:p>
+          <a:p>
+            <a:r>
+              <a:rPr lang="es-ES" sz="1000" b="0" dirty="0" err="1">
+                <a:solidFill>
+                  <a:srgbClr val="9CDCFE"/>
+                </a:solidFill>
+                <a:effectLst/>
+                <a:latin typeface="Consolas" panose="020B0609020204030204" pitchFamily="49" charset="0"/>
+              </a:rPr>
+              <a:t>t_trials</a:t>
+            </a:r>
+            <a:r>
+              <a:rPr lang="es-ES" sz="1000" b="0" dirty="0">
+                <a:solidFill>
+                  <a:srgbClr val="D4D4D4"/>
+                </a:solidFill>
+                <a:effectLst/>
+                <a:latin typeface="Consolas" panose="020B0609020204030204" pitchFamily="49" charset="0"/>
+              </a:rPr>
+              <a:t> = </a:t>
+            </a:r>
+            <a:r>
+              <a:rPr lang="es-ES" sz="1000" b="0" dirty="0" err="1">
+                <a:solidFill>
+                  <a:srgbClr val="9CDCFE"/>
+                </a:solidFill>
+                <a:effectLst/>
+                <a:latin typeface="Consolas" panose="020B0609020204030204" pitchFamily="49" charset="0"/>
+              </a:rPr>
+              <a:t>mat</a:t>
+            </a:r>
+            <a:r>
+              <a:rPr lang="es-ES" sz="1000" b="0" dirty="0">
+                <a:solidFill>
+                  <a:srgbClr val="D4D4D4"/>
+                </a:solidFill>
+                <a:effectLst/>
+                <a:latin typeface="Consolas" panose="020B0609020204030204" pitchFamily="49" charset="0"/>
+              </a:rPr>
+              <a:t>[</a:t>
+            </a:r>
+            <a:r>
+              <a:rPr lang="es-ES" sz="1000" b="0" dirty="0">
+                <a:solidFill>
+                  <a:srgbClr val="CE9178"/>
+                </a:solidFill>
+                <a:effectLst/>
+                <a:latin typeface="Consolas" panose="020B0609020204030204" pitchFamily="49" charset="0"/>
+              </a:rPr>
+              <a:t>'data'</a:t>
+            </a:r>
+            <a:r>
+              <a:rPr lang="es-ES" sz="1000" b="0" dirty="0">
+                <a:solidFill>
+                  <a:srgbClr val="D4D4D4"/>
+                </a:solidFill>
+                <a:effectLst/>
+                <a:latin typeface="Consolas" panose="020B0609020204030204" pitchFamily="49" charset="0"/>
+              </a:rPr>
+              <a:t>][</a:t>
+            </a:r>
+            <a:r>
+              <a:rPr lang="es-ES" sz="1000" b="0" dirty="0">
+                <a:solidFill>
+                  <a:srgbClr val="B5CEA8"/>
+                </a:solidFill>
+                <a:effectLst/>
+                <a:latin typeface="Consolas" panose="020B0609020204030204" pitchFamily="49" charset="0"/>
+              </a:rPr>
+              <a:t>0</a:t>
+            </a:r>
+            <a:r>
+              <a:rPr lang="es-ES" sz="1000" b="0" dirty="0">
+                <a:solidFill>
+                  <a:srgbClr val="D4D4D4"/>
+                </a:solidFill>
+                <a:effectLst/>
+                <a:latin typeface="Consolas" panose="020B0609020204030204" pitchFamily="49" charset="0"/>
+              </a:rPr>
+              <a:t>][</a:t>
+            </a:r>
+            <a:r>
+              <a:rPr lang="es-ES" sz="1000" b="0" dirty="0">
+                <a:solidFill>
+                  <a:srgbClr val="B5CEA8"/>
+                </a:solidFill>
+                <a:effectLst/>
+                <a:latin typeface="Consolas" panose="020B0609020204030204" pitchFamily="49" charset="0"/>
+              </a:rPr>
+              <a:t>0</a:t>
+            </a:r>
+            <a:r>
+              <a:rPr lang="es-ES" sz="1000" b="0" dirty="0">
+                <a:solidFill>
+                  <a:srgbClr val="D4D4D4"/>
+                </a:solidFill>
+                <a:effectLst/>
+                <a:latin typeface="Consolas" panose="020B0609020204030204" pitchFamily="49" charset="0"/>
+              </a:rPr>
+              <a:t>][</a:t>
+            </a:r>
+            <a:r>
+              <a:rPr lang="es-ES" sz="1000" b="0" dirty="0">
+                <a:solidFill>
+                  <a:srgbClr val="B5CEA8"/>
+                </a:solidFill>
+                <a:effectLst/>
+                <a:latin typeface="Consolas" panose="020B0609020204030204" pitchFamily="49" charset="0"/>
+              </a:rPr>
+              <a:t>3</a:t>
+            </a:r>
+            <a:r>
+              <a:rPr lang="es-ES" sz="1000" b="0" dirty="0">
+                <a:solidFill>
+                  <a:srgbClr val="D4D4D4"/>
+                </a:solidFill>
+                <a:effectLst/>
+                <a:latin typeface="Consolas" panose="020B0609020204030204" pitchFamily="49" charset="0"/>
+              </a:rPr>
+              <a:t>]</a:t>
+            </a:r>
+          </a:p>
+          <a:p>
+            <a:r>
+              <a:rPr lang="es-ES" sz="1000" dirty="0">
+                <a:solidFill>
+                  <a:srgbClr val="6A9955"/>
+                </a:solidFill>
+                <a:latin typeface="Consolas" panose="020B0609020204030204" pitchFamily="49" charset="0"/>
+              </a:rPr>
+              <a:t># Punto muestral donde empieza cada uno de los 35 triales.</a:t>
+            </a:r>
+          </a:p>
+          <a:p>
+            <a:r>
+              <a:rPr lang="es-AR" sz="1000" b="0" dirty="0">
+                <a:solidFill>
+                  <a:srgbClr val="6A9955"/>
+                </a:solidFill>
+                <a:effectLst/>
+                <a:latin typeface="Consolas" panose="020B0609020204030204" pitchFamily="49" charset="0"/>
+              </a:rPr>
+              <a:t>VOLVER A LEER LA DESCRIPCIÓN DEL EXPERIMENTO.</a:t>
+            </a:r>
+            <a:endParaRPr lang="es-ES" sz="1000" b="0" dirty="0">
+              <a:solidFill>
+                <a:srgbClr val="6A9955"/>
+              </a:solidFill>
+              <a:effectLst/>
+              <a:latin typeface="Consolas" panose="020B0609020204030204" pitchFamily="49" charset="0"/>
+            </a:endParaRPr>
+          </a:p>
+          <a:p>
+            <a:br>
+              <a:rPr lang="es-ES" sz="1000" b="0" dirty="0">
+                <a:solidFill>
+                  <a:srgbClr val="D4D4D4"/>
+                </a:solidFill>
+                <a:effectLst/>
+                <a:latin typeface="Consolas" panose="020B0609020204030204" pitchFamily="49" charset="0"/>
+              </a:rPr>
+            </a:br>
+            <a:r>
+              <a:rPr lang="es-ES" sz="1000" b="0" dirty="0" err="1">
+                <a:solidFill>
+                  <a:srgbClr val="9CDCFE"/>
+                </a:solidFill>
+                <a:effectLst/>
+                <a:latin typeface="Consolas" panose="020B0609020204030204" pitchFamily="49" charset="0"/>
+              </a:rPr>
+              <a:t>t_flash</a:t>
+            </a:r>
+            <a:r>
+              <a:rPr lang="es-ES" sz="1000" b="0" dirty="0">
+                <a:solidFill>
+                  <a:srgbClr val="D4D4D4"/>
+                </a:solidFill>
+                <a:effectLst/>
+                <a:latin typeface="Consolas" panose="020B0609020204030204" pitchFamily="49" charset="0"/>
+              </a:rPr>
+              <a:t> = </a:t>
+            </a:r>
+            <a:r>
+              <a:rPr lang="es-ES" sz="1000" b="0" dirty="0" err="1">
+                <a:solidFill>
+                  <a:srgbClr val="9CDCFE"/>
+                </a:solidFill>
+                <a:effectLst/>
+                <a:latin typeface="Consolas" panose="020B0609020204030204" pitchFamily="49" charset="0"/>
+              </a:rPr>
+              <a:t>mat</a:t>
+            </a:r>
+            <a:r>
+              <a:rPr lang="es-ES" sz="1000" b="0" dirty="0">
+                <a:solidFill>
+                  <a:srgbClr val="D4D4D4"/>
+                </a:solidFill>
+                <a:effectLst/>
+                <a:latin typeface="Consolas" panose="020B0609020204030204" pitchFamily="49" charset="0"/>
+              </a:rPr>
+              <a:t>[</a:t>
+            </a:r>
+            <a:r>
+              <a:rPr lang="es-ES" sz="1000" b="0" dirty="0">
+                <a:solidFill>
+                  <a:srgbClr val="CE9178"/>
+                </a:solidFill>
+                <a:effectLst/>
+                <a:latin typeface="Consolas" panose="020B0609020204030204" pitchFamily="49" charset="0"/>
+              </a:rPr>
+              <a:t>'data'</a:t>
+            </a:r>
+            <a:r>
+              <a:rPr lang="es-ES" sz="1000" b="0" dirty="0">
+                <a:solidFill>
+                  <a:srgbClr val="D4D4D4"/>
+                </a:solidFill>
+                <a:effectLst/>
+                <a:latin typeface="Consolas" panose="020B0609020204030204" pitchFamily="49" charset="0"/>
+              </a:rPr>
+              <a:t>][</a:t>
+            </a:r>
+            <a:r>
+              <a:rPr lang="es-ES" sz="1000" b="0" dirty="0">
+                <a:solidFill>
+                  <a:srgbClr val="B5CEA8"/>
+                </a:solidFill>
+                <a:effectLst/>
+                <a:latin typeface="Consolas" panose="020B0609020204030204" pitchFamily="49" charset="0"/>
+              </a:rPr>
+              <a:t>0</a:t>
+            </a:r>
+            <a:r>
+              <a:rPr lang="es-ES" sz="1000" b="0" dirty="0">
+                <a:solidFill>
+                  <a:srgbClr val="D4D4D4"/>
+                </a:solidFill>
+                <a:effectLst/>
+                <a:latin typeface="Consolas" panose="020B0609020204030204" pitchFamily="49" charset="0"/>
+              </a:rPr>
+              <a:t>][</a:t>
+            </a:r>
+            <a:r>
+              <a:rPr lang="es-ES" sz="1000" b="0" dirty="0">
+                <a:solidFill>
+                  <a:srgbClr val="B5CEA8"/>
+                </a:solidFill>
+                <a:effectLst/>
+                <a:latin typeface="Consolas" panose="020B0609020204030204" pitchFamily="49" charset="0"/>
+              </a:rPr>
+              <a:t>0</a:t>
+            </a:r>
+            <a:r>
+              <a:rPr lang="es-ES" sz="1000" b="0" dirty="0">
+                <a:solidFill>
+                  <a:srgbClr val="D4D4D4"/>
+                </a:solidFill>
+                <a:effectLst/>
+                <a:latin typeface="Consolas" panose="020B0609020204030204" pitchFamily="49" charset="0"/>
+              </a:rPr>
+              <a:t>][</a:t>
+            </a:r>
+            <a:r>
+              <a:rPr lang="es-ES" sz="1000" b="0" dirty="0">
+                <a:solidFill>
+                  <a:srgbClr val="B5CEA8"/>
+                </a:solidFill>
+                <a:effectLst/>
+                <a:latin typeface="Consolas" panose="020B0609020204030204" pitchFamily="49" charset="0"/>
+              </a:rPr>
+              <a:t>4</a:t>
+            </a:r>
+            <a:r>
+              <a:rPr lang="es-ES" sz="1000" b="0" dirty="0">
+                <a:solidFill>
+                  <a:srgbClr val="D4D4D4"/>
+                </a:solidFill>
+                <a:effectLst/>
+                <a:latin typeface="Consolas" panose="020B0609020204030204" pitchFamily="49" charset="0"/>
+              </a:rPr>
+              <a:t>]</a:t>
+            </a:r>
+          </a:p>
+          <a:p>
+            <a:r>
+              <a:rPr lang="es-ES" sz="1000" dirty="0">
+                <a:solidFill>
+                  <a:srgbClr val="6A9955"/>
+                </a:solidFill>
+                <a:latin typeface="Consolas" panose="020B0609020204030204" pitchFamily="49" charset="0"/>
+              </a:rPr>
+              <a:t># Muestra que contiene los puntos donde cada parpadeo inicia. Está conformado por: </a:t>
+            </a:r>
+            <a:r>
+              <a:rPr lang="en-US" sz="1000" dirty="0">
+                <a:solidFill>
+                  <a:srgbClr val="6A9955"/>
+                </a:solidFill>
+                <a:latin typeface="Consolas" panose="020B0609020204030204" pitchFamily="49" charset="0"/>
+              </a:rPr>
+              <a:t>sample point id, duration, stimulation, hit/</a:t>
+            </a:r>
+            <a:r>
+              <a:rPr lang="en-US" sz="1000" dirty="0" err="1">
+                <a:solidFill>
+                  <a:srgbClr val="6A9955"/>
+                </a:solidFill>
+                <a:latin typeface="Consolas" panose="020B0609020204030204" pitchFamily="49" charset="0"/>
+              </a:rPr>
+              <a:t>nohit</a:t>
+            </a:r>
+            <a:r>
+              <a:rPr lang="en-US" sz="1000" dirty="0">
+                <a:solidFill>
+                  <a:srgbClr val="6A9955"/>
+                </a:solidFill>
+                <a:latin typeface="Consolas" panose="020B0609020204030204" pitchFamily="49" charset="0"/>
+              </a:rPr>
+              <a:t>. </a:t>
+            </a:r>
+          </a:p>
+          <a:p>
+            <a:br>
+              <a:rPr lang="es-ES" sz="1000" dirty="0">
+                <a:solidFill>
+                  <a:srgbClr val="6A9955"/>
+                </a:solidFill>
+                <a:latin typeface="Consolas" panose="020B0609020204030204" pitchFamily="49" charset="0"/>
+              </a:rPr>
+            </a:br>
+            <a:r>
+              <a:rPr lang="es-ES" sz="1000" b="0" dirty="0" err="1">
+                <a:solidFill>
+                  <a:srgbClr val="9CDCFE"/>
+                </a:solidFill>
+                <a:effectLst/>
+                <a:latin typeface="Consolas" panose="020B0609020204030204" pitchFamily="49" charset="0"/>
+              </a:rPr>
+              <a:t>t_stim</a:t>
+            </a:r>
+            <a:r>
+              <a:rPr lang="es-ES" sz="1000" b="0" dirty="0">
+                <a:solidFill>
+                  <a:srgbClr val="D4D4D4"/>
+                </a:solidFill>
+                <a:effectLst/>
+                <a:latin typeface="Consolas" panose="020B0609020204030204" pitchFamily="49" charset="0"/>
+              </a:rPr>
+              <a:t> = </a:t>
+            </a:r>
+            <a:r>
+              <a:rPr lang="es-ES" sz="1000" b="0" dirty="0" err="1">
+                <a:solidFill>
+                  <a:srgbClr val="9CDCFE"/>
+                </a:solidFill>
+                <a:effectLst/>
+                <a:latin typeface="Consolas" panose="020B0609020204030204" pitchFamily="49" charset="0"/>
+              </a:rPr>
+              <a:t>mat</a:t>
+            </a:r>
+            <a:r>
+              <a:rPr lang="es-ES" sz="1000" b="0" dirty="0">
+                <a:solidFill>
+                  <a:srgbClr val="D4D4D4"/>
+                </a:solidFill>
+                <a:effectLst/>
+                <a:latin typeface="Consolas" panose="020B0609020204030204" pitchFamily="49" charset="0"/>
+              </a:rPr>
+              <a:t>[</a:t>
+            </a:r>
+            <a:r>
+              <a:rPr lang="es-ES" sz="1000" b="0" dirty="0">
+                <a:solidFill>
+                  <a:srgbClr val="CE9178"/>
+                </a:solidFill>
+                <a:effectLst/>
+                <a:latin typeface="Consolas" panose="020B0609020204030204" pitchFamily="49" charset="0"/>
+              </a:rPr>
+              <a:t>'data'</a:t>
+            </a:r>
+            <a:r>
+              <a:rPr lang="es-ES" sz="1000" b="0" dirty="0">
+                <a:solidFill>
+                  <a:srgbClr val="D4D4D4"/>
+                </a:solidFill>
+                <a:effectLst/>
+                <a:latin typeface="Consolas" panose="020B0609020204030204" pitchFamily="49" charset="0"/>
+              </a:rPr>
+              <a:t>][</a:t>
+            </a:r>
+            <a:r>
+              <a:rPr lang="es-ES" sz="1000" b="0" dirty="0">
+                <a:solidFill>
+                  <a:srgbClr val="B5CEA8"/>
+                </a:solidFill>
+                <a:effectLst/>
+                <a:latin typeface="Consolas" panose="020B0609020204030204" pitchFamily="49" charset="0"/>
+              </a:rPr>
+              <a:t>0</a:t>
+            </a:r>
+            <a:r>
+              <a:rPr lang="es-ES" sz="1000" b="0" dirty="0">
+                <a:solidFill>
+                  <a:srgbClr val="D4D4D4"/>
+                </a:solidFill>
+                <a:effectLst/>
+                <a:latin typeface="Consolas" panose="020B0609020204030204" pitchFamily="49" charset="0"/>
+              </a:rPr>
+              <a:t>][</a:t>
+            </a:r>
+            <a:r>
+              <a:rPr lang="es-ES" sz="1000" b="0" dirty="0">
+                <a:solidFill>
+                  <a:srgbClr val="B5CEA8"/>
+                </a:solidFill>
+                <a:effectLst/>
+                <a:latin typeface="Consolas" panose="020B0609020204030204" pitchFamily="49" charset="0"/>
+              </a:rPr>
+              <a:t>0</a:t>
+            </a:r>
+            <a:r>
+              <a:rPr lang="es-ES" sz="1000" b="0" dirty="0">
+                <a:solidFill>
+                  <a:srgbClr val="D4D4D4"/>
+                </a:solidFill>
+                <a:effectLst/>
+                <a:latin typeface="Consolas" panose="020B0609020204030204" pitchFamily="49" charset="0"/>
+              </a:rPr>
+              <a:t>][</a:t>
+            </a:r>
+            <a:r>
+              <a:rPr lang="es-ES" sz="1000" b="0" dirty="0">
+                <a:solidFill>
+                  <a:srgbClr val="B5CEA8"/>
+                </a:solidFill>
+                <a:effectLst/>
+                <a:latin typeface="Consolas" panose="020B0609020204030204" pitchFamily="49" charset="0"/>
+              </a:rPr>
+              <a:t>2</a:t>
+            </a:r>
+            <a:r>
+              <a:rPr lang="es-ES" sz="1000" b="0" dirty="0">
+                <a:solidFill>
+                  <a:srgbClr val="D4D4D4"/>
+                </a:solidFill>
+                <a:effectLst/>
+                <a:latin typeface="Consolas" panose="020B0609020204030204" pitchFamily="49" charset="0"/>
+              </a:rPr>
+              <a:t>]</a:t>
+            </a:r>
+          </a:p>
+          <a:p>
+            <a:r>
+              <a:rPr lang="es-AR" sz="1000" dirty="0">
+                <a:solidFill>
+                  <a:srgbClr val="6A9955"/>
+                </a:solidFill>
+                <a:latin typeface="Consolas" panose="020B0609020204030204" pitchFamily="49" charset="0"/>
+              </a:rPr>
+              <a:t>#</a:t>
+            </a:r>
+            <a:r>
+              <a:rPr lang="es-ES" sz="1000" dirty="0">
+                <a:solidFill>
+                  <a:srgbClr val="6A9955"/>
+                </a:solidFill>
+                <a:latin typeface="Consolas" panose="020B0609020204030204" pitchFamily="49" charset="0"/>
+              </a:rPr>
+              <a:t> Es la señal que contiene el </a:t>
+            </a:r>
+          </a:p>
+          <a:p>
+            <a:r>
+              <a:rPr lang="es-ES" sz="1000" dirty="0">
+                <a:solidFill>
+                  <a:srgbClr val="6A9955"/>
+                </a:solidFill>
+                <a:latin typeface="Consolas" panose="020B0609020204030204" pitchFamily="49" charset="0"/>
+              </a:rPr>
+              <a:t># estímulo, 1-6 filas, 7-12 columnas</a:t>
+            </a:r>
+          </a:p>
+          <a:p>
+            <a:endParaRPr lang="es-ES" sz="1000" b="0" dirty="0">
+              <a:solidFill>
+                <a:srgbClr val="9CDCFE"/>
+              </a:solidFill>
+              <a:effectLst/>
+              <a:latin typeface="Consolas" panose="020B0609020204030204" pitchFamily="49" charset="0"/>
+            </a:endParaRPr>
+          </a:p>
+          <a:p>
+            <a:r>
+              <a:rPr lang="es-ES" sz="1000" b="0" dirty="0" err="1">
+                <a:solidFill>
+                  <a:srgbClr val="9CDCFE"/>
+                </a:solidFill>
+                <a:effectLst/>
+                <a:latin typeface="Consolas" panose="020B0609020204030204" pitchFamily="49" charset="0"/>
+              </a:rPr>
+              <a:t>t_type</a:t>
+            </a:r>
+            <a:r>
+              <a:rPr lang="es-ES" sz="1000" b="0" dirty="0">
+                <a:solidFill>
+                  <a:srgbClr val="D4D4D4"/>
+                </a:solidFill>
+                <a:effectLst/>
+                <a:latin typeface="Consolas" panose="020B0609020204030204" pitchFamily="49" charset="0"/>
+              </a:rPr>
+              <a:t> = </a:t>
+            </a:r>
+            <a:r>
+              <a:rPr lang="es-ES" sz="1000" b="0" dirty="0" err="1">
+                <a:solidFill>
+                  <a:srgbClr val="9CDCFE"/>
+                </a:solidFill>
+                <a:effectLst/>
+                <a:latin typeface="Consolas" panose="020B0609020204030204" pitchFamily="49" charset="0"/>
+              </a:rPr>
+              <a:t>mat</a:t>
+            </a:r>
+            <a:r>
+              <a:rPr lang="es-ES" sz="1000" b="0" dirty="0">
+                <a:solidFill>
+                  <a:srgbClr val="D4D4D4"/>
+                </a:solidFill>
+                <a:effectLst/>
+                <a:latin typeface="Consolas" panose="020B0609020204030204" pitchFamily="49" charset="0"/>
+              </a:rPr>
+              <a:t>[</a:t>
+            </a:r>
+            <a:r>
+              <a:rPr lang="es-ES" sz="1000" b="0" dirty="0">
+                <a:solidFill>
+                  <a:srgbClr val="CE9178"/>
+                </a:solidFill>
+                <a:effectLst/>
+                <a:latin typeface="Consolas" panose="020B0609020204030204" pitchFamily="49" charset="0"/>
+              </a:rPr>
+              <a:t>'data'</a:t>
+            </a:r>
+            <a:r>
+              <a:rPr lang="es-ES" sz="1000" b="0" dirty="0">
+                <a:solidFill>
+                  <a:srgbClr val="D4D4D4"/>
+                </a:solidFill>
+                <a:effectLst/>
+                <a:latin typeface="Consolas" panose="020B0609020204030204" pitchFamily="49" charset="0"/>
+              </a:rPr>
+              <a:t>][</a:t>
+            </a:r>
+            <a:r>
+              <a:rPr lang="es-ES" sz="1000" b="0" dirty="0">
+                <a:solidFill>
+                  <a:srgbClr val="B5CEA8"/>
+                </a:solidFill>
+                <a:effectLst/>
+                <a:latin typeface="Consolas" panose="020B0609020204030204" pitchFamily="49" charset="0"/>
+              </a:rPr>
+              <a:t>0</a:t>
+            </a:r>
+            <a:r>
+              <a:rPr lang="es-ES" sz="1000" b="0" dirty="0">
+                <a:solidFill>
+                  <a:srgbClr val="D4D4D4"/>
+                </a:solidFill>
+                <a:effectLst/>
+                <a:latin typeface="Consolas" panose="020B0609020204030204" pitchFamily="49" charset="0"/>
+              </a:rPr>
+              <a:t>][</a:t>
+            </a:r>
+            <a:r>
+              <a:rPr lang="es-ES" sz="1000" b="0" dirty="0">
+                <a:solidFill>
+                  <a:srgbClr val="B5CEA8"/>
+                </a:solidFill>
+                <a:effectLst/>
+                <a:latin typeface="Consolas" panose="020B0609020204030204" pitchFamily="49" charset="0"/>
+              </a:rPr>
+              <a:t>0</a:t>
+            </a:r>
+            <a:r>
+              <a:rPr lang="es-ES" sz="1000" b="0" dirty="0">
+                <a:solidFill>
+                  <a:srgbClr val="D4D4D4"/>
+                </a:solidFill>
+                <a:effectLst/>
+                <a:latin typeface="Consolas" panose="020B0609020204030204" pitchFamily="49" charset="0"/>
+              </a:rPr>
+              <a:t>][</a:t>
+            </a:r>
+            <a:r>
+              <a:rPr lang="es-ES" sz="1000" b="0" dirty="0">
+                <a:solidFill>
+                  <a:srgbClr val="B5CEA8"/>
+                </a:solidFill>
+                <a:effectLst/>
+                <a:latin typeface="Consolas" panose="020B0609020204030204" pitchFamily="49" charset="0"/>
+              </a:rPr>
+              <a:t>1</a:t>
+            </a:r>
+            <a:r>
+              <a:rPr lang="es-ES" sz="1000" b="0" dirty="0">
+                <a:solidFill>
+                  <a:srgbClr val="D4D4D4"/>
+                </a:solidFill>
+                <a:effectLst/>
+                <a:latin typeface="Consolas" panose="020B0609020204030204" pitchFamily="49" charset="0"/>
+              </a:rPr>
+              <a:t>]</a:t>
+            </a:r>
+          </a:p>
+          <a:p>
+            <a:r>
+              <a:rPr lang="es-AR" sz="1000" dirty="0">
+                <a:solidFill>
+                  <a:srgbClr val="6A9955"/>
+                </a:solidFill>
+                <a:latin typeface="Consolas" panose="020B0609020204030204" pitchFamily="49" charset="0"/>
+              </a:rPr>
+              <a:t>#</a:t>
+            </a:r>
+            <a:r>
+              <a:rPr lang="es-ES" sz="1000" dirty="0">
+                <a:solidFill>
+                  <a:srgbClr val="6A9955"/>
+                </a:solidFill>
+                <a:latin typeface="Consolas" panose="020B0609020204030204" pitchFamily="49" charset="0"/>
+              </a:rPr>
+              <a:t> Es la señal que contiene el </a:t>
+            </a:r>
+          </a:p>
+          <a:p>
+            <a:r>
+              <a:rPr lang="es-ES" sz="1000" dirty="0">
+                <a:solidFill>
+                  <a:srgbClr val="6A9955"/>
+                </a:solidFill>
+                <a:latin typeface="Consolas" panose="020B0609020204030204" pitchFamily="49" charset="0"/>
+              </a:rPr>
+              <a:t># estímulo, bla </a:t>
+            </a:r>
+            <a:r>
+              <a:rPr lang="es-ES" sz="1000" dirty="0" err="1">
+                <a:solidFill>
+                  <a:srgbClr val="6A9955"/>
+                </a:solidFill>
+                <a:latin typeface="Consolas" panose="020B0609020204030204" pitchFamily="49" charset="0"/>
+              </a:rPr>
+              <a:t>bla</a:t>
+            </a:r>
+            <a:r>
+              <a:rPr lang="es-ES" sz="1000" dirty="0">
+                <a:solidFill>
+                  <a:srgbClr val="6A9955"/>
+                </a:solidFill>
+                <a:latin typeface="Consolas" panose="020B0609020204030204" pitchFamily="49" charset="0"/>
+              </a:rPr>
+              <a:t> </a:t>
+            </a:r>
+            <a:r>
+              <a:rPr lang="es-ES" sz="1000" dirty="0" err="1">
+                <a:solidFill>
+                  <a:srgbClr val="6A9955"/>
+                </a:solidFill>
+                <a:latin typeface="Consolas" panose="020B0609020204030204" pitchFamily="49" charset="0"/>
+              </a:rPr>
+              <a:t>bla</a:t>
+            </a:r>
+            <a:endParaRPr lang="es-ES" sz="1000" b="0" dirty="0">
+              <a:solidFill>
+                <a:srgbClr val="D4D4D4"/>
+              </a:solidFill>
+              <a:effectLst/>
+              <a:latin typeface="Consolas" panose="020B0609020204030204" pitchFamily="49" charset="0"/>
+            </a:endParaRPr>
+          </a:p>
+        </p:txBody>
+      </p:sp>
+      <p:cxnSp>
+        <p:nvCxnSpPr>
+          <p:cNvPr id="52" name="Conector recto de flecha 51">
+            <a:extLst>
+              <a:ext uri="{FF2B5EF4-FFF2-40B4-BE49-F238E27FC236}">
+                <a16:creationId xmlns:a16="http://schemas.microsoft.com/office/drawing/2014/main" id="{2E894536-EEAC-43DF-A8DC-9D8ADFFB9B3D}"/>
+              </a:ext>
+            </a:extLst>
+          </p:cNvPr>
+          <p:cNvCxnSpPr>
+            <a:cxnSpLocks/>
+          </p:cNvCxnSpPr>
+          <p:nvPr/>
+        </p:nvCxnSpPr>
+        <p:spPr>
+          <a:xfrm>
+            <a:off x="2822461" y="1350440"/>
+            <a:ext cx="491209" cy="0"/>
+          </a:xfrm>
+          <a:prstGeom prst="straightConnector1">
+            <a:avLst/>
+          </a:prstGeom>
+          <a:ln>
+            <a:tailEnd type="triangle"/>
+          </a:ln>
+        </p:spPr>
+        <p:style>
+          <a:lnRef idx="1">
+            <a:schemeClr val="accent1"/>
+          </a:lnRef>
+          <a:fillRef idx="0">
+            <a:schemeClr val="accent1"/>
+          </a:fillRef>
+          <a:effectRef idx="0">
+            <a:schemeClr val="accent1"/>
+          </a:effectRef>
+          <a:fontRef idx="minor">
+            <a:schemeClr val="tx1"/>
+          </a:fontRef>
+        </p:style>
+      </p:cxnSp>
+      <p:cxnSp>
+        <p:nvCxnSpPr>
+          <p:cNvPr id="54" name="Conector recto de flecha 53">
+            <a:extLst>
+              <a:ext uri="{FF2B5EF4-FFF2-40B4-BE49-F238E27FC236}">
+                <a16:creationId xmlns:a16="http://schemas.microsoft.com/office/drawing/2014/main" id="{DFB3F7D3-7BC4-4FBB-871C-3F7B3C72D889}"/>
+              </a:ext>
+            </a:extLst>
+          </p:cNvPr>
+          <p:cNvCxnSpPr>
+            <a:cxnSpLocks/>
+          </p:cNvCxnSpPr>
+          <p:nvPr/>
+        </p:nvCxnSpPr>
+        <p:spPr>
+          <a:xfrm>
+            <a:off x="2841926" y="2651640"/>
+            <a:ext cx="491209" cy="0"/>
+          </a:xfrm>
+          <a:prstGeom prst="straightConnector1">
+            <a:avLst/>
+          </a:prstGeom>
+          <a:ln>
+            <a:tailEnd type="triangle"/>
+          </a:ln>
+        </p:spPr>
+        <p:style>
+          <a:lnRef idx="1">
+            <a:schemeClr val="accent1"/>
+          </a:lnRef>
+          <a:fillRef idx="0">
+            <a:schemeClr val="accent1"/>
+          </a:fillRef>
+          <a:effectRef idx="0">
+            <a:schemeClr val="accent1"/>
+          </a:effectRef>
+          <a:fontRef idx="minor">
+            <a:schemeClr val="tx1"/>
+          </a:fontRef>
+        </p:style>
+      </p:cxnSp>
+      <p:cxnSp>
+        <p:nvCxnSpPr>
+          <p:cNvPr id="55" name="Conector recto de flecha 54">
+            <a:extLst>
+              <a:ext uri="{FF2B5EF4-FFF2-40B4-BE49-F238E27FC236}">
+                <a16:creationId xmlns:a16="http://schemas.microsoft.com/office/drawing/2014/main" id="{EE7FC42E-C0C9-4C87-836F-E692C7457D53}"/>
+              </a:ext>
+            </a:extLst>
+          </p:cNvPr>
+          <p:cNvCxnSpPr>
+            <a:cxnSpLocks/>
+          </p:cNvCxnSpPr>
+          <p:nvPr/>
+        </p:nvCxnSpPr>
+        <p:spPr>
+          <a:xfrm>
+            <a:off x="2841925" y="3942150"/>
+            <a:ext cx="491209" cy="0"/>
+          </a:xfrm>
+          <a:prstGeom prst="straightConnector1">
+            <a:avLst/>
+          </a:prstGeom>
+          <a:ln>
+            <a:tailEnd type="triangle"/>
+          </a:ln>
+        </p:spPr>
+        <p:style>
+          <a:lnRef idx="1">
+            <a:schemeClr val="accent1"/>
+          </a:lnRef>
+          <a:fillRef idx="0">
+            <a:schemeClr val="accent1"/>
+          </a:fillRef>
+          <a:effectRef idx="0">
+            <a:schemeClr val="accent1"/>
+          </a:effectRef>
+          <a:fontRef idx="minor">
+            <a:schemeClr val="tx1"/>
+          </a:fontRef>
+        </p:style>
+      </p:cxnSp>
+      <p:sp>
+        <p:nvSpPr>
+          <p:cNvPr id="53" name="CuadroTexto 52">
+            <a:extLst>
+              <a:ext uri="{FF2B5EF4-FFF2-40B4-BE49-F238E27FC236}">
+                <a16:creationId xmlns:a16="http://schemas.microsoft.com/office/drawing/2014/main" id="{BB2D9240-A86C-4F1B-95EB-BC73070D3B47}"/>
+              </a:ext>
+            </a:extLst>
+          </p:cNvPr>
+          <p:cNvSpPr txBox="1"/>
+          <p:nvPr/>
+        </p:nvSpPr>
+        <p:spPr>
+          <a:xfrm>
+            <a:off x="7610168" y="700754"/>
+            <a:ext cx="4129548" cy="646331"/>
+          </a:xfrm>
+          <a:prstGeom prst="rect">
+            <a:avLst/>
+          </a:prstGeom>
+          <a:noFill/>
+        </p:spPr>
+        <p:txBody>
+          <a:bodyPr wrap="square" rtlCol="0">
+            <a:spAutoFit/>
+          </a:bodyPr>
+          <a:lstStyle/>
+          <a:p>
+            <a:r>
+              <a:rPr lang="es-AR" dirty="0"/>
+              <a:t>Acá podemos hacer un juego de gráficas para indicar que vamos </a:t>
+            </a:r>
+            <a:r>
+              <a:rPr lang="es-AR" dirty="0" err="1"/>
+              <a:t>ajugar</a:t>
+            </a:r>
+            <a:endParaRPr lang="es-ES" dirty="0"/>
+          </a:p>
+        </p:txBody>
+      </p:sp>
+      <p:pic>
+        <p:nvPicPr>
+          <p:cNvPr id="36" name="Imagen 35">
+            <a:extLst>
+              <a:ext uri="{FF2B5EF4-FFF2-40B4-BE49-F238E27FC236}">
+                <a16:creationId xmlns:a16="http://schemas.microsoft.com/office/drawing/2014/main" id="{A5765504-C061-4131-B6E4-292FBF54FE6F}"/>
+              </a:ext>
+            </a:extLst>
+          </p:cNvPr>
+          <p:cNvPicPr>
+            <a:picLocks noChangeAspect="1"/>
+          </p:cNvPicPr>
+          <p:nvPr/>
+        </p:nvPicPr>
+        <p:blipFill>
+          <a:blip r:embed="rId6"/>
+          <a:stretch>
+            <a:fillRect/>
+          </a:stretch>
+        </p:blipFill>
+        <p:spPr>
+          <a:xfrm>
+            <a:off x="2762022" y="3209442"/>
+            <a:ext cx="490969" cy="201959"/>
+          </a:xfrm>
+          <a:prstGeom prst="rect">
+            <a:avLst/>
+          </a:prstGeom>
+        </p:spPr>
+      </p:pic>
     </p:spTree>
     <p:extLst>
       <p:ext uri="{BB962C8B-B14F-4D97-AF65-F5344CB8AC3E}">
-        <p14:creationId xmlns:p14="http://schemas.microsoft.com/office/powerpoint/2010/main" val="43327176"/>
+        <p14:creationId xmlns:p14="http://schemas.microsoft.com/office/powerpoint/2010/main" val="4210500953"/>
       </p:ext>
     </p:extLst>
   </p:cSld>
@@ -7384,10 +9196,10 @@
       </p:grpSpPr>
       <p:sp>
         <p:nvSpPr>
-          <p:cNvPr id="19" name="CuadroTexto 18">
-            <a:extLst>
-              <a:ext uri="{FF2B5EF4-FFF2-40B4-BE49-F238E27FC236}">
-                <a16:creationId xmlns:a16="http://schemas.microsoft.com/office/drawing/2014/main" id="{8DC0208C-3884-4505-AA35-3F7A90F08F2F}"/>
+          <p:cNvPr id="2" name="CuadroTexto 1">
+            <a:extLst>
+              <a:ext uri="{FF2B5EF4-FFF2-40B4-BE49-F238E27FC236}">
+                <a16:creationId xmlns:a16="http://schemas.microsoft.com/office/drawing/2014/main" id="{A01D1E21-544C-4F42-A619-97A1A6D7565A}"/>
               </a:ext>
             </a:extLst>
           </p:cNvPr>
@@ -7396,8 +9208,8 @@
         </p:nvSpPr>
         <p:spPr>
           <a:xfrm>
-            <a:off x="2843411" y="759972"/>
-            <a:ext cx="1628372" cy="430887"/>
+            <a:off x="0" y="3105834"/>
+            <a:ext cx="12192000" cy="923330"/>
           </a:xfrm>
           <a:prstGeom prst="rect">
             <a:avLst/>
@@ -7410,1305 +9222,30 @@
           </a:bodyPr>
           <a:lstStyle/>
           <a:p>
-            <a:r>
-              <a:rPr lang="es-ES" sz="1100" b="1" dirty="0"/>
-              <a:t>DS – ERP</a:t>
-            </a:r>
-          </a:p>
-          <a:p>
-            <a:r>
-              <a:rPr lang="es-ES" sz="1100" b="1" dirty="0" err="1"/>
-              <a:t>Event-Related</a:t>
-            </a:r>
-            <a:r>
-              <a:rPr lang="es-ES" sz="1100" b="1" dirty="0"/>
-              <a:t> </a:t>
-            </a:r>
-            <a:r>
-              <a:rPr lang="es-ES" sz="1100" b="1" dirty="0" err="1"/>
-              <a:t>Potential</a:t>
-            </a:r>
-            <a:r>
-              <a:rPr lang="es-ES" sz="1100" b="1" dirty="0"/>
-              <a:t>:</a:t>
-            </a:r>
-            <a:endParaRPr lang="es-ES" sz="900" b="1" dirty="0"/>
-          </a:p>
-        </p:txBody>
-      </p:sp>
-      <p:sp>
-        <p:nvSpPr>
-          <p:cNvPr id="7" name="CuadroTexto 6">
-            <a:extLst>
-              <a:ext uri="{FF2B5EF4-FFF2-40B4-BE49-F238E27FC236}">
-                <a16:creationId xmlns:a16="http://schemas.microsoft.com/office/drawing/2014/main" id="{0A34661D-8792-45A1-A23D-3FEBEC578F31}"/>
-              </a:ext>
-            </a:extLst>
-          </p:cNvPr>
-          <p:cNvSpPr txBox="1"/>
-          <p:nvPr/>
-        </p:nvSpPr>
-        <p:spPr>
-          <a:xfrm>
-            <a:off x="1166774" y="750604"/>
-            <a:ext cx="1228357" cy="907941"/>
-          </a:xfrm>
-          <a:prstGeom prst="rect">
-            <a:avLst/>
-          </a:prstGeom>
-          <a:noFill/>
-        </p:spPr>
-        <p:txBody>
-          <a:bodyPr wrap="square" rtlCol="0">
-            <a:spAutoFit/>
-          </a:bodyPr>
-          <a:lstStyle/>
-          <a:p>
-            <a:pPr algn="r"/>
-            <a:endParaRPr lang="es-ES" sz="1100" b="1" dirty="0"/>
-          </a:p>
-          <a:p>
-            <a:pPr algn="r"/>
-            <a:endParaRPr lang="es-ES" sz="1100" b="1" dirty="0"/>
-          </a:p>
-          <a:p>
-            <a:pPr algn="r"/>
-            <a:endParaRPr lang="es-ES" sz="1100" b="1" dirty="0"/>
-          </a:p>
-          <a:p>
-            <a:r>
-              <a:rPr lang="es-ES" sz="1100" b="1" dirty="0"/>
-              <a:t>DS - </a:t>
-            </a:r>
-            <a:r>
-              <a:rPr lang="es-ES" sz="1100" b="1" dirty="0" err="1"/>
-              <a:t>BNCIHorizon</a:t>
-            </a:r>
-            <a:endParaRPr lang="es-AR" sz="900" dirty="0"/>
-          </a:p>
-          <a:p>
             <a:pPr algn="ctr"/>
-            <a:endParaRPr lang="es-ES" sz="900" dirty="0"/>
-          </a:p>
-        </p:txBody>
-      </p:sp>
-      <p:pic>
-        <p:nvPicPr>
-          <p:cNvPr id="8" name="Imagen 7">
-            <a:extLst>
-              <a:ext uri="{FF2B5EF4-FFF2-40B4-BE49-F238E27FC236}">
-                <a16:creationId xmlns:a16="http://schemas.microsoft.com/office/drawing/2014/main" id="{8B7E4912-8BF6-46AC-83BC-22D7526FC411}"/>
-              </a:ext>
-            </a:extLst>
-          </p:cNvPr>
-          <p:cNvPicPr>
-            <a:picLocks noChangeAspect="1"/>
-          </p:cNvPicPr>
-          <p:nvPr/>
-        </p:nvPicPr>
-        <p:blipFill>
-          <a:blip r:embed="rId2"/>
-          <a:stretch>
-            <a:fillRect/>
-          </a:stretch>
-        </p:blipFill>
-        <p:spPr>
-          <a:xfrm>
-            <a:off x="1505128" y="733336"/>
-            <a:ext cx="541679" cy="535356"/>
-          </a:xfrm>
-          <a:prstGeom prst="rect">
-            <a:avLst/>
-          </a:prstGeom>
-        </p:spPr>
-      </p:pic>
-      <p:sp>
-        <p:nvSpPr>
-          <p:cNvPr id="11" name="CuadroTexto 10">
-            <a:extLst>
-              <a:ext uri="{FF2B5EF4-FFF2-40B4-BE49-F238E27FC236}">
-                <a16:creationId xmlns:a16="http://schemas.microsoft.com/office/drawing/2014/main" id="{3386BE0C-6826-4226-9D0D-22266CB471EF}"/>
-              </a:ext>
-            </a:extLst>
-          </p:cNvPr>
-          <p:cNvSpPr txBox="1"/>
-          <p:nvPr/>
-        </p:nvSpPr>
-        <p:spPr>
-          <a:xfrm>
-            <a:off x="1244191" y="2616850"/>
-            <a:ext cx="1758462" cy="261610"/>
-          </a:xfrm>
-          <a:prstGeom prst="rect">
-            <a:avLst/>
-          </a:prstGeom>
-          <a:noFill/>
-        </p:spPr>
-        <p:txBody>
-          <a:bodyPr wrap="square" rtlCol="0">
-            <a:spAutoFit/>
-          </a:bodyPr>
-          <a:lstStyle/>
-          <a:p>
-            <a:r>
-              <a:rPr lang="es-ES" sz="1100" b="1" dirty="0"/>
-              <a:t>DS - P300-Dataset (</a:t>
-            </a:r>
-            <a:r>
-              <a:rPr lang="es-ES" sz="1100" b="1" dirty="0" err="1"/>
-              <a:t>Kaggle</a:t>
-            </a:r>
-            <a:r>
-              <a:rPr lang="es-ES" sz="1100" b="1" dirty="0"/>
-              <a:t>)</a:t>
-            </a:r>
-          </a:p>
-        </p:txBody>
-      </p:sp>
-      <p:pic>
-        <p:nvPicPr>
-          <p:cNvPr id="15" name="Imagen 14">
-            <a:extLst>
-              <a:ext uri="{FF2B5EF4-FFF2-40B4-BE49-F238E27FC236}">
-                <a16:creationId xmlns:a16="http://schemas.microsoft.com/office/drawing/2014/main" id="{08914D6D-D351-4B04-9C5E-E4D381E8C375}"/>
-              </a:ext>
-            </a:extLst>
-          </p:cNvPr>
-          <p:cNvPicPr>
-            <a:picLocks noChangeAspect="1"/>
-          </p:cNvPicPr>
-          <p:nvPr/>
-        </p:nvPicPr>
-        <p:blipFill>
-          <a:blip r:embed="rId3"/>
-          <a:stretch>
-            <a:fillRect/>
-          </a:stretch>
-        </p:blipFill>
-        <p:spPr>
-          <a:xfrm>
-            <a:off x="2867578" y="1182130"/>
-            <a:ext cx="999690" cy="268882"/>
-          </a:xfrm>
-          <a:prstGeom prst="rect">
-            <a:avLst/>
-          </a:prstGeom>
-        </p:spPr>
-      </p:pic>
-      <p:pic>
-        <p:nvPicPr>
-          <p:cNvPr id="22" name="Imagen 21">
-            <a:extLst>
-              <a:ext uri="{FF2B5EF4-FFF2-40B4-BE49-F238E27FC236}">
-                <a16:creationId xmlns:a16="http://schemas.microsoft.com/office/drawing/2014/main" id="{0D571B76-FB59-4927-A4C7-E8C4D7710CD8}"/>
-              </a:ext>
-            </a:extLst>
-          </p:cNvPr>
-          <p:cNvPicPr>
-            <a:picLocks noChangeAspect="1"/>
-          </p:cNvPicPr>
-          <p:nvPr/>
-        </p:nvPicPr>
-        <p:blipFill>
-          <a:blip r:embed="rId2"/>
-          <a:stretch>
-            <a:fillRect/>
-          </a:stretch>
-        </p:blipFill>
-        <p:spPr>
-          <a:xfrm>
-            <a:off x="1806585" y="2108205"/>
-            <a:ext cx="541679" cy="535356"/>
-          </a:xfrm>
-          <a:prstGeom prst="rect">
-            <a:avLst/>
-          </a:prstGeom>
-        </p:spPr>
-      </p:pic>
-      <p:sp>
-        <p:nvSpPr>
-          <p:cNvPr id="38" name="Rectángulo: esquinas redondeadas 37">
-            <a:extLst>
-              <a:ext uri="{FF2B5EF4-FFF2-40B4-BE49-F238E27FC236}">
-                <a16:creationId xmlns:a16="http://schemas.microsoft.com/office/drawing/2014/main" id="{D2F924A9-317E-4E39-98CC-6B0200090472}"/>
-              </a:ext>
-            </a:extLst>
-          </p:cNvPr>
-          <p:cNvSpPr/>
-          <p:nvPr/>
-        </p:nvSpPr>
-        <p:spPr>
-          <a:xfrm>
-            <a:off x="1204173" y="623504"/>
-            <a:ext cx="1086841" cy="924987"/>
-          </a:xfrm>
-          <a:prstGeom prst="roundRect">
-            <a:avLst/>
-          </a:prstGeom>
-          <a:noFill/>
-          <a:ln w="3175">
-            <a:solidFill>
-              <a:schemeClr val="bg1">
-                <a:lumMod val="75000"/>
-              </a:schemeClr>
-            </a:solidFill>
-          </a:ln>
-        </p:spPr>
-        <p:style>
-          <a:lnRef idx="2">
-            <a:schemeClr val="accent1">
-              <a:shade val="50000"/>
-            </a:schemeClr>
-          </a:lnRef>
-          <a:fillRef idx="1">
-            <a:schemeClr val="accent1"/>
-          </a:fillRef>
-          <a:effectRef idx="0">
-            <a:schemeClr val="accent1"/>
-          </a:effectRef>
-          <a:fontRef idx="minor">
-            <a:schemeClr val="lt1"/>
-          </a:fontRef>
-        </p:style>
-        <p:txBody>
-          <a:bodyPr rtlCol="0" anchor="ctr"/>
-          <a:lstStyle/>
-          <a:p>
-            <a:pPr algn="ctr"/>
-            <a:endParaRPr lang="es-ES"/>
-          </a:p>
-        </p:txBody>
-      </p:sp>
-      <p:sp>
-        <p:nvSpPr>
-          <p:cNvPr id="48" name="Rectángulo: esquinas redondeadas 47">
-            <a:extLst>
-              <a:ext uri="{FF2B5EF4-FFF2-40B4-BE49-F238E27FC236}">
-                <a16:creationId xmlns:a16="http://schemas.microsoft.com/office/drawing/2014/main" id="{F67AD72A-0483-4F20-8D11-ACD74DD1241B}"/>
-              </a:ext>
-            </a:extLst>
-          </p:cNvPr>
-          <p:cNvSpPr/>
-          <p:nvPr/>
-        </p:nvSpPr>
-        <p:spPr>
-          <a:xfrm>
-            <a:off x="1244190" y="2049522"/>
-            <a:ext cx="1706665" cy="831459"/>
-          </a:xfrm>
-          <a:prstGeom prst="roundRect">
-            <a:avLst/>
-          </a:prstGeom>
-          <a:noFill/>
-          <a:ln w="3175">
-            <a:solidFill>
-              <a:schemeClr val="bg1">
-                <a:lumMod val="75000"/>
-              </a:schemeClr>
-            </a:solidFill>
-          </a:ln>
-        </p:spPr>
-        <p:style>
-          <a:lnRef idx="2">
-            <a:schemeClr val="accent1">
-              <a:shade val="50000"/>
-            </a:schemeClr>
-          </a:lnRef>
-          <a:fillRef idx="1">
-            <a:schemeClr val="accent1"/>
-          </a:fillRef>
-          <a:effectRef idx="0">
-            <a:schemeClr val="accent1"/>
-          </a:effectRef>
-          <a:fontRef idx="minor">
-            <a:schemeClr val="lt1"/>
-          </a:fontRef>
-        </p:style>
-        <p:txBody>
-          <a:bodyPr rtlCol="0" anchor="ctr"/>
-          <a:lstStyle/>
-          <a:p>
-            <a:pPr algn="ctr"/>
-            <a:endParaRPr lang="es-ES"/>
-          </a:p>
-        </p:txBody>
-      </p:sp>
-      <p:sp>
-        <p:nvSpPr>
-          <p:cNvPr id="50" name="Rectángulo: esquinas redondeadas 49">
-            <a:extLst>
-              <a:ext uri="{FF2B5EF4-FFF2-40B4-BE49-F238E27FC236}">
-                <a16:creationId xmlns:a16="http://schemas.microsoft.com/office/drawing/2014/main" id="{8ECA890D-35F2-4AEB-A478-ED11F3381936}"/>
-              </a:ext>
-            </a:extLst>
-          </p:cNvPr>
-          <p:cNvSpPr/>
-          <p:nvPr/>
-        </p:nvSpPr>
-        <p:spPr>
-          <a:xfrm>
-            <a:off x="2549193" y="623505"/>
-            <a:ext cx="1828844" cy="924987"/>
-          </a:xfrm>
-          <a:prstGeom prst="roundRect">
-            <a:avLst/>
-          </a:prstGeom>
-          <a:noFill/>
-          <a:ln w="3175">
-            <a:solidFill>
-              <a:schemeClr val="bg1">
-                <a:lumMod val="75000"/>
-              </a:schemeClr>
-            </a:solidFill>
-          </a:ln>
-        </p:spPr>
-        <p:style>
-          <a:lnRef idx="2">
-            <a:schemeClr val="accent1">
-              <a:shade val="50000"/>
-            </a:schemeClr>
-          </a:lnRef>
-          <a:fillRef idx="1">
-            <a:schemeClr val="accent1"/>
-          </a:fillRef>
-          <a:effectRef idx="0">
-            <a:schemeClr val="accent1"/>
-          </a:effectRef>
-          <a:fontRef idx="minor">
-            <a:schemeClr val="lt1"/>
-          </a:fontRef>
-        </p:style>
-        <p:txBody>
-          <a:bodyPr rtlCol="0" anchor="ctr"/>
-          <a:lstStyle/>
-          <a:p>
-            <a:pPr algn="ctr"/>
-            <a:endParaRPr lang="es-ES"/>
-          </a:p>
-        </p:txBody>
-      </p:sp>
-      <p:cxnSp>
-        <p:nvCxnSpPr>
-          <p:cNvPr id="52" name="Conector recto de flecha 51">
-            <a:extLst>
-              <a:ext uri="{FF2B5EF4-FFF2-40B4-BE49-F238E27FC236}">
-                <a16:creationId xmlns:a16="http://schemas.microsoft.com/office/drawing/2014/main" id="{2E894536-EEAC-43DF-A8DC-9D8ADFFB9B3D}"/>
-              </a:ext>
-            </a:extLst>
-          </p:cNvPr>
-          <p:cNvCxnSpPr>
-            <a:cxnSpLocks/>
-          </p:cNvCxnSpPr>
-          <p:nvPr/>
-        </p:nvCxnSpPr>
-        <p:spPr>
-          <a:xfrm flipV="1">
-            <a:off x="2134001" y="1089341"/>
-            <a:ext cx="345847" cy="10306"/>
-          </a:xfrm>
-          <a:prstGeom prst="straightConnector1">
-            <a:avLst/>
-          </a:prstGeom>
-          <a:ln>
-            <a:tailEnd type="triangle"/>
-          </a:ln>
-        </p:spPr>
-        <p:style>
-          <a:lnRef idx="1">
-            <a:schemeClr val="accent1"/>
-          </a:lnRef>
-          <a:fillRef idx="0">
-            <a:schemeClr val="accent1"/>
-          </a:fillRef>
-          <a:effectRef idx="0">
-            <a:schemeClr val="accent1"/>
-          </a:effectRef>
-          <a:fontRef idx="minor">
-            <a:schemeClr val="tx1"/>
-          </a:fontRef>
-        </p:style>
-      </p:cxnSp>
-      <p:pic>
-        <p:nvPicPr>
-          <p:cNvPr id="37" name="Imagen 36">
-            <a:extLst>
-              <a:ext uri="{FF2B5EF4-FFF2-40B4-BE49-F238E27FC236}">
-                <a16:creationId xmlns:a16="http://schemas.microsoft.com/office/drawing/2014/main" id="{248928B4-D5F2-4403-BA1D-A84874930238}"/>
-              </a:ext>
-            </a:extLst>
-          </p:cNvPr>
-          <p:cNvPicPr>
-            <a:picLocks noChangeAspect="1"/>
-          </p:cNvPicPr>
-          <p:nvPr/>
-        </p:nvPicPr>
-        <p:blipFill>
-          <a:blip r:embed="rId4"/>
-          <a:stretch>
-            <a:fillRect/>
-          </a:stretch>
-        </p:blipFill>
-        <p:spPr>
-          <a:xfrm>
-            <a:off x="2619010" y="850347"/>
-            <a:ext cx="264741" cy="285727"/>
-          </a:xfrm>
-          <a:prstGeom prst="rect">
-            <a:avLst/>
-          </a:prstGeom>
-        </p:spPr>
-      </p:pic>
-      <p:pic>
-        <p:nvPicPr>
-          <p:cNvPr id="4" name="Imagen 3">
-            <a:extLst>
-              <a:ext uri="{FF2B5EF4-FFF2-40B4-BE49-F238E27FC236}">
-                <a16:creationId xmlns:a16="http://schemas.microsoft.com/office/drawing/2014/main" id="{302CC814-BDFD-4076-AB91-E527D0B390F9}"/>
-              </a:ext>
-            </a:extLst>
-          </p:cNvPr>
-          <p:cNvPicPr>
-            <a:picLocks noChangeAspect="1"/>
-          </p:cNvPicPr>
-          <p:nvPr/>
-        </p:nvPicPr>
-        <p:blipFill>
-          <a:blip r:embed="rId5"/>
-          <a:stretch>
-            <a:fillRect/>
-          </a:stretch>
-        </p:blipFill>
-        <p:spPr>
-          <a:xfrm>
-            <a:off x="3270168" y="2011327"/>
-            <a:ext cx="1965290" cy="1205900"/>
-          </a:xfrm>
-          <a:prstGeom prst="rect">
-            <a:avLst/>
-          </a:prstGeom>
-        </p:spPr>
-      </p:pic>
-      <p:sp>
-        <p:nvSpPr>
-          <p:cNvPr id="40" name="CuadroTexto 39">
-            <a:extLst>
-              <a:ext uri="{FF2B5EF4-FFF2-40B4-BE49-F238E27FC236}">
-                <a16:creationId xmlns:a16="http://schemas.microsoft.com/office/drawing/2014/main" id="{5EE540CC-F72F-41D7-AFAE-F80B8D778A44}"/>
-              </a:ext>
-            </a:extLst>
-          </p:cNvPr>
-          <p:cNvSpPr txBox="1"/>
-          <p:nvPr/>
-        </p:nvSpPr>
-        <p:spPr>
-          <a:xfrm>
-            <a:off x="3232084" y="1964600"/>
-            <a:ext cx="1628372" cy="430887"/>
-          </a:xfrm>
-          <a:prstGeom prst="rect">
-            <a:avLst/>
-          </a:prstGeom>
-          <a:noFill/>
-        </p:spPr>
-        <p:txBody>
-          <a:bodyPr wrap="square" rtlCol="0">
-            <a:spAutoFit/>
-          </a:bodyPr>
-          <a:lstStyle/>
-          <a:p>
-            <a:r>
-              <a:rPr lang="es-ES" sz="1100" b="1" dirty="0"/>
-              <a:t>Uno de los cuatro pacientes pasivos</a:t>
-            </a:r>
-            <a:endParaRPr lang="es-ES" sz="900" b="1" dirty="0"/>
-          </a:p>
-        </p:txBody>
-      </p:sp>
-      <p:sp>
-        <p:nvSpPr>
-          <p:cNvPr id="51" name="Rectángulo: esquinas redondeadas 50">
-            <a:extLst>
-              <a:ext uri="{FF2B5EF4-FFF2-40B4-BE49-F238E27FC236}">
-                <a16:creationId xmlns:a16="http://schemas.microsoft.com/office/drawing/2014/main" id="{FE68D1DC-BD0B-488A-BB8A-B0D22B648793}"/>
-              </a:ext>
-            </a:extLst>
-          </p:cNvPr>
-          <p:cNvSpPr/>
-          <p:nvPr/>
-        </p:nvSpPr>
-        <p:spPr>
-          <a:xfrm>
-            <a:off x="3217702" y="1875151"/>
-            <a:ext cx="2101549" cy="1342072"/>
-          </a:xfrm>
-          <a:prstGeom prst="roundRect">
-            <a:avLst/>
-          </a:prstGeom>
-          <a:noFill/>
-          <a:ln w="3175">
-            <a:solidFill>
-              <a:schemeClr val="bg1">
-                <a:lumMod val="75000"/>
-              </a:schemeClr>
-            </a:solidFill>
-          </a:ln>
-        </p:spPr>
-        <p:style>
-          <a:lnRef idx="2">
-            <a:schemeClr val="accent1">
-              <a:shade val="50000"/>
-            </a:schemeClr>
-          </a:lnRef>
-          <a:fillRef idx="1">
-            <a:schemeClr val="accent1"/>
-          </a:fillRef>
-          <a:effectRef idx="0">
-            <a:schemeClr val="accent1"/>
-          </a:effectRef>
-          <a:fontRef idx="minor">
-            <a:schemeClr val="lt1"/>
-          </a:fontRef>
-        </p:style>
-        <p:txBody>
-          <a:bodyPr rtlCol="0" anchor="ctr"/>
-          <a:lstStyle/>
-          <a:p>
-            <a:pPr algn="ctr"/>
-            <a:endParaRPr lang="es-ES"/>
-          </a:p>
-        </p:txBody>
-      </p:sp>
-      <p:cxnSp>
-        <p:nvCxnSpPr>
-          <p:cNvPr id="56" name="Conector recto de flecha 55">
-            <a:extLst>
-              <a:ext uri="{FF2B5EF4-FFF2-40B4-BE49-F238E27FC236}">
-                <a16:creationId xmlns:a16="http://schemas.microsoft.com/office/drawing/2014/main" id="{91D492FD-403E-41FC-ABA4-C9555E20344E}"/>
-              </a:ext>
-            </a:extLst>
-          </p:cNvPr>
-          <p:cNvCxnSpPr>
-            <a:cxnSpLocks/>
-          </p:cNvCxnSpPr>
-          <p:nvPr/>
-        </p:nvCxnSpPr>
-        <p:spPr>
-          <a:xfrm flipV="1">
-            <a:off x="2853739" y="2597489"/>
-            <a:ext cx="345847" cy="10306"/>
-          </a:xfrm>
-          <a:prstGeom prst="straightConnector1">
-            <a:avLst/>
-          </a:prstGeom>
-          <a:ln>
-            <a:tailEnd type="triangle"/>
-          </a:ln>
-        </p:spPr>
-        <p:style>
-          <a:lnRef idx="1">
-            <a:schemeClr val="accent1"/>
-          </a:lnRef>
-          <a:fillRef idx="0">
-            <a:schemeClr val="accent1"/>
-          </a:fillRef>
-          <a:effectRef idx="0">
-            <a:schemeClr val="accent1"/>
-          </a:effectRef>
-          <a:fontRef idx="minor">
-            <a:schemeClr val="tx1"/>
-          </a:fontRef>
-        </p:style>
-      </p:cxnSp>
-      <p:cxnSp>
-        <p:nvCxnSpPr>
-          <p:cNvPr id="57" name="Conector recto de flecha 56">
-            <a:extLst>
-              <a:ext uri="{FF2B5EF4-FFF2-40B4-BE49-F238E27FC236}">
-                <a16:creationId xmlns:a16="http://schemas.microsoft.com/office/drawing/2014/main" id="{DDC2B1A8-45FC-43C2-BC14-897E6791E19E}"/>
-              </a:ext>
-            </a:extLst>
-          </p:cNvPr>
-          <p:cNvCxnSpPr>
-            <a:cxnSpLocks/>
-          </p:cNvCxnSpPr>
-          <p:nvPr/>
-        </p:nvCxnSpPr>
-        <p:spPr>
-          <a:xfrm flipV="1">
-            <a:off x="4311201" y="1220475"/>
-            <a:ext cx="345847" cy="10306"/>
-          </a:xfrm>
-          <a:prstGeom prst="straightConnector1">
-            <a:avLst/>
-          </a:prstGeom>
-          <a:ln>
-            <a:tailEnd type="triangle"/>
-          </a:ln>
-        </p:spPr>
-        <p:style>
-          <a:lnRef idx="1">
-            <a:schemeClr val="accent1"/>
-          </a:lnRef>
-          <a:fillRef idx="0">
-            <a:schemeClr val="accent1"/>
-          </a:fillRef>
-          <a:effectRef idx="0">
-            <a:schemeClr val="accent1"/>
-          </a:effectRef>
-          <a:fontRef idx="minor">
-            <a:schemeClr val="tx1"/>
-          </a:fontRef>
-        </p:style>
-      </p:cxnSp>
-      <p:sp>
-        <p:nvSpPr>
-          <p:cNvPr id="13" name="Rectángulo 12">
-            <a:extLst>
-              <a:ext uri="{FF2B5EF4-FFF2-40B4-BE49-F238E27FC236}">
-                <a16:creationId xmlns:a16="http://schemas.microsoft.com/office/drawing/2014/main" id="{DB0E4BF6-F464-4361-8509-F169AED3354E}"/>
-              </a:ext>
-            </a:extLst>
-          </p:cNvPr>
-          <p:cNvSpPr/>
-          <p:nvPr/>
-        </p:nvSpPr>
-        <p:spPr>
-          <a:xfrm>
-            <a:off x="4766001" y="1059817"/>
-            <a:ext cx="2371162" cy="246221"/>
-          </a:xfrm>
-          <a:prstGeom prst="rect">
-            <a:avLst/>
-          </a:prstGeom>
-          <a:solidFill>
-            <a:schemeClr val="tx1"/>
-          </a:solidFill>
-          <a:ln>
-            <a:solidFill>
-              <a:schemeClr val="tx1"/>
-            </a:solidFill>
-          </a:ln>
-          <a:effectLst>
-            <a:softEdge rad="0"/>
-          </a:effectLst>
-        </p:spPr>
-        <p:txBody>
-          <a:bodyPr wrap="none">
-            <a:spAutoFit/>
-          </a:bodyPr>
-          <a:lstStyle/>
-          <a:p>
-            <a:r>
-              <a:rPr lang="es-ES" sz="1000" dirty="0" err="1">
-                <a:solidFill>
-                  <a:srgbClr val="569CD6"/>
-                </a:solidFill>
-                <a:latin typeface="Consolas" panose="020B0609020204030204" pitchFamily="49" charset="0"/>
-              </a:rPr>
-              <a:t>def</a:t>
-            </a:r>
-            <a:r>
-              <a:rPr lang="es-ES" sz="1000" dirty="0">
-                <a:solidFill>
-                  <a:srgbClr val="D4D4D4"/>
-                </a:solidFill>
-                <a:latin typeface="Consolas" panose="020B0609020204030204" pitchFamily="49" charset="0"/>
-              </a:rPr>
-              <a:t> </a:t>
-            </a:r>
-            <a:r>
-              <a:rPr lang="es-ES" sz="1000" dirty="0" err="1">
-                <a:solidFill>
-                  <a:srgbClr val="DCDCAA"/>
-                </a:solidFill>
-                <a:latin typeface="Consolas" panose="020B0609020204030204" pitchFamily="49" charset="0"/>
-              </a:rPr>
-              <a:t>DrugSignal</a:t>
-            </a:r>
-            <a:r>
-              <a:rPr lang="es-ES" sz="1000" dirty="0">
-                <a:solidFill>
-                  <a:srgbClr val="D4D4D4"/>
-                </a:solidFill>
-                <a:latin typeface="Consolas" panose="020B0609020204030204" pitchFamily="49" charset="0"/>
-              </a:rPr>
-              <a:t>(</a:t>
-            </a:r>
-            <a:r>
-              <a:rPr lang="es-ES" sz="1000" dirty="0" err="1">
-                <a:solidFill>
-                  <a:srgbClr val="9CDCFE"/>
-                </a:solidFill>
-                <a:latin typeface="Consolas" panose="020B0609020204030204" pitchFamily="49" charset="0"/>
-              </a:rPr>
-              <a:t>signal</a:t>
-            </a:r>
-            <a:r>
-              <a:rPr lang="es-ES" sz="1000" dirty="0">
-                <a:solidFill>
-                  <a:srgbClr val="D4D4D4"/>
-                </a:solidFill>
-                <a:latin typeface="Consolas" panose="020B0609020204030204" pitchFamily="49" charset="0"/>
-              </a:rPr>
-              <a:t>, </a:t>
-            </a:r>
-            <a:r>
-              <a:rPr lang="es-ES" sz="1000" dirty="0" err="1">
-                <a:solidFill>
-                  <a:srgbClr val="9CDCFE"/>
-                </a:solidFill>
-                <a:latin typeface="Consolas" panose="020B0609020204030204" pitchFamily="49" charset="0"/>
-              </a:rPr>
-              <a:t>t_flash</a:t>
-            </a:r>
-            <a:r>
-              <a:rPr lang="es-ES" sz="1000" dirty="0">
-                <a:solidFill>
-                  <a:srgbClr val="D4D4D4"/>
-                </a:solidFill>
-                <a:latin typeface="Consolas" panose="020B0609020204030204" pitchFamily="49" charset="0"/>
-              </a:rPr>
-              <a:t>)</a:t>
-            </a:r>
-            <a:endParaRPr lang="es-ES" sz="1000" b="0" dirty="0">
-              <a:solidFill>
-                <a:srgbClr val="D4D4D4"/>
-              </a:solidFill>
-              <a:effectLst/>
-              <a:latin typeface="Consolas" panose="020B0609020204030204" pitchFamily="49" charset="0"/>
-            </a:endParaRPr>
-          </a:p>
-        </p:txBody>
-      </p:sp>
-      <p:cxnSp>
-        <p:nvCxnSpPr>
-          <p:cNvPr id="16" name="Conector: angular 15">
-            <a:extLst>
-              <a:ext uri="{FF2B5EF4-FFF2-40B4-BE49-F238E27FC236}">
-                <a16:creationId xmlns:a16="http://schemas.microsoft.com/office/drawing/2014/main" id="{A62462A7-7403-432F-B33C-27A6E45A7D6D}"/>
-              </a:ext>
-            </a:extLst>
-          </p:cNvPr>
-          <p:cNvCxnSpPr>
-            <a:cxnSpLocks/>
-          </p:cNvCxnSpPr>
-          <p:nvPr/>
-        </p:nvCxnSpPr>
-        <p:spPr>
-          <a:xfrm flipV="1">
-            <a:off x="5084424" y="1379745"/>
-            <a:ext cx="1036558" cy="782816"/>
-          </a:xfrm>
-          <a:prstGeom prst="bentConnector3">
-            <a:avLst>
-              <a:gd name="adj1" fmla="val 100273"/>
-            </a:avLst>
-          </a:prstGeom>
-          <a:ln>
-            <a:tailEnd type="triangle"/>
-          </a:ln>
-        </p:spPr>
-        <p:style>
-          <a:lnRef idx="1">
-            <a:schemeClr val="accent1"/>
-          </a:lnRef>
-          <a:fillRef idx="0">
-            <a:schemeClr val="accent1"/>
-          </a:fillRef>
-          <a:effectRef idx="0">
-            <a:schemeClr val="accent1"/>
-          </a:effectRef>
-          <a:fontRef idx="minor">
-            <a:schemeClr val="tx1"/>
-          </a:fontRef>
-        </p:style>
-      </p:cxnSp>
-      <p:cxnSp>
-        <p:nvCxnSpPr>
-          <p:cNvPr id="58" name="Conector: angular 57">
-            <a:extLst>
-              <a:ext uri="{FF2B5EF4-FFF2-40B4-BE49-F238E27FC236}">
-                <a16:creationId xmlns:a16="http://schemas.microsoft.com/office/drawing/2014/main" id="{1655EBDC-4D6B-4CC5-A5E8-062E7F865CCF}"/>
-              </a:ext>
-            </a:extLst>
-          </p:cNvPr>
-          <p:cNvCxnSpPr>
-            <a:cxnSpLocks/>
-          </p:cNvCxnSpPr>
-          <p:nvPr/>
-        </p:nvCxnSpPr>
-        <p:spPr>
-          <a:xfrm flipV="1">
-            <a:off x="5179768" y="1367594"/>
-            <a:ext cx="1569398" cy="886273"/>
-          </a:xfrm>
-          <a:prstGeom prst="bentConnector3">
-            <a:avLst>
-              <a:gd name="adj1" fmla="val 100120"/>
-            </a:avLst>
-          </a:prstGeom>
-          <a:ln>
-            <a:tailEnd type="triangle"/>
-          </a:ln>
-        </p:spPr>
-        <p:style>
-          <a:lnRef idx="1">
-            <a:schemeClr val="accent1"/>
-          </a:lnRef>
-          <a:fillRef idx="0">
-            <a:schemeClr val="accent1"/>
-          </a:fillRef>
-          <a:effectRef idx="0">
-            <a:schemeClr val="accent1"/>
-          </a:effectRef>
-          <a:fontRef idx="minor">
-            <a:schemeClr val="tx1"/>
-          </a:fontRef>
-        </p:style>
-      </p:cxnSp>
-      <p:pic>
-        <p:nvPicPr>
-          <p:cNvPr id="67" name="Imagen 66">
-            <a:extLst>
-              <a:ext uri="{FF2B5EF4-FFF2-40B4-BE49-F238E27FC236}">
-                <a16:creationId xmlns:a16="http://schemas.microsoft.com/office/drawing/2014/main" id="{7EED1C4F-3939-4BA0-83E9-D9FB03DDEB24}"/>
-              </a:ext>
-            </a:extLst>
-          </p:cNvPr>
-          <p:cNvPicPr>
-            <a:picLocks noChangeAspect="1"/>
-          </p:cNvPicPr>
-          <p:nvPr/>
-        </p:nvPicPr>
-        <p:blipFill>
-          <a:blip r:embed="rId6"/>
-          <a:stretch>
-            <a:fillRect/>
-          </a:stretch>
-        </p:blipFill>
-        <p:spPr>
-          <a:xfrm>
-            <a:off x="7720219" y="759972"/>
-            <a:ext cx="3854245" cy="1067635"/>
-          </a:xfrm>
-          <a:prstGeom prst="rect">
-            <a:avLst/>
-          </a:prstGeom>
-        </p:spPr>
-      </p:pic>
-      <p:sp>
-        <p:nvSpPr>
-          <p:cNvPr id="68" name="Rectángulo: esquinas redondeadas 67">
-            <a:extLst>
-              <a:ext uri="{FF2B5EF4-FFF2-40B4-BE49-F238E27FC236}">
-                <a16:creationId xmlns:a16="http://schemas.microsoft.com/office/drawing/2014/main" id="{40451C1B-8231-4875-A7E2-562BA4E90242}"/>
-              </a:ext>
-            </a:extLst>
-          </p:cNvPr>
-          <p:cNvSpPr/>
-          <p:nvPr/>
-        </p:nvSpPr>
-        <p:spPr>
-          <a:xfrm>
-            <a:off x="7678993" y="866080"/>
-            <a:ext cx="3924967" cy="584932"/>
-          </a:xfrm>
-          <a:prstGeom prst="roundRect">
-            <a:avLst/>
-          </a:prstGeom>
-          <a:noFill/>
-          <a:ln w="3175">
-            <a:solidFill>
-              <a:schemeClr val="bg1">
-                <a:lumMod val="75000"/>
-              </a:schemeClr>
-            </a:solidFill>
-          </a:ln>
-        </p:spPr>
-        <p:style>
-          <a:lnRef idx="2">
-            <a:schemeClr val="accent1">
-              <a:shade val="50000"/>
-            </a:schemeClr>
-          </a:lnRef>
-          <a:fillRef idx="1">
-            <a:schemeClr val="accent1"/>
-          </a:fillRef>
-          <a:effectRef idx="0">
-            <a:schemeClr val="accent1"/>
-          </a:effectRef>
-          <a:fontRef idx="minor">
-            <a:schemeClr val="lt1"/>
-          </a:fontRef>
-        </p:style>
-        <p:txBody>
-          <a:bodyPr rtlCol="0" anchor="ctr"/>
-          <a:lstStyle/>
-          <a:p>
-            <a:pPr algn="ctr"/>
-            <a:endParaRPr lang="es-ES"/>
-          </a:p>
-        </p:txBody>
-      </p:sp>
-      <p:cxnSp>
-        <p:nvCxnSpPr>
-          <p:cNvPr id="69" name="Conector recto de flecha 68">
-            <a:extLst>
-              <a:ext uri="{FF2B5EF4-FFF2-40B4-BE49-F238E27FC236}">
-                <a16:creationId xmlns:a16="http://schemas.microsoft.com/office/drawing/2014/main" id="{1D51A0FE-FD55-46BF-82A9-3C4B8981E1FA}"/>
-              </a:ext>
-            </a:extLst>
-          </p:cNvPr>
-          <p:cNvCxnSpPr>
-            <a:cxnSpLocks/>
-          </p:cNvCxnSpPr>
-          <p:nvPr/>
-        </p:nvCxnSpPr>
-        <p:spPr>
-          <a:xfrm flipV="1">
-            <a:off x="7235154" y="1197280"/>
-            <a:ext cx="345847" cy="10306"/>
-          </a:xfrm>
-          <a:prstGeom prst="straightConnector1">
-            <a:avLst/>
-          </a:prstGeom>
-          <a:ln>
-            <a:tailEnd type="triangle"/>
-          </a:ln>
-        </p:spPr>
-        <p:style>
-          <a:lnRef idx="1">
-            <a:schemeClr val="accent1"/>
-          </a:lnRef>
-          <a:fillRef idx="0">
-            <a:schemeClr val="accent1"/>
-          </a:fillRef>
-          <a:effectRef idx="0">
-            <a:schemeClr val="accent1"/>
-          </a:effectRef>
-          <a:fontRef idx="minor">
-            <a:schemeClr val="tx1"/>
-          </a:fontRef>
-        </p:style>
-      </p:cxnSp>
-      <p:sp>
-        <p:nvSpPr>
-          <p:cNvPr id="2" name="Rectángulo 1">
-            <a:extLst>
-              <a:ext uri="{FF2B5EF4-FFF2-40B4-BE49-F238E27FC236}">
-                <a16:creationId xmlns:a16="http://schemas.microsoft.com/office/drawing/2014/main" id="{7115199E-ED66-4659-A8AF-E14260C1ED68}"/>
-              </a:ext>
-            </a:extLst>
-          </p:cNvPr>
-          <p:cNvSpPr/>
-          <p:nvPr/>
-        </p:nvSpPr>
-        <p:spPr>
-          <a:xfrm>
-            <a:off x="6168113" y="2260334"/>
-            <a:ext cx="1263201" cy="646331"/>
-          </a:xfrm>
-          <a:prstGeom prst="rect">
-            <a:avLst/>
-          </a:prstGeom>
-        </p:spPr>
-        <p:txBody>
-          <a:bodyPr wrap="square">
-            <a:spAutoFit/>
-          </a:bodyPr>
-          <a:lstStyle/>
-          <a:p>
-            <a:r>
-              <a:rPr lang="en-US" sz="900" dirty="0">
-                <a:latin typeface="Consolas" panose="020B0609020204030204" pitchFamily="49" charset="0"/>
-              </a:rPr>
-              <a:t>Sample point id</a:t>
-            </a:r>
-          </a:p>
-          <a:p>
-            <a:r>
-              <a:rPr lang="en-US" sz="900" dirty="0">
-                <a:latin typeface="Consolas" panose="020B0609020204030204" pitchFamily="49" charset="0"/>
-              </a:rPr>
-              <a:t>Duration</a:t>
-            </a:r>
-          </a:p>
-          <a:p>
-            <a:r>
-              <a:rPr lang="en-US" sz="900" dirty="0">
-                <a:latin typeface="Consolas" panose="020B0609020204030204" pitchFamily="49" charset="0"/>
-              </a:rPr>
-              <a:t>Stimulation</a:t>
-            </a:r>
-          </a:p>
-          <a:p>
-            <a:r>
-              <a:rPr lang="en-US" sz="900" b="1" u="sng" dirty="0">
-                <a:latin typeface="Consolas" panose="020B0609020204030204" pitchFamily="49" charset="0"/>
-              </a:rPr>
-              <a:t>hit/</a:t>
-            </a:r>
-            <a:r>
-              <a:rPr lang="en-US" sz="900" b="1" u="sng" dirty="0" err="1">
-                <a:latin typeface="Consolas" panose="020B0609020204030204" pitchFamily="49" charset="0"/>
-              </a:rPr>
-              <a:t>nohit</a:t>
-            </a:r>
-            <a:endParaRPr lang="es-ES" sz="900" b="1" u="sng" dirty="0"/>
-          </a:p>
-        </p:txBody>
-      </p:sp>
-      <p:sp>
-        <p:nvSpPr>
-          <p:cNvPr id="27" name="Rectángulo: esquinas redondeadas 26">
-            <a:extLst>
-              <a:ext uri="{FF2B5EF4-FFF2-40B4-BE49-F238E27FC236}">
-                <a16:creationId xmlns:a16="http://schemas.microsoft.com/office/drawing/2014/main" id="{B4D395B0-41D4-4C3D-899A-25651BD7D82D}"/>
-              </a:ext>
-            </a:extLst>
-          </p:cNvPr>
-          <p:cNvSpPr/>
-          <p:nvPr/>
-        </p:nvSpPr>
-        <p:spPr>
-          <a:xfrm>
-            <a:off x="9502411" y="2091073"/>
-            <a:ext cx="2101549" cy="1342072"/>
-          </a:xfrm>
-          <a:prstGeom prst="roundRect">
-            <a:avLst/>
-          </a:prstGeom>
-          <a:noFill/>
-          <a:ln w="3175">
-            <a:solidFill>
-              <a:schemeClr val="bg1">
-                <a:lumMod val="75000"/>
-              </a:schemeClr>
-            </a:solidFill>
-          </a:ln>
-        </p:spPr>
-        <p:style>
-          <a:lnRef idx="2">
-            <a:schemeClr val="accent1">
-              <a:shade val="50000"/>
-            </a:schemeClr>
-          </a:lnRef>
-          <a:fillRef idx="1">
-            <a:schemeClr val="accent1"/>
-          </a:fillRef>
-          <a:effectRef idx="0">
-            <a:schemeClr val="accent1"/>
-          </a:effectRef>
-          <a:fontRef idx="minor">
-            <a:schemeClr val="lt1"/>
-          </a:fontRef>
-        </p:style>
-        <p:txBody>
-          <a:bodyPr rtlCol="0" anchor="ctr"/>
-          <a:lstStyle/>
-          <a:p>
-            <a:pPr algn="ctr"/>
-            <a:endParaRPr lang="es-ES"/>
-          </a:p>
-        </p:txBody>
-      </p:sp>
-      <p:cxnSp>
-        <p:nvCxnSpPr>
-          <p:cNvPr id="28" name="Conector recto de flecha 27">
-            <a:extLst>
-              <a:ext uri="{FF2B5EF4-FFF2-40B4-BE49-F238E27FC236}">
-                <a16:creationId xmlns:a16="http://schemas.microsoft.com/office/drawing/2014/main" id="{B74542F8-7B60-4E6F-99B4-D7881395AFA8}"/>
-              </a:ext>
-            </a:extLst>
-          </p:cNvPr>
-          <p:cNvCxnSpPr>
-            <a:cxnSpLocks/>
-          </p:cNvCxnSpPr>
-          <p:nvPr/>
-        </p:nvCxnSpPr>
-        <p:spPr>
-          <a:xfrm rot="5400000" flipV="1">
-            <a:off x="10611220" y="1820900"/>
-            <a:ext cx="345847" cy="10306"/>
-          </a:xfrm>
-          <a:prstGeom prst="straightConnector1">
-            <a:avLst/>
-          </a:prstGeom>
-          <a:ln>
-            <a:tailEnd type="triangle"/>
-          </a:ln>
-        </p:spPr>
-        <p:style>
-          <a:lnRef idx="1">
-            <a:schemeClr val="accent1"/>
-          </a:lnRef>
-          <a:fillRef idx="0">
-            <a:schemeClr val="accent1"/>
-          </a:fillRef>
-          <a:effectRef idx="0">
-            <a:schemeClr val="accent1"/>
-          </a:effectRef>
-          <a:fontRef idx="minor">
-            <a:schemeClr val="tx1"/>
-          </a:fontRef>
-        </p:style>
-      </p:cxnSp>
-      <p:sp>
-        <p:nvSpPr>
-          <p:cNvPr id="29" name="CuadroTexto 28">
-            <a:extLst>
-              <a:ext uri="{FF2B5EF4-FFF2-40B4-BE49-F238E27FC236}">
-                <a16:creationId xmlns:a16="http://schemas.microsoft.com/office/drawing/2014/main" id="{5A348F0D-4E1D-4388-91AA-E17322EC531A}"/>
-              </a:ext>
-            </a:extLst>
-          </p:cNvPr>
-          <p:cNvSpPr txBox="1"/>
-          <p:nvPr/>
-        </p:nvSpPr>
-        <p:spPr>
-          <a:xfrm>
-            <a:off x="9468658" y="1803750"/>
-            <a:ext cx="1310332" cy="261610"/>
-          </a:xfrm>
-          <a:prstGeom prst="rect">
-            <a:avLst/>
-          </a:prstGeom>
-          <a:noFill/>
-        </p:spPr>
-        <p:txBody>
-          <a:bodyPr wrap="square" rtlCol="0">
-            <a:spAutoFit/>
-          </a:bodyPr>
-          <a:lstStyle/>
-          <a:p>
-            <a:pPr algn="ctr"/>
-            <a:r>
-              <a:rPr lang="es-ES" sz="1100" b="1" dirty="0" err="1"/>
-              <a:t>Pre-procesamiento</a:t>
-            </a:r>
-            <a:endParaRPr lang="es-ES" sz="900" b="1" dirty="0"/>
-          </a:p>
-        </p:txBody>
-      </p:sp>
-      <p:sp>
-        <p:nvSpPr>
-          <p:cNvPr id="30" name="Rectángulo 29">
-            <a:extLst>
-              <a:ext uri="{FF2B5EF4-FFF2-40B4-BE49-F238E27FC236}">
-                <a16:creationId xmlns:a16="http://schemas.microsoft.com/office/drawing/2014/main" id="{EC944E61-AE93-417A-AC84-CC24FA81E779}"/>
-              </a:ext>
-            </a:extLst>
-          </p:cNvPr>
-          <p:cNvSpPr/>
-          <p:nvPr/>
-        </p:nvSpPr>
-        <p:spPr>
-          <a:xfrm>
-            <a:off x="9753814" y="2395487"/>
-            <a:ext cx="1263201" cy="507831"/>
-          </a:xfrm>
-          <a:prstGeom prst="rect">
-            <a:avLst/>
-          </a:prstGeom>
-        </p:spPr>
-        <p:txBody>
-          <a:bodyPr wrap="square">
-            <a:spAutoFit/>
-          </a:bodyPr>
-          <a:lstStyle/>
-          <a:p>
-            <a:r>
-              <a:rPr lang="en-US" sz="900" u="sng" dirty="0" err="1">
-                <a:latin typeface="Consolas" panose="020B0609020204030204" pitchFamily="49" charset="0"/>
-              </a:rPr>
-              <a:t>Tarea</a:t>
-            </a:r>
-            <a:r>
-              <a:rPr lang="en-US" sz="900" u="sng" dirty="0">
-                <a:latin typeface="Consolas" panose="020B0609020204030204" pitchFamily="49" charset="0"/>
-              </a:rPr>
-              <a:t> 1</a:t>
-            </a:r>
-          </a:p>
-          <a:p>
-            <a:r>
-              <a:rPr lang="en-US" sz="900" u="sng" dirty="0" err="1">
-                <a:latin typeface="Consolas" panose="020B0609020204030204" pitchFamily="49" charset="0"/>
-              </a:rPr>
-              <a:t>Tarea</a:t>
-            </a:r>
-            <a:r>
-              <a:rPr lang="en-US" sz="900" u="sng" dirty="0">
-                <a:latin typeface="Consolas" panose="020B0609020204030204" pitchFamily="49" charset="0"/>
-              </a:rPr>
-              <a:t> 2</a:t>
-            </a:r>
-          </a:p>
-          <a:p>
-            <a:r>
-              <a:rPr lang="en-US" sz="900" u="sng" dirty="0" err="1">
-                <a:latin typeface="Consolas" panose="020B0609020204030204" pitchFamily="49" charset="0"/>
-              </a:rPr>
-              <a:t>Tarea</a:t>
-            </a:r>
-            <a:r>
-              <a:rPr lang="en-US" sz="900" u="sng" dirty="0">
-                <a:latin typeface="Consolas" panose="020B0609020204030204" pitchFamily="49" charset="0"/>
-              </a:rPr>
-              <a:t> 3</a:t>
-            </a:r>
-            <a:endParaRPr lang="es-ES" sz="900" b="1" u="sng" dirty="0"/>
-          </a:p>
-        </p:txBody>
-      </p:sp>
-      <p:sp>
-        <p:nvSpPr>
-          <p:cNvPr id="31" name="CuadroTexto 30">
-            <a:extLst>
-              <a:ext uri="{FF2B5EF4-FFF2-40B4-BE49-F238E27FC236}">
-                <a16:creationId xmlns:a16="http://schemas.microsoft.com/office/drawing/2014/main" id="{11DE1097-A451-4A94-B8C2-3353417517DD}"/>
-              </a:ext>
-            </a:extLst>
-          </p:cNvPr>
-          <p:cNvSpPr txBox="1"/>
-          <p:nvPr/>
-        </p:nvSpPr>
-        <p:spPr>
-          <a:xfrm>
-            <a:off x="6168113" y="4604134"/>
-            <a:ext cx="4239491" cy="369332"/>
-          </a:xfrm>
-          <a:prstGeom prst="rect">
-            <a:avLst/>
-          </a:prstGeom>
-          <a:noFill/>
-        </p:spPr>
-        <p:txBody>
-          <a:bodyPr wrap="square" rtlCol="0">
-            <a:spAutoFit/>
-          </a:bodyPr>
-          <a:lstStyle/>
-          <a:p>
-            <a:r>
-              <a:rPr lang="es-AR" b="1" dirty="0">
-                <a:solidFill>
-                  <a:srgbClr val="FF0000"/>
-                </a:solidFill>
-              </a:rPr>
-              <a:t>Acá abajo podría ir el proceso de ML</a:t>
-            </a:r>
-            <a:endParaRPr lang="es-ES" b="1" dirty="0">
-              <a:solidFill>
-                <a:srgbClr val="FF0000"/>
-              </a:solidFill>
-            </a:endParaRPr>
+            <a:r>
+              <a:rPr lang="es-AR" sz="3600" dirty="0"/>
+              <a:t>¿Qué hacer con toda esta información </a:t>
+            </a:r>
+            <a:r>
+              <a:rPr lang="es-AR" sz="3600" i="1" dirty="0"/>
+              <a:t>inconexa</a:t>
+            </a:r>
+            <a:r>
+              <a:rPr lang="es-AR" sz="3600" dirty="0"/>
+              <a:t>?</a:t>
+            </a:r>
+            <a:endParaRPr lang="es-ES" sz="3600" dirty="0"/>
+          </a:p>
+          <a:p>
+            <a:endParaRPr lang="es-AR" dirty="0"/>
           </a:p>
         </p:txBody>
       </p:sp>
     </p:spTree>
     <p:extLst>
       <p:ext uri="{BB962C8B-B14F-4D97-AF65-F5344CB8AC3E}">
-        <p14:creationId xmlns:p14="http://schemas.microsoft.com/office/powerpoint/2010/main" val="2592664457"/>
+        <p14:creationId xmlns:p14="http://schemas.microsoft.com/office/powerpoint/2010/main" val="43327176"/>
       </p:ext>
     </p:extLst>
   </p:cSld>

--- a/a_documents/TFI.pptx
+++ b/a_documents/TFI.pptx
@@ -268,7 +268,7 @@
           <a:p>
             <a:fld id="{3E8EA724-0D8D-4ACB-812E-EA78360479C2}" type="datetimeFigureOut">
               <a:rPr lang="es-ES" smtClean="0"/>
-              <a:t>26/04/2023</a:t>
+              <a:t>28/04/2023</a:t>
             </a:fld>
             <a:endParaRPr lang="es-ES"/>
           </a:p>
@@ -466,7 +466,7 @@
           <a:p>
             <a:fld id="{3E8EA724-0D8D-4ACB-812E-EA78360479C2}" type="datetimeFigureOut">
               <a:rPr lang="es-ES" smtClean="0"/>
-              <a:t>26/04/2023</a:t>
+              <a:t>28/04/2023</a:t>
             </a:fld>
             <a:endParaRPr lang="es-ES"/>
           </a:p>
@@ -674,7 +674,7 @@
           <a:p>
             <a:fld id="{3E8EA724-0D8D-4ACB-812E-EA78360479C2}" type="datetimeFigureOut">
               <a:rPr lang="es-ES" smtClean="0"/>
-              <a:t>26/04/2023</a:t>
+              <a:t>28/04/2023</a:t>
             </a:fld>
             <a:endParaRPr lang="es-ES"/>
           </a:p>
@@ -872,7 +872,7 @@
           <a:p>
             <a:fld id="{3E8EA724-0D8D-4ACB-812E-EA78360479C2}" type="datetimeFigureOut">
               <a:rPr lang="es-ES" smtClean="0"/>
-              <a:t>26/04/2023</a:t>
+              <a:t>28/04/2023</a:t>
             </a:fld>
             <a:endParaRPr lang="es-ES"/>
           </a:p>
@@ -1147,7 +1147,7 @@
           <a:p>
             <a:fld id="{3E8EA724-0D8D-4ACB-812E-EA78360479C2}" type="datetimeFigureOut">
               <a:rPr lang="es-ES" smtClean="0"/>
-              <a:t>26/04/2023</a:t>
+              <a:t>28/04/2023</a:t>
             </a:fld>
             <a:endParaRPr lang="es-ES"/>
           </a:p>
@@ -1412,7 +1412,7 @@
           <a:p>
             <a:fld id="{3E8EA724-0D8D-4ACB-812E-EA78360479C2}" type="datetimeFigureOut">
               <a:rPr lang="es-ES" smtClean="0"/>
-              <a:t>26/04/2023</a:t>
+              <a:t>28/04/2023</a:t>
             </a:fld>
             <a:endParaRPr lang="es-ES"/>
           </a:p>
@@ -1824,7 +1824,7 @@
           <a:p>
             <a:fld id="{3E8EA724-0D8D-4ACB-812E-EA78360479C2}" type="datetimeFigureOut">
               <a:rPr lang="es-ES" smtClean="0"/>
-              <a:t>26/04/2023</a:t>
+              <a:t>28/04/2023</a:t>
             </a:fld>
             <a:endParaRPr lang="es-ES"/>
           </a:p>
@@ -1965,7 +1965,7 @@
           <a:p>
             <a:fld id="{3E8EA724-0D8D-4ACB-812E-EA78360479C2}" type="datetimeFigureOut">
               <a:rPr lang="es-ES" smtClean="0"/>
-              <a:t>26/04/2023</a:t>
+              <a:t>28/04/2023</a:t>
             </a:fld>
             <a:endParaRPr lang="es-ES"/>
           </a:p>
@@ -2078,7 +2078,7 @@
           <a:p>
             <a:fld id="{3E8EA724-0D8D-4ACB-812E-EA78360479C2}" type="datetimeFigureOut">
               <a:rPr lang="es-ES" smtClean="0"/>
-              <a:t>26/04/2023</a:t>
+              <a:t>28/04/2023</a:t>
             </a:fld>
             <a:endParaRPr lang="es-ES"/>
           </a:p>
@@ -2389,7 +2389,7 @@
           <a:p>
             <a:fld id="{3E8EA724-0D8D-4ACB-812E-EA78360479C2}" type="datetimeFigureOut">
               <a:rPr lang="es-ES" smtClean="0"/>
-              <a:t>26/04/2023</a:t>
+              <a:t>28/04/2023</a:t>
             </a:fld>
             <a:endParaRPr lang="es-ES"/>
           </a:p>
@@ -2677,7 +2677,7 @@
           <a:p>
             <a:fld id="{3E8EA724-0D8D-4ACB-812E-EA78360479C2}" type="datetimeFigureOut">
               <a:rPr lang="es-ES" smtClean="0"/>
-              <a:t>26/04/2023</a:t>
+              <a:t>28/04/2023</a:t>
             </a:fld>
             <a:endParaRPr lang="es-ES"/>
           </a:p>
@@ -2918,7 +2918,7 @@
           <a:p>
             <a:fld id="{3E8EA724-0D8D-4ACB-812E-EA78360479C2}" type="datetimeFigureOut">
               <a:rPr lang="es-ES" smtClean="0"/>
-              <a:t>26/04/2023</a:t>
+              <a:t>28/04/2023</a:t>
             </a:fld>
             <a:endParaRPr lang="es-ES"/>
           </a:p>
@@ -4526,7 +4526,7 @@
                   <a:srgbClr val="374151"/>
                 </a:solidFill>
               </a:rPr>
-              <a:t> </a:t>
+              <a:t> BNCI </a:t>
             </a:r>
             <a:r>
               <a:rPr lang="es-ES" sz="1200" dirty="0" err="1">
@@ -4534,7 +4534,7 @@
                   <a:srgbClr val="374151"/>
                 </a:solidFill>
               </a:rPr>
-              <a:t>BNCIHorizon</a:t>
+              <a:t>Horizon</a:t>
             </a:r>
             <a:r>
               <a:rPr lang="es-ES" sz="1200" dirty="0">
